--- a/Lec-30-31.pptx
+++ b/Lec-30-31.pptx
@@ -5,31 +5,20 @@
     <p:sldMasterId id="2147483648" r:id="rId1"/>
   </p:sldMasterIdLst>
   <p:notesMasterIdLst>
-    <p:notesMasterId r:id="rId24"/>
+    <p:notesMasterId r:id="rId13"/>
   </p:notesMasterIdLst>
   <p:sldIdLst>
     <p:sldId id="337" r:id="rId2"/>
-    <p:sldId id="403" r:id="rId3"/>
-    <p:sldId id="404" r:id="rId4"/>
-    <p:sldId id="405" r:id="rId5"/>
-    <p:sldId id="406" r:id="rId6"/>
-    <p:sldId id="407" r:id="rId7"/>
-    <p:sldId id="408" r:id="rId8"/>
-    <p:sldId id="414" r:id="rId9"/>
-    <p:sldId id="402" r:id="rId10"/>
-    <p:sldId id="409" r:id="rId11"/>
-    <p:sldId id="410" r:id="rId12"/>
-    <p:sldId id="415" r:id="rId13"/>
-    <p:sldId id="412" r:id="rId14"/>
-    <p:sldId id="411" r:id="rId15"/>
-    <p:sldId id="413" r:id="rId16"/>
-    <p:sldId id="416" r:id="rId17"/>
-    <p:sldId id="417" r:id="rId18"/>
-    <p:sldId id="418" r:id="rId19"/>
-    <p:sldId id="419" r:id="rId20"/>
-    <p:sldId id="420" r:id="rId21"/>
-    <p:sldId id="421" r:id="rId22"/>
-    <p:sldId id="422" r:id="rId23"/>
+    <p:sldId id="423" r:id="rId3"/>
+    <p:sldId id="425" r:id="rId4"/>
+    <p:sldId id="429" r:id="rId5"/>
+    <p:sldId id="424" r:id="rId6"/>
+    <p:sldId id="426" r:id="rId7"/>
+    <p:sldId id="427" r:id="rId8"/>
+    <p:sldId id="428" r:id="rId9"/>
+    <p:sldId id="430" r:id="rId10"/>
+    <p:sldId id="431" r:id="rId11"/>
+    <p:sldId id="432" r:id="rId12"/>
   </p:sldIdLst>
   <p:sldSz cx="9144000" cy="6858000" type="screen4x3"/>
   <p:notesSz cx="6858000" cy="9144000"/>
@@ -311,7 +300,7 @@
               <a:pPr>
                 <a:defRPr/>
               </a:pPr>
-              <a:t>10/23/2025</a:t>
+              <a:t>10/29/2025</a:t>
             </a:fld>
             <a:endParaRPr lang="en-US"/>
           </a:p>
@@ -6635,7 +6624,7 @@
           <p:cNvPr id="3" name="Content Placeholder 2">
             <a:extLst>
               <a:ext uri="{FF2B5EF4-FFF2-40B4-BE49-F238E27FC236}">
-                <a16:creationId xmlns:a16="http://schemas.microsoft.com/office/drawing/2014/main" id="{04320BA9-B4FC-4E98-B0D2-9C193F905A0E}"/>
+                <a16:creationId xmlns:a16="http://schemas.microsoft.com/office/drawing/2014/main" id="{FB3AA587-B355-4F7F-AD79-898D7CEB8932}"/>
               </a:ext>
             </a:extLst>
           </p:cNvPr>
@@ -6653,23 +6642,455 @@
           <a:p>
             <a:r>
               <a:rPr lang="en-US" dirty="0"/>
-              <a:t>The Bipolar Junction Transistor:</a:t>
-            </a:r>
-          </a:p>
-          <a:p>
-            <a:r>
-              <a:rPr lang="en-US" dirty="0"/>
-              <a:t>current-controlled current source</a:t>
+              <a:t>What about this one?</a:t>
             </a:r>
           </a:p>
         </p:txBody>
       </p:sp>
       <p:pic>
         <p:nvPicPr>
-          <p:cNvPr id="9218" name="Picture 2" descr="BJT: Definition, Symbol, Working, Characteristics, Types ...">
+          <p:cNvPr id="4" name="Picture 2">
             <a:extLst>
               <a:ext uri="{FF2B5EF4-FFF2-40B4-BE49-F238E27FC236}">
-                <a16:creationId xmlns:a16="http://schemas.microsoft.com/office/drawing/2014/main" id="{B24FE55F-8D8C-4C8B-8FF5-3080EEAB6C7B}"/>
+                <a16:creationId xmlns:a16="http://schemas.microsoft.com/office/drawing/2014/main" id="{DBBB17F8-862C-4027-85FA-0277C4A89900}"/>
+              </a:ext>
+            </a:extLst>
+          </p:cNvPr>
+          <p:cNvPicPr>
+            <a:picLocks noGrp="1" noChangeAspect="1" noChangeArrowheads="1"/>
+          </p:cNvPicPr>
+          <p:nvPr>
+            <p:ph idx="1"/>
+          </p:nvPr>
+        </p:nvPicPr>
+        <p:blipFill rotWithShape="1">
+          <a:blip r:embed="rId2">
+            <a:extLst>
+              <a:ext uri="{28A0092B-C50C-407E-A947-70E740481C1C}">
+                <a14:useLocalDpi xmlns:a14="http://schemas.microsoft.com/office/drawing/2010/main" val="0"/>
+              </a:ext>
+            </a:extLst>
+          </a:blip>
+          <a:srcRect b="7868"/>
+          <a:stretch/>
+        </p:blipFill>
+        <p:spPr bwMode="auto">
+          <a:xfrm>
+            <a:off x="304800" y="1885087"/>
+            <a:ext cx="8229600" cy="3448913"/>
+          </a:xfrm>
+          <a:prstGeom prst="rect">
+            <a:avLst/>
+          </a:prstGeom>
+          <a:noFill/>
+          <a:extLst>
+            <a:ext uri="{909E8E84-426E-40DD-AFC4-6F175D3DCCD1}">
+              <a14:hiddenFill xmlns:a14="http://schemas.microsoft.com/office/drawing/2010/main">
+                <a:solidFill>
+                  <a:srgbClr val="FFFFFF"/>
+                </a:solidFill>
+              </a14:hiddenFill>
+            </a:ext>
+          </a:extLst>
+        </p:spPr>
+      </p:pic>
+      <p:sp>
+        <p:nvSpPr>
+          <p:cNvPr id="5" name="TextBox 4">
+            <a:extLst>
+              <a:ext uri="{FF2B5EF4-FFF2-40B4-BE49-F238E27FC236}">
+                <a16:creationId xmlns:a16="http://schemas.microsoft.com/office/drawing/2014/main" id="{55091F0A-E1D7-40DE-A7A1-8E7D19A1EB7D}"/>
+              </a:ext>
+            </a:extLst>
+          </p:cNvPr>
+          <p:cNvSpPr txBox="1"/>
+          <p:nvPr/>
+        </p:nvSpPr>
+        <p:spPr>
+          <a:xfrm>
+            <a:off x="3352800" y="5638800"/>
+            <a:ext cx="2438400" cy="369332"/>
+          </a:xfrm>
+          <a:prstGeom prst="rect">
+            <a:avLst/>
+          </a:prstGeom>
+          <a:noFill/>
+        </p:spPr>
+        <p:txBody>
+          <a:bodyPr wrap="square">
+            <a:spAutoFit/>
+          </a:bodyPr>
+          <a:lstStyle/>
+          <a:p>
+            <a:pPr algn="ctr"/>
+            <a:r>
+              <a:rPr lang="en-US" b="1" dirty="0"/>
+              <a:t>Gated D-latch!</a:t>
+            </a:r>
+          </a:p>
+        </p:txBody>
+      </p:sp>
+    </p:spTree>
+    <p:extLst>
+      <p:ext uri="{BB962C8B-B14F-4D97-AF65-F5344CB8AC3E}">
+        <p14:creationId xmlns:p14="http://schemas.microsoft.com/office/powerpoint/2010/main" val="1039074465"/>
+      </p:ext>
+    </p:extLst>
+  </p:cSld>
+  <p:clrMapOvr>
+    <a:masterClrMapping/>
+  </p:clrMapOvr>
+  <p:timing>
+    <p:tnLst>
+      <p:par>
+        <p:cTn id="1" dur="indefinite" restart="never" nodeType="tmRoot">
+          <p:childTnLst>
+            <p:seq concurrent="1" nextAc="seek">
+              <p:cTn id="2" dur="indefinite" nodeType="mainSeq">
+                <p:childTnLst>
+                  <p:par>
+                    <p:cTn id="3" fill="hold">
+                      <p:stCondLst>
+                        <p:cond delay="indefinite"/>
+                      </p:stCondLst>
+                      <p:childTnLst>
+                        <p:par>
+                          <p:cTn id="4" fill="hold">
+                            <p:stCondLst>
+                              <p:cond delay="0"/>
+                            </p:stCondLst>
+                            <p:childTnLst>
+                              <p:par>
+                                <p:cTn id="5" presetID="1" presetClass="entr" presetSubtype="0" fill="hold" grpId="0" nodeType="clickEffect">
+                                  <p:stCondLst>
+                                    <p:cond delay="0"/>
+                                  </p:stCondLst>
+                                  <p:childTnLst>
+                                    <p:set>
+                                      <p:cBhvr>
+                                        <p:cTn id="6" dur="1" fill="hold">
+                                          <p:stCondLst>
+                                            <p:cond delay="0"/>
+                                          </p:stCondLst>
+                                        </p:cTn>
+                                        <p:tgtEl>
+                                          <p:spTgt spid="5"/>
+                                        </p:tgtEl>
+                                        <p:attrNameLst>
+                                          <p:attrName>style.visibility</p:attrName>
+                                        </p:attrNameLst>
+                                      </p:cBhvr>
+                                      <p:to>
+                                        <p:strVal val="visible"/>
+                                      </p:to>
+                                    </p:set>
+                                  </p:childTnLst>
+                                </p:cTn>
+                              </p:par>
+                            </p:childTnLst>
+                          </p:cTn>
+                        </p:par>
+                      </p:childTnLst>
+                    </p:cTn>
+                  </p:par>
+                </p:childTnLst>
+              </p:cTn>
+              <p:prevCondLst>
+                <p:cond evt="onPrev" delay="0">
+                  <p:tgtEl>
+                    <p:sldTgt/>
+                  </p:tgtEl>
+                </p:cond>
+              </p:prevCondLst>
+              <p:nextCondLst>
+                <p:cond evt="onNext" delay="0">
+                  <p:tgtEl>
+                    <p:sldTgt/>
+                  </p:tgtEl>
+                </p:cond>
+              </p:nextCondLst>
+            </p:seq>
+          </p:childTnLst>
+        </p:cTn>
+      </p:par>
+    </p:tnLst>
+    <p:bldLst>
+      <p:bldP spid="5" grpId="0"/>
+    </p:bldLst>
+  </p:timing>
+</p:sld>
+</file>
+
+<file path=ppt/slides/slide11.xml><?xml version="1.0" encoding="utf-8"?>
+<p:sld xmlns:a="http://schemas.openxmlformats.org/drawingml/2006/main" xmlns:r="http://schemas.openxmlformats.org/officeDocument/2006/relationships" xmlns:p="http://schemas.openxmlformats.org/presentationml/2006/main">
+  <p:cSld>
+    <p:spTree>
+      <p:nvGrpSpPr>
+        <p:cNvPr id="1" name=""/>
+        <p:cNvGrpSpPr/>
+        <p:nvPr/>
+      </p:nvGrpSpPr>
+      <p:grpSpPr>
+        <a:xfrm>
+          <a:off x="0" y="0"/>
+          <a:ext cx="0" cy="0"/>
+          <a:chOff x="0" y="0"/>
+          <a:chExt cx="0" cy="0"/>
+        </a:xfrm>
+      </p:grpSpPr>
+      <p:sp>
+        <p:nvSpPr>
+          <p:cNvPr id="3" name="Content Placeholder 2">
+            <a:extLst>
+              <a:ext uri="{FF2B5EF4-FFF2-40B4-BE49-F238E27FC236}">
+                <a16:creationId xmlns:a16="http://schemas.microsoft.com/office/drawing/2014/main" id="{9B084829-3DF3-46AA-8090-5C9833E7E8E2}"/>
+              </a:ext>
+            </a:extLst>
+          </p:cNvPr>
+          <p:cNvSpPr>
+            <a:spLocks noGrp="1"/>
+          </p:cNvSpPr>
+          <p:nvPr>
+            <p:ph sz="quarter" idx="10"/>
+          </p:nvPr>
+        </p:nvSpPr>
+        <p:spPr/>
+        <p:txBody>
+          <a:bodyPr/>
+          <a:lstStyle/>
+          <a:p>
+            <a:r>
+              <a:rPr lang="en-US" dirty="0"/>
+              <a:t>And this?</a:t>
+            </a:r>
+          </a:p>
+        </p:txBody>
+      </p:sp>
+      <p:pic>
+        <p:nvPicPr>
+          <p:cNvPr id="4" name="Picture 4">
+            <a:extLst>
+              <a:ext uri="{FF2B5EF4-FFF2-40B4-BE49-F238E27FC236}">
+                <a16:creationId xmlns:a16="http://schemas.microsoft.com/office/drawing/2014/main" id="{E4663982-0C9F-45C4-8CCE-4837B35831A2}"/>
+              </a:ext>
+            </a:extLst>
+          </p:cNvPr>
+          <p:cNvPicPr>
+            <a:picLocks noGrp="1" noChangeAspect="1" noChangeArrowheads="1"/>
+          </p:cNvPicPr>
+          <p:nvPr>
+            <p:ph idx="1"/>
+          </p:nvPr>
+        </p:nvPicPr>
+        <p:blipFill rotWithShape="1">
+          <a:blip r:embed="rId2">
+            <a:extLst>
+              <a:ext uri="{28A0092B-C50C-407E-A947-70E740481C1C}">
+                <a14:useLocalDpi xmlns:a14="http://schemas.microsoft.com/office/drawing/2010/main" val="0"/>
+              </a:ext>
+            </a:extLst>
+          </a:blip>
+          <a:srcRect b="5051"/>
+          <a:stretch/>
+        </p:blipFill>
+        <p:spPr bwMode="auto">
+          <a:xfrm>
+            <a:off x="457200" y="1447799"/>
+            <a:ext cx="4343400" cy="5041261"/>
+          </a:xfrm>
+          <a:prstGeom prst="rect">
+            <a:avLst/>
+          </a:prstGeom>
+          <a:noFill/>
+          <a:extLst>
+            <a:ext uri="{909E8E84-426E-40DD-AFC4-6F175D3DCCD1}">
+              <a14:hiddenFill xmlns:a14="http://schemas.microsoft.com/office/drawing/2010/main">
+                <a:solidFill>
+                  <a:srgbClr val="FFFFFF"/>
+                </a:solidFill>
+              </a14:hiddenFill>
+            </a:ext>
+          </a:extLst>
+        </p:spPr>
+      </p:pic>
+      <p:sp>
+        <p:nvSpPr>
+          <p:cNvPr id="5" name="TextBox 4">
+            <a:extLst>
+              <a:ext uri="{FF2B5EF4-FFF2-40B4-BE49-F238E27FC236}">
+                <a16:creationId xmlns:a16="http://schemas.microsoft.com/office/drawing/2014/main" id="{680967CB-5EFE-40FF-BCFF-628CDD313F34}"/>
+              </a:ext>
+            </a:extLst>
+          </p:cNvPr>
+          <p:cNvSpPr txBox="1"/>
+          <p:nvPr/>
+        </p:nvSpPr>
+        <p:spPr>
+          <a:xfrm>
+            <a:off x="5638800" y="3560997"/>
+            <a:ext cx="2438400" cy="369332"/>
+          </a:xfrm>
+          <a:prstGeom prst="rect">
+            <a:avLst/>
+          </a:prstGeom>
+          <a:noFill/>
+        </p:spPr>
+        <p:txBody>
+          <a:bodyPr wrap="square">
+            <a:spAutoFit/>
+          </a:bodyPr>
+          <a:lstStyle/>
+          <a:p>
+            <a:pPr algn="ctr"/>
+            <a:r>
+              <a:rPr lang="en-US" b="1" dirty="0"/>
+              <a:t>Multiplexer!</a:t>
+            </a:r>
+          </a:p>
+        </p:txBody>
+      </p:sp>
+    </p:spTree>
+    <p:extLst>
+      <p:ext uri="{BB962C8B-B14F-4D97-AF65-F5344CB8AC3E}">
+        <p14:creationId xmlns:p14="http://schemas.microsoft.com/office/powerpoint/2010/main" val="2805590349"/>
+      </p:ext>
+    </p:extLst>
+  </p:cSld>
+  <p:clrMapOvr>
+    <a:masterClrMapping/>
+  </p:clrMapOvr>
+  <p:timing>
+    <p:tnLst>
+      <p:par>
+        <p:cTn id="1" dur="indefinite" restart="never" nodeType="tmRoot">
+          <p:childTnLst>
+            <p:seq concurrent="1" nextAc="seek">
+              <p:cTn id="2" dur="indefinite" nodeType="mainSeq">
+                <p:childTnLst>
+                  <p:par>
+                    <p:cTn id="3" fill="hold">
+                      <p:stCondLst>
+                        <p:cond delay="indefinite"/>
+                      </p:stCondLst>
+                      <p:childTnLst>
+                        <p:par>
+                          <p:cTn id="4" fill="hold">
+                            <p:stCondLst>
+                              <p:cond delay="0"/>
+                            </p:stCondLst>
+                            <p:childTnLst>
+                              <p:par>
+                                <p:cTn id="5" presetID="1" presetClass="entr" presetSubtype="0" fill="hold" grpId="0" nodeType="clickEffect">
+                                  <p:stCondLst>
+                                    <p:cond delay="0"/>
+                                  </p:stCondLst>
+                                  <p:childTnLst>
+                                    <p:set>
+                                      <p:cBhvr>
+                                        <p:cTn id="6" dur="1" fill="hold">
+                                          <p:stCondLst>
+                                            <p:cond delay="0"/>
+                                          </p:stCondLst>
+                                        </p:cTn>
+                                        <p:tgtEl>
+                                          <p:spTgt spid="5"/>
+                                        </p:tgtEl>
+                                        <p:attrNameLst>
+                                          <p:attrName>style.visibility</p:attrName>
+                                        </p:attrNameLst>
+                                      </p:cBhvr>
+                                      <p:to>
+                                        <p:strVal val="visible"/>
+                                      </p:to>
+                                    </p:set>
+                                  </p:childTnLst>
+                                </p:cTn>
+                              </p:par>
+                            </p:childTnLst>
+                          </p:cTn>
+                        </p:par>
+                      </p:childTnLst>
+                    </p:cTn>
+                  </p:par>
+                </p:childTnLst>
+              </p:cTn>
+              <p:prevCondLst>
+                <p:cond evt="onPrev" delay="0">
+                  <p:tgtEl>
+                    <p:sldTgt/>
+                  </p:tgtEl>
+                </p:cond>
+              </p:prevCondLst>
+              <p:nextCondLst>
+                <p:cond evt="onNext" delay="0">
+                  <p:tgtEl>
+                    <p:sldTgt/>
+                  </p:tgtEl>
+                </p:cond>
+              </p:nextCondLst>
+            </p:seq>
+          </p:childTnLst>
+        </p:cTn>
+      </p:par>
+    </p:tnLst>
+    <p:bldLst>
+      <p:bldP spid="5" grpId="0"/>
+    </p:bldLst>
+  </p:timing>
+</p:sld>
+</file>
+
+<file path=ppt/slides/slide2.xml><?xml version="1.0" encoding="utf-8"?>
+<p:sld xmlns:a="http://schemas.openxmlformats.org/drawingml/2006/main" xmlns:r="http://schemas.openxmlformats.org/officeDocument/2006/relationships" xmlns:p="http://schemas.openxmlformats.org/presentationml/2006/main">
+  <p:cSld>
+    <p:spTree>
+      <p:nvGrpSpPr>
+        <p:cNvPr id="1" name=""/>
+        <p:cNvGrpSpPr/>
+        <p:nvPr/>
+      </p:nvGrpSpPr>
+      <p:grpSpPr>
+        <a:xfrm>
+          <a:off x="0" y="0"/>
+          <a:ext cx="0" cy="0"/>
+          <a:chOff x="0" y="0"/>
+          <a:chExt cx="0" cy="0"/>
+        </a:xfrm>
+      </p:grpSpPr>
+      <p:sp>
+        <p:nvSpPr>
+          <p:cNvPr id="3" name="Content Placeholder 2">
+            <a:extLst>
+              <a:ext uri="{FF2B5EF4-FFF2-40B4-BE49-F238E27FC236}">
+                <a16:creationId xmlns:a16="http://schemas.microsoft.com/office/drawing/2014/main" id="{10C11615-530D-4854-A751-8D6F426FC6FD}"/>
+              </a:ext>
+            </a:extLst>
+          </p:cNvPr>
+          <p:cNvSpPr>
+            <a:spLocks noGrp="1"/>
+          </p:cNvSpPr>
+          <p:nvPr>
+            <p:ph sz="quarter" idx="10"/>
+          </p:nvPr>
+        </p:nvSpPr>
+        <p:spPr/>
+        <p:txBody>
+          <a:bodyPr/>
+          <a:lstStyle/>
+          <a:p>
+            <a:r>
+              <a:rPr lang="en-US" dirty="0"/>
+              <a:t>Metal Oxide Semiconductors</a:t>
+            </a:r>
+          </a:p>
+        </p:txBody>
+      </p:sp>
+      <p:pic>
+        <p:nvPicPr>
+          <p:cNvPr id="4" name="Picture 2">
+            <a:extLst>
+              <a:ext uri="{FF2B5EF4-FFF2-40B4-BE49-F238E27FC236}">
+                <a16:creationId xmlns:a16="http://schemas.microsoft.com/office/drawing/2014/main" id="{396764CC-7F47-44D1-8359-90988DBCBBEA}"/>
               </a:ext>
             </a:extLst>
           </p:cNvPr>
@@ -6695,8 +7116,8 @@
         </p:blipFill>
         <p:spPr bwMode="auto">
           <a:xfrm>
-            <a:off x="762000" y="4267200"/>
-            <a:ext cx="4119275" cy="2272831"/>
+            <a:off x="2247900" y="1600200"/>
+            <a:ext cx="4648200" cy="2333494"/>
           </a:xfrm>
           <a:prstGeom prst="rect">
             <a:avLst/>
@@ -6715,10 +7136,10 @@
       </p:pic>
       <p:pic>
         <p:nvPicPr>
-          <p:cNvPr id="9220" name="Picture 4" descr="Bipolar Junction Transistor">
+          <p:cNvPr id="5" name="Picture 2">
             <a:extLst>
               <a:ext uri="{FF2B5EF4-FFF2-40B4-BE49-F238E27FC236}">
-                <a16:creationId xmlns:a16="http://schemas.microsoft.com/office/drawing/2014/main" id="{2620CDAB-EB45-4346-923C-1690846701AE}"/>
+                <a16:creationId xmlns:a16="http://schemas.microsoft.com/office/drawing/2014/main" id="{88E058CC-98D3-4F16-B8D1-CBC67076EF04}"/>
               </a:ext>
             </a:extLst>
           </p:cNvPr>
@@ -6742,8 +7163,8 @@
         </p:blipFill>
         <p:spPr bwMode="auto">
           <a:xfrm>
-            <a:off x="5939029" y="984157"/>
-            <a:ext cx="2900171" cy="2471737"/>
+            <a:off x="458787" y="4153693"/>
+            <a:ext cx="8226425" cy="2208213"/>
           </a:xfrm>
           <a:prstGeom prst="rect">
             <a:avLst/>
@@ -6760,231 +7181,10 @@
           </a:extLst>
         </p:spPr>
       </p:pic>
-      <p:pic>
-        <p:nvPicPr>
-          <p:cNvPr id="9222" name="Picture 6">
-            <a:extLst>
-              <a:ext uri="{FF2B5EF4-FFF2-40B4-BE49-F238E27FC236}">
-                <a16:creationId xmlns:a16="http://schemas.microsoft.com/office/drawing/2014/main" id="{E47F3A45-BA87-4280-A885-17536326E948}"/>
-              </a:ext>
-            </a:extLst>
-          </p:cNvPr>
-          <p:cNvPicPr>
-            <a:picLocks noChangeAspect="1" noChangeArrowheads="1"/>
-          </p:cNvPicPr>
-          <p:nvPr/>
-        </p:nvPicPr>
-        <p:blipFill>
-          <a:blip r:embed="rId4">
-            <a:extLst>
-              <a:ext uri="{28A0092B-C50C-407E-A947-70E740481C1C}">
-                <a14:useLocalDpi xmlns:a14="http://schemas.microsoft.com/office/drawing/2010/main" val="0"/>
-              </a:ext>
-            </a:extLst>
-          </a:blip>
-          <a:srcRect/>
-          <a:stretch/>
-        </p:blipFill>
-        <p:spPr bwMode="auto">
-          <a:xfrm>
-            <a:off x="5806165" y="3539425"/>
-            <a:ext cx="3337835" cy="2670268"/>
-          </a:xfrm>
-          <a:prstGeom prst="rect">
-            <a:avLst/>
-          </a:prstGeom>
-          <a:noFill/>
-          <a:extLst>
-            <a:ext uri="{909E8E84-426E-40DD-AFC4-6F175D3DCCD1}">
-              <a14:hiddenFill xmlns:a14="http://schemas.microsoft.com/office/drawing/2010/main">
-                <a:solidFill>
-                  <a:srgbClr val="FFFFFF"/>
-                </a:solidFill>
-              </a14:hiddenFill>
-            </a:ext>
-          </a:extLst>
-        </p:spPr>
-      </p:pic>
-      <p:sp>
-        <p:nvSpPr>
-          <p:cNvPr id="8" name="TextBox 7">
-            <a:extLst>
-              <a:ext uri="{FF2B5EF4-FFF2-40B4-BE49-F238E27FC236}">
-                <a16:creationId xmlns:a16="http://schemas.microsoft.com/office/drawing/2014/main" id="{46832699-0E38-4FE5-B5E7-477970BA5E61}"/>
-              </a:ext>
-            </a:extLst>
-          </p:cNvPr>
-          <p:cNvSpPr txBox="1"/>
-          <p:nvPr/>
-        </p:nvSpPr>
-        <p:spPr>
-          <a:xfrm>
-            <a:off x="156971" y="1404878"/>
-            <a:ext cx="5634229" cy="2862322"/>
-          </a:xfrm>
-          <a:prstGeom prst="rect">
-            <a:avLst/>
-          </a:prstGeom>
-          <a:noFill/>
-        </p:spPr>
-        <p:txBody>
-          <a:bodyPr wrap="square">
-            <a:spAutoFit/>
-          </a:bodyPr>
-          <a:lstStyle/>
-          <a:p>
-            <a:pPr marL="285750" indent="-285750">
-              <a:spcAft>
-                <a:spcPts val="600"/>
-              </a:spcAft>
-              <a:buFont typeface="Arial" panose="020B0604020202020204" pitchFamily="34" charset="0"/>
-              <a:buChar char="•"/>
-            </a:pPr>
-            <a:r>
-              <a:rPr lang="en-US" sz="1600" b="1" dirty="0">
-                <a:latin typeface="+mn-lt"/>
-              </a:rPr>
-              <a:t>Base–Emitter junction (BE)</a:t>
-            </a:r>
-            <a:r>
-              <a:rPr lang="en-US" sz="1600" dirty="0">
-                <a:latin typeface="+mn-lt"/>
-              </a:rPr>
-              <a:t> is </a:t>
-            </a:r>
-            <a:r>
-              <a:rPr lang="en-US" sz="1600" b="1" dirty="0">
-                <a:latin typeface="+mn-lt"/>
-              </a:rPr>
-              <a:t>forward-biased</a:t>
-            </a:r>
-            <a:r>
-              <a:rPr lang="en-US" sz="1600" dirty="0">
-                <a:latin typeface="+mn-lt"/>
-              </a:rPr>
-              <a:t> so that the emitter injects carriers (electrons)</a:t>
-            </a:r>
-          </a:p>
-          <a:p>
-            <a:pPr marL="285750" indent="-285750">
-              <a:spcAft>
-                <a:spcPts val="600"/>
-              </a:spcAft>
-              <a:buFont typeface="Arial" panose="020B0604020202020204" pitchFamily="34" charset="0"/>
-              <a:buChar char="•"/>
-            </a:pPr>
-            <a:r>
-              <a:rPr lang="en-US" sz="1600" dirty="0">
-                <a:latin typeface="+mn-lt"/>
-              </a:rPr>
-              <a:t>Only a small fraction of electrons recombine with holes in the base → this small recombination current forms the </a:t>
-            </a:r>
-            <a:r>
-              <a:rPr lang="en-US" sz="1600" b="1" dirty="0">
-                <a:latin typeface="+mn-lt"/>
-              </a:rPr>
-              <a:t>base current IBI_BIB​</a:t>
-            </a:r>
-          </a:p>
-          <a:p>
-            <a:pPr marL="285750" indent="-285750">
-              <a:spcAft>
-                <a:spcPts val="600"/>
-              </a:spcAft>
-              <a:buFont typeface="Arial" panose="020B0604020202020204" pitchFamily="34" charset="0"/>
-              <a:buChar char="•"/>
-            </a:pPr>
-            <a:r>
-              <a:rPr lang="en-US" sz="1600" dirty="0">
-                <a:latin typeface="+mn-lt"/>
-              </a:rPr>
-              <a:t>Majority of electrons that enter the base </a:t>
-            </a:r>
-            <a:r>
-              <a:rPr lang="en-US" sz="1600" b="1" dirty="0">
-                <a:latin typeface="+mn-lt"/>
-              </a:rPr>
-              <a:t>diffuse across it</a:t>
-            </a:r>
-            <a:r>
-              <a:rPr lang="en-US" sz="1600" dirty="0">
-                <a:latin typeface="+mn-lt"/>
-              </a:rPr>
-              <a:t> and reach the </a:t>
-            </a:r>
-            <a:r>
-              <a:rPr lang="en-US" sz="1600" b="1" dirty="0">
-                <a:latin typeface="+mn-lt"/>
-              </a:rPr>
-              <a:t>collector-base junction</a:t>
-            </a:r>
-            <a:r>
-              <a:rPr lang="en-US" sz="1600" dirty="0">
-                <a:latin typeface="+mn-lt"/>
-              </a:rPr>
-              <a:t>,</a:t>
-            </a:r>
-          </a:p>
-          <a:p>
-            <a:pPr marL="285750" indent="-285750">
-              <a:spcAft>
-                <a:spcPts val="600"/>
-              </a:spcAft>
-              <a:buFont typeface="Arial" panose="020B0604020202020204" pitchFamily="34" charset="0"/>
-              <a:buChar char="•"/>
-            </a:pPr>
-            <a:r>
-              <a:rPr lang="en-US" sz="1600" b="1" dirty="0">
-                <a:latin typeface="+mn-lt"/>
-              </a:rPr>
-              <a:t>Base–Collector junction (BC)</a:t>
-            </a:r>
-            <a:r>
-              <a:rPr lang="en-US" sz="1600" dirty="0">
-                <a:latin typeface="+mn-lt"/>
-              </a:rPr>
-              <a:t> is </a:t>
-            </a:r>
-            <a:r>
-              <a:rPr lang="en-US" sz="1600" b="1" dirty="0">
-                <a:latin typeface="+mn-lt"/>
-              </a:rPr>
-              <a:t>reverse-biased</a:t>
-            </a:r>
-          </a:p>
-          <a:p>
-            <a:pPr marL="285750" indent="-285750">
-              <a:spcAft>
-                <a:spcPts val="600"/>
-              </a:spcAft>
-              <a:buFont typeface="Arial" panose="020B0604020202020204" pitchFamily="34" charset="0"/>
-              <a:buChar char="•"/>
-            </a:pPr>
-            <a:r>
-              <a:rPr lang="en-US" sz="1600" dirty="0">
-                <a:latin typeface="+mn-lt"/>
-              </a:rPr>
-              <a:t>The electric field in the reverse-biased junction </a:t>
-            </a:r>
-            <a:r>
-              <a:rPr lang="en-US" sz="1600" b="1" dirty="0">
-                <a:latin typeface="+mn-lt"/>
-              </a:rPr>
-              <a:t>sweeps these electrons into the collector</a:t>
-            </a:r>
-            <a:r>
-              <a:rPr lang="en-US" sz="1600" dirty="0">
-                <a:latin typeface="+mn-lt"/>
-              </a:rPr>
-              <a:t>.</a:t>
-            </a:r>
-          </a:p>
-        </p:txBody>
-      </p:sp>
     </p:spTree>
     <p:extLst>
       <p:ext uri="{BB962C8B-B14F-4D97-AF65-F5344CB8AC3E}">
-        <p14:creationId xmlns:p14="http://schemas.microsoft.com/office/powerpoint/2010/main" val="168573872"/>
+        <p14:creationId xmlns:p14="http://schemas.microsoft.com/office/powerpoint/2010/main" val="3849031655"/>
       </p:ext>
     </p:extLst>
   </p:cSld>
@@ -7025,2486 +7225,7 @@
                                           </p:stCondLst>
                                         </p:cTn>
                                         <p:tgtEl>
-                                          <p:spTgt spid="9222"/>
-                                        </p:tgtEl>
-                                        <p:attrNameLst>
-                                          <p:attrName>style.visibility</p:attrName>
-                                        </p:attrNameLst>
-                                      </p:cBhvr>
-                                      <p:to>
-                                        <p:strVal val="visible"/>
-                                      </p:to>
-                                    </p:set>
-                                  </p:childTnLst>
-                                </p:cTn>
-                              </p:par>
-                            </p:childTnLst>
-                          </p:cTn>
-                        </p:par>
-                      </p:childTnLst>
-                    </p:cTn>
-                  </p:par>
-                  <p:par>
-                    <p:cTn id="7" fill="hold">
-                      <p:stCondLst>
-                        <p:cond delay="indefinite"/>
-                      </p:stCondLst>
-                      <p:childTnLst>
-                        <p:par>
-                          <p:cTn id="8" fill="hold">
-                            <p:stCondLst>
-                              <p:cond delay="0"/>
-                            </p:stCondLst>
-                            <p:childTnLst>
-                              <p:par>
-                                <p:cTn id="9" presetID="1" presetClass="entr" presetSubtype="0" fill="hold" nodeType="clickEffect">
-                                  <p:stCondLst>
-                                    <p:cond delay="0"/>
-                                  </p:stCondLst>
-                                  <p:childTnLst>
-                                    <p:set>
-                                      <p:cBhvr>
-                                        <p:cTn id="10" dur="1" fill="hold">
-                                          <p:stCondLst>
-                                            <p:cond delay="0"/>
-                                          </p:stCondLst>
-                                        </p:cTn>
-                                        <p:tgtEl>
-                                          <p:spTgt spid="9218"/>
-                                        </p:tgtEl>
-                                        <p:attrNameLst>
-                                          <p:attrName>style.visibility</p:attrName>
-                                        </p:attrNameLst>
-                                      </p:cBhvr>
-                                      <p:to>
-                                        <p:strVal val="visible"/>
-                                      </p:to>
-                                    </p:set>
-                                  </p:childTnLst>
-                                </p:cTn>
-                              </p:par>
-                            </p:childTnLst>
-                          </p:cTn>
-                        </p:par>
-                      </p:childTnLst>
-                    </p:cTn>
-                  </p:par>
-                  <p:par>
-                    <p:cTn id="11" fill="hold">
-                      <p:stCondLst>
-                        <p:cond delay="indefinite"/>
-                      </p:stCondLst>
-                      <p:childTnLst>
-                        <p:par>
-                          <p:cTn id="12" fill="hold">
-                            <p:stCondLst>
-                              <p:cond delay="0"/>
-                            </p:stCondLst>
-                            <p:childTnLst>
-                              <p:par>
-                                <p:cTn id="13" presetID="1" presetClass="entr" presetSubtype="0" fill="hold" grpId="0" nodeType="clickEffect">
-                                  <p:stCondLst>
-                                    <p:cond delay="0"/>
-                                  </p:stCondLst>
-                                  <p:childTnLst>
-                                    <p:set>
-                                      <p:cBhvr>
-                                        <p:cTn id="14" dur="1" fill="hold">
-                                          <p:stCondLst>
-                                            <p:cond delay="0"/>
-                                          </p:stCondLst>
-                                        </p:cTn>
-                                        <p:tgtEl>
-                                          <p:spTgt spid="8">
-                                            <p:txEl>
-                                              <p:pRg st="0" end="0"/>
-                                            </p:txEl>
-                                          </p:spTgt>
-                                        </p:tgtEl>
-                                        <p:attrNameLst>
-                                          <p:attrName>style.visibility</p:attrName>
-                                        </p:attrNameLst>
-                                      </p:cBhvr>
-                                      <p:to>
-                                        <p:strVal val="visible"/>
-                                      </p:to>
-                                    </p:set>
-                                  </p:childTnLst>
-                                </p:cTn>
-                              </p:par>
-                            </p:childTnLst>
-                          </p:cTn>
-                        </p:par>
-                      </p:childTnLst>
-                    </p:cTn>
-                  </p:par>
-                  <p:par>
-                    <p:cTn id="15" fill="hold">
-                      <p:stCondLst>
-                        <p:cond delay="indefinite"/>
-                      </p:stCondLst>
-                      <p:childTnLst>
-                        <p:par>
-                          <p:cTn id="16" fill="hold">
-                            <p:stCondLst>
-                              <p:cond delay="0"/>
-                            </p:stCondLst>
-                            <p:childTnLst>
-                              <p:par>
-                                <p:cTn id="17" presetID="1" presetClass="entr" presetSubtype="0" fill="hold" grpId="0" nodeType="clickEffect">
-                                  <p:stCondLst>
-                                    <p:cond delay="0"/>
-                                  </p:stCondLst>
-                                  <p:childTnLst>
-                                    <p:set>
-                                      <p:cBhvr>
-                                        <p:cTn id="18" dur="1" fill="hold">
-                                          <p:stCondLst>
-                                            <p:cond delay="0"/>
-                                          </p:stCondLst>
-                                        </p:cTn>
-                                        <p:tgtEl>
-                                          <p:spTgt spid="8">
-                                            <p:txEl>
-                                              <p:pRg st="1" end="1"/>
-                                            </p:txEl>
-                                          </p:spTgt>
-                                        </p:tgtEl>
-                                        <p:attrNameLst>
-                                          <p:attrName>style.visibility</p:attrName>
-                                        </p:attrNameLst>
-                                      </p:cBhvr>
-                                      <p:to>
-                                        <p:strVal val="visible"/>
-                                      </p:to>
-                                    </p:set>
-                                  </p:childTnLst>
-                                </p:cTn>
-                              </p:par>
-                            </p:childTnLst>
-                          </p:cTn>
-                        </p:par>
-                      </p:childTnLst>
-                    </p:cTn>
-                  </p:par>
-                  <p:par>
-                    <p:cTn id="19" fill="hold">
-                      <p:stCondLst>
-                        <p:cond delay="indefinite"/>
-                      </p:stCondLst>
-                      <p:childTnLst>
-                        <p:par>
-                          <p:cTn id="20" fill="hold">
-                            <p:stCondLst>
-                              <p:cond delay="0"/>
-                            </p:stCondLst>
-                            <p:childTnLst>
-                              <p:par>
-                                <p:cTn id="21" presetID="1" presetClass="entr" presetSubtype="0" fill="hold" grpId="0" nodeType="clickEffect">
-                                  <p:stCondLst>
-                                    <p:cond delay="0"/>
-                                  </p:stCondLst>
-                                  <p:childTnLst>
-                                    <p:set>
-                                      <p:cBhvr>
-                                        <p:cTn id="22" dur="1" fill="hold">
-                                          <p:stCondLst>
-                                            <p:cond delay="0"/>
-                                          </p:stCondLst>
-                                        </p:cTn>
-                                        <p:tgtEl>
-                                          <p:spTgt spid="8">
-                                            <p:txEl>
-                                              <p:pRg st="2" end="2"/>
-                                            </p:txEl>
-                                          </p:spTgt>
-                                        </p:tgtEl>
-                                        <p:attrNameLst>
-                                          <p:attrName>style.visibility</p:attrName>
-                                        </p:attrNameLst>
-                                      </p:cBhvr>
-                                      <p:to>
-                                        <p:strVal val="visible"/>
-                                      </p:to>
-                                    </p:set>
-                                  </p:childTnLst>
-                                </p:cTn>
-                              </p:par>
-                            </p:childTnLst>
-                          </p:cTn>
-                        </p:par>
-                      </p:childTnLst>
-                    </p:cTn>
-                  </p:par>
-                  <p:par>
-                    <p:cTn id="23" fill="hold">
-                      <p:stCondLst>
-                        <p:cond delay="indefinite"/>
-                      </p:stCondLst>
-                      <p:childTnLst>
-                        <p:par>
-                          <p:cTn id="24" fill="hold">
-                            <p:stCondLst>
-                              <p:cond delay="0"/>
-                            </p:stCondLst>
-                            <p:childTnLst>
-                              <p:par>
-                                <p:cTn id="25" presetID="1" presetClass="entr" presetSubtype="0" fill="hold" grpId="0" nodeType="clickEffect">
-                                  <p:stCondLst>
-                                    <p:cond delay="0"/>
-                                  </p:stCondLst>
-                                  <p:childTnLst>
-                                    <p:set>
-                                      <p:cBhvr>
-                                        <p:cTn id="26" dur="1" fill="hold">
-                                          <p:stCondLst>
-                                            <p:cond delay="0"/>
-                                          </p:stCondLst>
-                                        </p:cTn>
-                                        <p:tgtEl>
-                                          <p:spTgt spid="8">
-                                            <p:txEl>
-                                              <p:pRg st="3" end="3"/>
-                                            </p:txEl>
-                                          </p:spTgt>
-                                        </p:tgtEl>
-                                        <p:attrNameLst>
-                                          <p:attrName>style.visibility</p:attrName>
-                                        </p:attrNameLst>
-                                      </p:cBhvr>
-                                      <p:to>
-                                        <p:strVal val="visible"/>
-                                      </p:to>
-                                    </p:set>
-                                  </p:childTnLst>
-                                </p:cTn>
-                              </p:par>
-                            </p:childTnLst>
-                          </p:cTn>
-                        </p:par>
-                      </p:childTnLst>
-                    </p:cTn>
-                  </p:par>
-                  <p:par>
-                    <p:cTn id="27" fill="hold">
-                      <p:stCondLst>
-                        <p:cond delay="indefinite"/>
-                      </p:stCondLst>
-                      <p:childTnLst>
-                        <p:par>
-                          <p:cTn id="28" fill="hold">
-                            <p:stCondLst>
-                              <p:cond delay="0"/>
-                            </p:stCondLst>
-                            <p:childTnLst>
-                              <p:par>
-                                <p:cTn id="29" presetID="1" presetClass="entr" presetSubtype="0" fill="hold" grpId="0" nodeType="clickEffect">
-                                  <p:stCondLst>
-                                    <p:cond delay="0"/>
-                                  </p:stCondLst>
-                                  <p:childTnLst>
-                                    <p:set>
-                                      <p:cBhvr>
-                                        <p:cTn id="30" dur="1" fill="hold">
-                                          <p:stCondLst>
-                                            <p:cond delay="0"/>
-                                          </p:stCondLst>
-                                        </p:cTn>
-                                        <p:tgtEl>
-                                          <p:spTgt spid="8">
-                                            <p:txEl>
-                                              <p:pRg st="4" end="4"/>
-                                            </p:txEl>
-                                          </p:spTgt>
-                                        </p:tgtEl>
-                                        <p:attrNameLst>
-                                          <p:attrName>style.visibility</p:attrName>
-                                        </p:attrNameLst>
-                                      </p:cBhvr>
-                                      <p:to>
-                                        <p:strVal val="visible"/>
-                                      </p:to>
-                                    </p:set>
-                                  </p:childTnLst>
-                                </p:cTn>
-                              </p:par>
-                            </p:childTnLst>
-                          </p:cTn>
-                        </p:par>
-                      </p:childTnLst>
-                    </p:cTn>
-                  </p:par>
-                </p:childTnLst>
-              </p:cTn>
-              <p:prevCondLst>
-                <p:cond evt="onPrev" delay="0">
-                  <p:tgtEl>
-                    <p:sldTgt/>
-                  </p:tgtEl>
-                </p:cond>
-              </p:prevCondLst>
-              <p:nextCondLst>
-                <p:cond evt="onNext" delay="0">
-                  <p:tgtEl>
-                    <p:sldTgt/>
-                  </p:tgtEl>
-                </p:cond>
-              </p:nextCondLst>
-            </p:seq>
-          </p:childTnLst>
-        </p:cTn>
-      </p:par>
-    </p:tnLst>
-    <p:bldLst>
-      <p:bldP spid="8" grpId="0" build="p"/>
-    </p:bldLst>
-  </p:timing>
-</p:sld>
-</file>
-
-<file path=ppt/slides/slide11.xml><?xml version="1.0" encoding="utf-8"?>
-<p:sld xmlns:a="http://schemas.openxmlformats.org/drawingml/2006/main" xmlns:r="http://schemas.openxmlformats.org/officeDocument/2006/relationships" xmlns:p="http://schemas.openxmlformats.org/presentationml/2006/main">
-  <p:cSld>
-    <p:spTree>
-      <p:nvGrpSpPr>
-        <p:cNvPr id="1" name=""/>
-        <p:cNvGrpSpPr/>
-        <p:nvPr/>
-      </p:nvGrpSpPr>
-      <p:grpSpPr>
-        <a:xfrm>
-          <a:off x="0" y="0"/>
-          <a:ext cx="0" cy="0"/>
-          <a:chOff x="0" y="0"/>
-          <a:chExt cx="0" cy="0"/>
-        </a:xfrm>
-      </p:grpSpPr>
-      <p:pic>
-        <p:nvPicPr>
-          <p:cNvPr id="4" name="Picture 2050">
-            <a:extLst>
-              <a:ext uri="{FF2B5EF4-FFF2-40B4-BE49-F238E27FC236}">
-                <a16:creationId xmlns:a16="http://schemas.microsoft.com/office/drawing/2014/main" id="{F3712A97-CCB9-45B3-98C5-D2D660B2CB48}"/>
-              </a:ext>
-            </a:extLst>
-          </p:cNvPr>
-          <p:cNvPicPr>
-            <a:picLocks noChangeAspect="1" noChangeArrowheads="1"/>
-          </p:cNvPicPr>
-          <p:nvPr/>
-        </p:nvPicPr>
-        <p:blipFill rotWithShape="1">
-          <a:blip r:embed="rId2">
-            <a:extLst>
-              <a:ext uri="{28A0092B-C50C-407E-A947-70E740481C1C}">
-                <a14:useLocalDpi xmlns:a14="http://schemas.microsoft.com/office/drawing/2010/main" val="0"/>
-              </a:ext>
-            </a:extLst>
-          </a:blip>
-          <a:srcRect l="29821" b="55952"/>
-          <a:stretch/>
-        </p:blipFill>
-        <p:spPr bwMode="auto">
-          <a:xfrm>
-            <a:off x="3810000" y="1676400"/>
-            <a:ext cx="3352800" cy="1862168"/>
-          </a:xfrm>
-          <a:prstGeom prst="rect">
-            <a:avLst/>
-          </a:prstGeom>
-          <a:noFill/>
-          <a:extLst>
-            <a:ext uri="{909E8E84-426E-40DD-AFC4-6F175D3DCCD1}">
-              <a14:hiddenFill xmlns:a14="http://schemas.microsoft.com/office/drawing/2010/main">
-                <a:solidFill>
-                  <a:srgbClr val="FFFFFF"/>
-                </a:solidFill>
-              </a14:hiddenFill>
-            </a:ext>
-          </a:extLst>
-        </p:spPr>
-      </p:pic>
-      <p:sp>
-        <p:nvSpPr>
-          <p:cNvPr id="2" name="Content Placeholder 1">
-            <a:extLst>
-              <a:ext uri="{FF2B5EF4-FFF2-40B4-BE49-F238E27FC236}">
-                <a16:creationId xmlns:a16="http://schemas.microsoft.com/office/drawing/2014/main" id="{32CE3A9C-93D1-42D5-8D43-D0EFDCADB6F3}"/>
-              </a:ext>
-            </a:extLst>
-          </p:cNvPr>
-          <p:cNvSpPr>
-            <a:spLocks noGrp="1"/>
-          </p:cNvSpPr>
-          <p:nvPr>
-            <p:ph idx="1"/>
-          </p:nvPr>
-        </p:nvSpPr>
-        <p:spPr>
-          <a:xfrm>
-            <a:off x="304800" y="1493837"/>
-            <a:ext cx="3581400" cy="4525963"/>
-          </a:xfrm>
-        </p:spPr>
-        <p:txBody>
-          <a:bodyPr/>
-          <a:lstStyle/>
-          <a:p>
-            <a:pPr>
-              <a:spcBef>
-                <a:spcPct val="50000"/>
-              </a:spcBef>
-              <a:buFont typeface="Arial" panose="020B0604020202020204" pitchFamily="34" charset="0"/>
-              <a:buChar char="•"/>
-            </a:pPr>
-            <a:r>
-              <a:rPr lang="en-US" altLang="en-US" dirty="0"/>
-              <a:t>Base-Emitter voltage less than 0.6V ; I</a:t>
-            </a:r>
-            <a:r>
-              <a:rPr lang="en-US" altLang="en-US" baseline="-25000" dirty="0"/>
-              <a:t>B</a:t>
-            </a:r>
-            <a:r>
-              <a:rPr lang="en-US" altLang="en-US" dirty="0"/>
-              <a:t> = 0</a:t>
-            </a:r>
-          </a:p>
-          <a:p>
-            <a:pPr lvl="1">
-              <a:spcBef>
-                <a:spcPct val="50000"/>
-              </a:spcBef>
-              <a:buFont typeface="Arial" panose="020B0604020202020204" pitchFamily="34" charset="0"/>
-              <a:buChar char="•"/>
-            </a:pPr>
-            <a:r>
-              <a:rPr lang="en-US" altLang="en-US" dirty="0"/>
-              <a:t>Cut-Off region</a:t>
-            </a:r>
-          </a:p>
-          <a:p>
-            <a:pPr>
-              <a:spcBef>
-                <a:spcPct val="50000"/>
-              </a:spcBef>
-              <a:buFont typeface="Arial" panose="020B0604020202020204" pitchFamily="34" charset="0"/>
-              <a:buChar char="•"/>
-            </a:pPr>
-            <a:r>
-              <a:rPr lang="en-US" altLang="en-US" dirty="0"/>
-              <a:t>Base-Emitter voltage more than 0.6V, transistor starts conducting </a:t>
-            </a:r>
-          </a:p>
-          <a:p>
-            <a:pPr lvl="1">
-              <a:spcBef>
-                <a:spcPct val="50000"/>
-              </a:spcBef>
-              <a:buFont typeface="Arial" panose="020B0604020202020204" pitchFamily="34" charset="0"/>
-              <a:buChar char="•"/>
-            </a:pPr>
-            <a:r>
-              <a:rPr lang="en-US" altLang="en-US" dirty="0"/>
-              <a:t>Active region  I</a:t>
-            </a:r>
-            <a:r>
-              <a:rPr lang="en-US" altLang="en-US" baseline="-25000" dirty="0"/>
-              <a:t>C </a:t>
-            </a:r>
-            <a:r>
-              <a:rPr lang="en-US" altLang="en-US" dirty="0"/>
-              <a:t>= </a:t>
-            </a:r>
-            <a:r>
-              <a:rPr lang="en-US" altLang="en-US" dirty="0">
-                <a:sym typeface="Symbol" panose="05050102010706020507" pitchFamily="18" charset="2"/>
-              </a:rPr>
-              <a:t> I</a:t>
-            </a:r>
-            <a:r>
-              <a:rPr lang="en-US" altLang="en-US" baseline="-25000" dirty="0">
-                <a:sym typeface="Symbol" panose="05050102010706020507" pitchFamily="18" charset="2"/>
-              </a:rPr>
-              <a:t>B</a:t>
-            </a:r>
-            <a:endParaRPr lang="en-US" altLang="en-US" baseline="-25000" dirty="0"/>
-          </a:p>
-          <a:p>
-            <a:pPr>
-              <a:spcBef>
-                <a:spcPct val="50000"/>
-              </a:spcBef>
-              <a:buFont typeface="Arial" panose="020B0604020202020204" pitchFamily="34" charset="0"/>
-              <a:buChar char="•"/>
-            </a:pPr>
-            <a:r>
-              <a:rPr lang="en-US" altLang="en-US" dirty="0"/>
-              <a:t>Maximum collector current I</a:t>
-            </a:r>
-            <a:r>
-              <a:rPr lang="en-US" altLang="en-US" baseline="-25000" dirty="0"/>
-              <a:t>C</a:t>
-            </a:r>
-            <a:r>
-              <a:rPr lang="en-US" altLang="en-US" dirty="0"/>
-              <a:t> = V</a:t>
-            </a:r>
-            <a:r>
-              <a:rPr lang="en-US" altLang="en-US" baseline="-25000" dirty="0"/>
-              <a:t>CC</a:t>
-            </a:r>
-            <a:r>
-              <a:rPr lang="en-US" altLang="en-US" dirty="0"/>
-              <a:t>/R</a:t>
-            </a:r>
-            <a:r>
-              <a:rPr lang="en-US" altLang="en-US" baseline="-25000" dirty="0"/>
-              <a:t>C</a:t>
-            </a:r>
-          </a:p>
-        </p:txBody>
-      </p:sp>
-      <p:sp>
-        <p:nvSpPr>
-          <p:cNvPr id="3" name="Content Placeholder 2">
-            <a:extLst>
-              <a:ext uri="{FF2B5EF4-FFF2-40B4-BE49-F238E27FC236}">
-                <a16:creationId xmlns:a16="http://schemas.microsoft.com/office/drawing/2014/main" id="{A5A41FAD-A782-401B-A0B8-B2B9ACD7EDA1}"/>
-              </a:ext>
-            </a:extLst>
-          </p:cNvPr>
-          <p:cNvSpPr>
-            <a:spLocks noGrp="1"/>
-          </p:cNvSpPr>
-          <p:nvPr>
-            <p:ph sz="quarter" idx="10"/>
-          </p:nvPr>
-        </p:nvSpPr>
-        <p:spPr/>
-        <p:txBody>
-          <a:bodyPr/>
-          <a:lstStyle/>
-          <a:p>
-            <a:r>
-              <a:rPr lang="en-US" dirty="0"/>
-              <a:t>BJT characteristics</a:t>
-            </a:r>
-          </a:p>
-        </p:txBody>
-      </p:sp>
-      <p:sp>
-        <p:nvSpPr>
-          <p:cNvPr id="6" name="TextBox 5">
-            <a:extLst>
-              <a:ext uri="{FF2B5EF4-FFF2-40B4-BE49-F238E27FC236}">
-                <a16:creationId xmlns:a16="http://schemas.microsoft.com/office/drawing/2014/main" id="{51A23A49-2D64-48B4-BEF1-139C028D868D}"/>
-              </a:ext>
-            </a:extLst>
-          </p:cNvPr>
-          <p:cNvSpPr txBox="1"/>
-          <p:nvPr/>
-        </p:nvSpPr>
-        <p:spPr>
-          <a:xfrm>
-            <a:off x="5638800" y="1676400"/>
-            <a:ext cx="3352800" cy="1200329"/>
-          </a:xfrm>
-          <a:prstGeom prst="rect">
-            <a:avLst/>
-          </a:prstGeom>
-          <a:noFill/>
-        </p:spPr>
-        <p:txBody>
-          <a:bodyPr wrap="square">
-            <a:spAutoFit/>
-          </a:bodyPr>
-          <a:lstStyle/>
-          <a:p>
-            <a:pPr>
-              <a:spcBef>
-                <a:spcPct val="50000"/>
-              </a:spcBef>
-            </a:pPr>
-            <a:r>
-              <a:rPr lang="en-US" altLang="en-US" dirty="0"/>
-              <a:t>R</a:t>
-            </a:r>
-            <a:r>
-              <a:rPr lang="en-US" altLang="en-US" baseline="-25000" dirty="0"/>
-              <a:t>C</a:t>
-            </a:r>
-            <a:r>
-              <a:rPr lang="en-US" altLang="en-US" dirty="0"/>
-              <a:t> = 1k</a:t>
-            </a:r>
-            <a:r>
-              <a:rPr lang="en-US" altLang="en-US" dirty="0">
-                <a:sym typeface="Symbol" panose="05050102010706020507" pitchFamily="18" charset="2"/>
-              </a:rPr>
-              <a:t>, R</a:t>
-            </a:r>
-            <a:r>
-              <a:rPr lang="en-US" altLang="en-US" baseline="-25000" dirty="0">
-                <a:sym typeface="Symbol" panose="05050102010706020507" pitchFamily="18" charset="2"/>
-              </a:rPr>
-              <a:t>B </a:t>
-            </a:r>
-            <a:r>
-              <a:rPr lang="en-US" altLang="en-US" dirty="0">
-                <a:sym typeface="Symbol" panose="05050102010706020507" pitchFamily="18" charset="2"/>
-              </a:rPr>
-              <a:t>= 22k,  = 50</a:t>
-            </a:r>
-            <a:endParaRPr lang="en-US" altLang="en-US" dirty="0"/>
-          </a:p>
-          <a:p>
-            <a:pPr>
-              <a:spcBef>
-                <a:spcPct val="50000"/>
-              </a:spcBef>
-            </a:pPr>
-            <a:r>
-              <a:rPr lang="en-US" altLang="en-US" dirty="0"/>
-              <a:t>V</a:t>
-            </a:r>
-            <a:r>
-              <a:rPr lang="en-US" altLang="en-US" baseline="-25000" dirty="0"/>
-              <a:t>CC</a:t>
-            </a:r>
-            <a:r>
-              <a:rPr lang="en-US" altLang="en-US" dirty="0"/>
-              <a:t> = 5V, find V</a:t>
-            </a:r>
-            <a:r>
-              <a:rPr lang="en-US" altLang="en-US" baseline="-25000" dirty="0"/>
-              <a:t>o</a:t>
-            </a:r>
-            <a:r>
-              <a:rPr lang="en-US" altLang="en-US" dirty="0"/>
-              <a:t> for</a:t>
-            </a:r>
-          </a:p>
-          <a:p>
-            <a:pPr>
-              <a:spcBef>
-                <a:spcPct val="50000"/>
-              </a:spcBef>
-            </a:pPr>
-            <a:r>
-              <a:rPr lang="en-US" altLang="en-US" dirty="0"/>
-              <a:t>V</a:t>
-            </a:r>
-            <a:r>
-              <a:rPr lang="en-US" altLang="en-US" baseline="-25000" dirty="0"/>
-              <a:t>i </a:t>
-            </a:r>
-            <a:r>
-              <a:rPr lang="en-US" altLang="en-US" dirty="0"/>
-              <a:t>= 0.2V  and V</a:t>
-            </a:r>
-            <a:r>
-              <a:rPr lang="en-US" altLang="en-US" baseline="-25000" dirty="0"/>
-              <a:t>i </a:t>
-            </a:r>
-            <a:r>
-              <a:rPr lang="en-US" altLang="en-US" dirty="0"/>
-              <a:t>= 5V</a:t>
-            </a:r>
-          </a:p>
-        </p:txBody>
-      </p:sp>
-      <p:pic>
-        <p:nvPicPr>
-          <p:cNvPr id="7" name="Picture 2050">
-            <a:extLst>
-              <a:ext uri="{FF2B5EF4-FFF2-40B4-BE49-F238E27FC236}">
-                <a16:creationId xmlns:a16="http://schemas.microsoft.com/office/drawing/2014/main" id="{615BA02D-4933-4B74-89FE-D9E4BE3223A4}"/>
-              </a:ext>
-            </a:extLst>
-          </p:cNvPr>
-          <p:cNvPicPr>
-            <a:picLocks noChangeAspect="1" noChangeArrowheads="1"/>
-          </p:cNvPicPr>
-          <p:nvPr/>
-        </p:nvPicPr>
-        <p:blipFill rotWithShape="1">
-          <a:blip r:embed="rId2">
-            <a:extLst>
-              <a:ext uri="{28A0092B-C50C-407E-A947-70E740481C1C}">
-                <a14:useLocalDpi xmlns:a14="http://schemas.microsoft.com/office/drawing/2010/main" val="0"/>
-              </a:ext>
-            </a:extLst>
-          </a:blip>
-          <a:srcRect l="-485" t="50023" r="1" b="5929"/>
-          <a:stretch/>
-        </p:blipFill>
-        <p:spPr bwMode="auto">
-          <a:xfrm>
-            <a:off x="3787588" y="3883959"/>
-            <a:ext cx="4800600" cy="1862168"/>
-          </a:xfrm>
-          <a:prstGeom prst="rect">
-            <a:avLst/>
-          </a:prstGeom>
-          <a:noFill/>
-          <a:extLst>
-            <a:ext uri="{909E8E84-426E-40DD-AFC4-6F175D3DCCD1}">
-              <a14:hiddenFill xmlns:a14="http://schemas.microsoft.com/office/drawing/2010/main">
-                <a:solidFill>
-                  <a:srgbClr val="FFFFFF"/>
-                </a:solidFill>
-              </a14:hiddenFill>
-            </a:ext>
-          </a:extLst>
-        </p:spPr>
-      </p:pic>
-      <p:pic>
-        <p:nvPicPr>
-          <p:cNvPr id="8" name="Picture 7">
-            <a:extLst>
-              <a:ext uri="{FF2B5EF4-FFF2-40B4-BE49-F238E27FC236}">
-                <a16:creationId xmlns:a16="http://schemas.microsoft.com/office/drawing/2014/main" id="{CAFEC61A-6C17-43D3-BAA0-8A23282A0533}"/>
-              </a:ext>
-            </a:extLst>
-          </p:cNvPr>
-          <p:cNvPicPr>
-            <a:picLocks noChangeAspect="1"/>
-          </p:cNvPicPr>
-          <p:nvPr/>
-        </p:nvPicPr>
-        <p:blipFill>
-          <a:blip r:embed="rId3"/>
-          <a:stretch>
-            <a:fillRect/>
-          </a:stretch>
-        </p:blipFill>
-        <p:spPr>
-          <a:xfrm>
-            <a:off x="5638800" y="3257729"/>
-            <a:ext cx="3418723" cy="2895600"/>
-          </a:xfrm>
-          <a:prstGeom prst="rect">
-            <a:avLst/>
-          </a:prstGeom>
-        </p:spPr>
-      </p:pic>
-    </p:spTree>
-    <p:extLst>
-      <p:ext uri="{BB962C8B-B14F-4D97-AF65-F5344CB8AC3E}">
-        <p14:creationId xmlns:p14="http://schemas.microsoft.com/office/powerpoint/2010/main" val="3498385930"/>
-      </p:ext>
-    </p:extLst>
-  </p:cSld>
-  <p:clrMapOvr>
-    <a:masterClrMapping/>
-  </p:clrMapOvr>
-  <p:timing>
-    <p:tnLst>
-      <p:par>
-        <p:cTn id="1" dur="indefinite" restart="never" nodeType="tmRoot">
-          <p:childTnLst>
-            <p:seq concurrent="1" nextAc="seek">
-              <p:cTn id="2" dur="indefinite" nodeType="mainSeq">
-                <p:childTnLst>
-                  <p:par>
-                    <p:cTn id="3" fill="hold">
-                      <p:stCondLst>
-                        <p:cond delay="indefinite"/>
-                      </p:stCondLst>
-                      <p:childTnLst>
-                        <p:par>
-                          <p:cTn id="4" fill="hold">
-                            <p:stCondLst>
-                              <p:cond delay="0"/>
-                            </p:stCondLst>
-                            <p:childTnLst>
-                              <p:par>
-                                <p:cTn id="5" presetID="1" presetClass="entr" presetSubtype="0" fill="hold" nodeType="clickEffect">
-                                  <p:stCondLst>
-                                    <p:cond delay="0"/>
-                                  </p:stCondLst>
-                                  <p:childTnLst>
-                                    <p:set>
-                                      <p:cBhvr>
-                                        <p:cTn id="6" dur="1" fill="hold">
-                                          <p:stCondLst>
-                                            <p:cond delay="0"/>
-                                          </p:stCondLst>
-                                        </p:cTn>
-                                        <p:tgtEl>
-                                          <p:spTgt spid="4"/>
-                                        </p:tgtEl>
-                                        <p:attrNameLst>
-                                          <p:attrName>style.visibility</p:attrName>
-                                        </p:attrNameLst>
-                                      </p:cBhvr>
-                                      <p:to>
-                                        <p:strVal val="visible"/>
-                                      </p:to>
-                                    </p:set>
-                                  </p:childTnLst>
-                                </p:cTn>
-                              </p:par>
-                            </p:childTnLst>
-                          </p:cTn>
-                        </p:par>
-                      </p:childTnLst>
-                    </p:cTn>
-                  </p:par>
-                  <p:par>
-                    <p:cTn id="7" fill="hold">
-                      <p:stCondLst>
-                        <p:cond delay="indefinite"/>
-                      </p:stCondLst>
-                      <p:childTnLst>
-                        <p:par>
-                          <p:cTn id="8" fill="hold">
-                            <p:stCondLst>
-                              <p:cond delay="0"/>
-                            </p:stCondLst>
-                            <p:childTnLst>
-                              <p:par>
-                                <p:cTn id="9" presetID="1" presetClass="entr" presetSubtype="0" fill="hold" grpId="0" nodeType="clickEffect">
-                                  <p:stCondLst>
-                                    <p:cond delay="0"/>
-                                  </p:stCondLst>
-                                  <p:childTnLst>
-                                    <p:set>
-                                      <p:cBhvr>
-                                        <p:cTn id="10" dur="1" fill="hold">
-                                          <p:stCondLst>
-                                            <p:cond delay="0"/>
-                                          </p:stCondLst>
-                                        </p:cTn>
-                                        <p:tgtEl>
-                                          <p:spTgt spid="6"/>
-                                        </p:tgtEl>
-                                        <p:attrNameLst>
-                                          <p:attrName>style.visibility</p:attrName>
-                                        </p:attrNameLst>
-                                      </p:cBhvr>
-                                      <p:to>
-                                        <p:strVal val="visible"/>
-                                      </p:to>
-                                    </p:set>
-                                  </p:childTnLst>
-                                </p:cTn>
-                              </p:par>
-                            </p:childTnLst>
-                          </p:cTn>
-                        </p:par>
-                      </p:childTnLst>
-                    </p:cTn>
-                  </p:par>
-                  <p:par>
-                    <p:cTn id="11" fill="hold">
-                      <p:stCondLst>
-                        <p:cond delay="indefinite"/>
-                      </p:stCondLst>
-                      <p:childTnLst>
-                        <p:par>
-                          <p:cTn id="12" fill="hold">
-                            <p:stCondLst>
-                              <p:cond delay="0"/>
-                            </p:stCondLst>
-                            <p:childTnLst>
-                              <p:par>
-                                <p:cTn id="13" presetID="1" presetClass="entr" presetSubtype="0" fill="hold" nodeType="clickEffect">
-                                  <p:stCondLst>
-                                    <p:cond delay="0"/>
-                                  </p:stCondLst>
-                                  <p:childTnLst>
-                                    <p:set>
-                                      <p:cBhvr>
-                                        <p:cTn id="14" dur="1" fill="hold">
-                                          <p:stCondLst>
-                                            <p:cond delay="0"/>
-                                          </p:stCondLst>
-                                        </p:cTn>
-                                        <p:tgtEl>
-                                          <p:spTgt spid="7"/>
-                                        </p:tgtEl>
-                                        <p:attrNameLst>
-                                          <p:attrName>style.visibility</p:attrName>
-                                        </p:attrNameLst>
-                                      </p:cBhvr>
-                                      <p:to>
-                                        <p:strVal val="visible"/>
-                                      </p:to>
-                                    </p:set>
-                                  </p:childTnLst>
-                                </p:cTn>
-                              </p:par>
-                            </p:childTnLst>
-                          </p:cTn>
-                        </p:par>
-                      </p:childTnLst>
-                    </p:cTn>
-                  </p:par>
-                </p:childTnLst>
-              </p:cTn>
-              <p:prevCondLst>
-                <p:cond evt="onPrev" delay="0">
-                  <p:tgtEl>
-                    <p:sldTgt/>
-                  </p:tgtEl>
-                </p:cond>
-              </p:prevCondLst>
-              <p:nextCondLst>
-                <p:cond evt="onNext" delay="0">
-                  <p:tgtEl>
-                    <p:sldTgt/>
-                  </p:tgtEl>
-                </p:cond>
-              </p:nextCondLst>
-            </p:seq>
-          </p:childTnLst>
-        </p:cTn>
-      </p:par>
-    </p:tnLst>
-    <p:bldLst>
-      <p:bldP spid="6" grpId="0"/>
-    </p:bldLst>
-  </p:timing>
-</p:sld>
-</file>
-
-<file path=ppt/slides/slide12.xml><?xml version="1.0" encoding="utf-8"?>
-<p:sld xmlns:a="http://schemas.openxmlformats.org/drawingml/2006/main" xmlns:r="http://schemas.openxmlformats.org/officeDocument/2006/relationships" xmlns:p="http://schemas.openxmlformats.org/presentationml/2006/main">
-  <p:cSld>
-    <p:spTree>
-      <p:nvGrpSpPr>
-        <p:cNvPr id="1" name=""/>
-        <p:cNvGrpSpPr/>
-        <p:nvPr/>
-      </p:nvGrpSpPr>
-      <p:grpSpPr>
-        <a:xfrm>
-          <a:off x="0" y="0"/>
-          <a:ext cx="0" cy="0"/>
-          <a:chOff x="0" y="0"/>
-          <a:chExt cx="0" cy="0"/>
-        </a:xfrm>
-      </p:grpSpPr>
-      <p:sp>
-        <p:nvSpPr>
-          <p:cNvPr id="3" name="Content Placeholder 2">
-            <a:extLst>
-              <a:ext uri="{FF2B5EF4-FFF2-40B4-BE49-F238E27FC236}">
-                <a16:creationId xmlns:a16="http://schemas.microsoft.com/office/drawing/2014/main" id="{94600B21-E906-4AD2-9E2B-B8C94139D8C1}"/>
-              </a:ext>
-            </a:extLst>
-          </p:cNvPr>
-          <p:cNvSpPr>
-            <a:spLocks noGrp="1"/>
-          </p:cNvSpPr>
-          <p:nvPr>
-            <p:ph sz="quarter" idx="10"/>
-          </p:nvPr>
-        </p:nvSpPr>
-        <p:spPr/>
-        <p:txBody>
-          <a:bodyPr/>
-          <a:lstStyle/>
-          <a:p>
-            <a:r>
-              <a:rPr lang="en-US" dirty="0"/>
-              <a:t>BJT operating regimes</a:t>
-            </a:r>
-          </a:p>
-        </p:txBody>
-      </p:sp>
-      <p:graphicFrame>
-        <p:nvGraphicFramePr>
-          <p:cNvPr id="26" name="Content Placeholder 25">
-            <a:extLst>
-              <a:ext uri="{FF2B5EF4-FFF2-40B4-BE49-F238E27FC236}">
-                <a16:creationId xmlns:a16="http://schemas.microsoft.com/office/drawing/2014/main" id="{C3D11393-3EFF-481B-BED6-85B242E2E328}"/>
-              </a:ext>
-            </a:extLst>
-          </p:cNvPr>
-          <p:cNvGraphicFramePr>
-            <a:graphicFrameLocks noGrp="1"/>
-          </p:cNvGraphicFramePr>
-          <p:nvPr>
-            <p:ph idx="1"/>
-            <p:extLst>
-              <p:ext uri="{D42A27DB-BD31-4B8C-83A1-F6EECF244321}">
-                <p14:modId xmlns:p14="http://schemas.microsoft.com/office/powerpoint/2010/main" val="794596697"/>
-              </p:ext>
-            </p:extLst>
-          </p:nvPr>
-        </p:nvGraphicFramePr>
-        <p:xfrm>
-          <a:off x="304800" y="1471737"/>
-          <a:ext cx="8610600" cy="4869928"/>
-        </p:xfrm>
-        <a:graphic>
-          <a:graphicData uri="http://schemas.openxmlformats.org/drawingml/2006/table">
-            <a:tbl>
-              <a:tblPr/>
-              <a:tblGrid>
-                <a:gridCol w="1143000">
-                  <a:extLst>
-                    <a:ext uri="{9D8B030D-6E8A-4147-A177-3AD203B41FA5}">
-                      <a16:colId xmlns:a16="http://schemas.microsoft.com/office/drawing/2014/main" val="2095428913"/>
-                    </a:ext>
-                  </a:extLst>
-                </a:gridCol>
-                <a:gridCol w="990600">
-                  <a:extLst>
-                    <a:ext uri="{9D8B030D-6E8A-4147-A177-3AD203B41FA5}">
-                      <a16:colId xmlns:a16="http://schemas.microsoft.com/office/drawing/2014/main" val="627236426"/>
-                    </a:ext>
-                  </a:extLst>
-                </a:gridCol>
-                <a:gridCol w="1143000">
-                  <a:extLst>
-                    <a:ext uri="{9D8B030D-6E8A-4147-A177-3AD203B41FA5}">
-                      <a16:colId xmlns:a16="http://schemas.microsoft.com/office/drawing/2014/main" val="440949462"/>
-                    </a:ext>
-                  </a:extLst>
-                </a:gridCol>
-                <a:gridCol w="838200">
-                  <a:extLst>
-                    <a:ext uri="{9D8B030D-6E8A-4147-A177-3AD203B41FA5}">
-                      <a16:colId xmlns:a16="http://schemas.microsoft.com/office/drawing/2014/main" val="3808455266"/>
-                    </a:ext>
-                  </a:extLst>
-                </a:gridCol>
-                <a:gridCol w="1066800">
-                  <a:extLst>
-                    <a:ext uri="{9D8B030D-6E8A-4147-A177-3AD203B41FA5}">
-                      <a16:colId xmlns:a16="http://schemas.microsoft.com/office/drawing/2014/main" val="1748554499"/>
-                    </a:ext>
-                  </a:extLst>
-                </a:gridCol>
-                <a:gridCol w="3429000">
-                  <a:extLst>
-                    <a:ext uri="{9D8B030D-6E8A-4147-A177-3AD203B41FA5}">
-                      <a16:colId xmlns:a16="http://schemas.microsoft.com/office/drawing/2014/main" val="525738480"/>
-                    </a:ext>
-                  </a:extLst>
-                </a:gridCol>
-              </a:tblGrid>
-              <a:tr h="111396">
-                <a:tc>
-                  <a:txBody>
-                    <a:bodyPr/>
-                    <a:lstStyle/>
-                    <a:p>
-                      <a:pPr algn="ctr"/>
-                      <a:r>
-                        <a:rPr lang="en-US" sz="1400" b="1"/>
-                        <a:t>Region</a:t>
-                      </a:r>
-                      <a:endParaRPr lang="en-US" sz="1400"/>
-                    </a:p>
-                  </a:txBody>
-                  <a:tcPr marL="30173" marR="30173" marT="15087" marB="15087" anchor="ctr">
-                    <a:lnL>
-                      <a:noFill/>
-                    </a:lnL>
-                    <a:lnR>
-                      <a:noFill/>
-                    </a:lnR>
-                    <a:lnT>
-                      <a:noFill/>
-                    </a:lnT>
-                    <a:lnB>
-                      <a:noFill/>
-                    </a:lnB>
-                  </a:tcPr>
-                </a:tc>
-                <a:tc>
-                  <a:txBody>
-                    <a:bodyPr/>
-                    <a:lstStyle/>
-                    <a:p>
-                      <a:pPr algn="l"/>
-                      <a:r>
-                        <a:rPr lang="en-US" sz="1400" b="1"/>
-                        <a:t>BE junction</a:t>
-                      </a:r>
-                      <a:endParaRPr lang="en-US" sz="1400"/>
-                    </a:p>
-                  </a:txBody>
-                  <a:tcPr marL="30173" marR="30173" marT="15087" marB="15087" anchor="ctr">
-                    <a:lnL>
-                      <a:noFill/>
-                    </a:lnL>
-                    <a:lnR>
-                      <a:noFill/>
-                    </a:lnR>
-                    <a:lnT>
-                      <a:noFill/>
-                    </a:lnT>
-                    <a:lnB>
-                      <a:noFill/>
-                    </a:lnB>
-                  </a:tcPr>
-                </a:tc>
-                <a:tc>
-                  <a:txBody>
-                    <a:bodyPr/>
-                    <a:lstStyle/>
-                    <a:p>
-                      <a:pPr algn="l"/>
-                      <a:r>
-                        <a:rPr lang="en-US" sz="1400" b="1"/>
-                        <a:t>BC junction</a:t>
-                      </a:r>
-                      <a:endParaRPr lang="en-US" sz="1400"/>
-                    </a:p>
-                  </a:txBody>
-                  <a:tcPr marL="30173" marR="30173" marT="15087" marB="15087" anchor="ctr">
-                    <a:lnL>
-                      <a:noFill/>
-                    </a:lnL>
-                    <a:lnR>
-                      <a:noFill/>
-                    </a:lnR>
-                    <a:lnT>
-                      <a:noFill/>
-                    </a:lnT>
-                    <a:lnB>
-                      <a:noFill/>
-                    </a:lnB>
-                  </a:tcPr>
-                </a:tc>
-                <a:tc>
-                  <a:txBody>
-                    <a:bodyPr/>
-                    <a:lstStyle/>
-                    <a:p>
-                      <a:pPr algn="ctr"/>
-                      <a:r>
-                        <a:rPr lang="en-US" sz="1400" b="1" dirty="0"/>
-                        <a:t>V</a:t>
-                      </a:r>
-                      <a:r>
-                        <a:rPr lang="en-US" sz="1400" b="1" baseline="-25000" dirty="0"/>
-                        <a:t>BE</a:t>
-                      </a:r>
-                      <a:endParaRPr lang="en-US" sz="1400" baseline="-25000" dirty="0"/>
-                    </a:p>
-                  </a:txBody>
-                  <a:tcPr marL="30173" marR="30173" marT="15087" marB="15087" anchor="ctr">
-                    <a:lnL>
-                      <a:noFill/>
-                    </a:lnL>
-                    <a:lnR>
-                      <a:noFill/>
-                    </a:lnR>
-                    <a:lnT>
-                      <a:noFill/>
-                    </a:lnT>
-                    <a:lnB>
-                      <a:noFill/>
-                    </a:lnB>
-                  </a:tcPr>
-                </a:tc>
-                <a:tc>
-                  <a:txBody>
-                    <a:bodyPr/>
-                    <a:lstStyle/>
-                    <a:p>
-                      <a:pPr algn="ctr"/>
-                      <a:r>
-                        <a:rPr lang="en-US" sz="1400" b="1" dirty="0"/>
-                        <a:t>V</a:t>
-                      </a:r>
-                      <a:r>
-                        <a:rPr lang="en-US" sz="1400" b="1" baseline="-25000" dirty="0"/>
-                        <a:t>CE</a:t>
-                      </a:r>
-                      <a:r>
-                        <a:rPr lang="en-US" sz="1400" dirty="0"/>
-                        <a:t> (</a:t>
-                      </a:r>
-                      <a:r>
-                        <a:rPr lang="en-US" sz="1400" dirty="0" err="1"/>
-                        <a:t>approx</a:t>
-                      </a:r>
-                      <a:r>
-                        <a:rPr lang="en-US" sz="1400" dirty="0"/>
-                        <a:t>)</a:t>
-                      </a:r>
-                    </a:p>
-                  </a:txBody>
-                  <a:tcPr marL="30173" marR="30173" marT="15087" marB="15087" anchor="ctr">
-                    <a:lnL>
-                      <a:noFill/>
-                    </a:lnL>
-                    <a:lnR>
-                      <a:noFill/>
-                    </a:lnR>
-                    <a:lnT>
-                      <a:noFill/>
-                    </a:lnT>
-                    <a:lnB>
-                      <a:noFill/>
-                    </a:lnB>
-                  </a:tcPr>
-                </a:tc>
-                <a:tc>
-                  <a:txBody>
-                    <a:bodyPr/>
-                    <a:lstStyle/>
-                    <a:p>
-                      <a:pPr algn="l"/>
-                      <a:r>
-                        <a:rPr lang="en-US" sz="1400" b="1"/>
-                        <a:t>Behavior / Use</a:t>
-                      </a:r>
-                      <a:endParaRPr lang="en-US" sz="1400"/>
-                    </a:p>
-                  </a:txBody>
-                  <a:tcPr marL="30173" marR="30173" marT="15087" marB="15087" anchor="ctr">
-                    <a:lnL>
-                      <a:noFill/>
-                    </a:lnL>
-                    <a:lnR>
-                      <a:noFill/>
-                    </a:lnR>
-                    <a:lnT>
-                      <a:noFill/>
-                    </a:lnT>
-                    <a:lnB>
-                      <a:noFill/>
-                    </a:lnB>
-                  </a:tcPr>
-                </a:tc>
-                <a:extLst>
-                  <a:ext uri="{0D108BD9-81ED-4DB2-BD59-A6C34878D82A}">
-                    <a16:rowId xmlns:a16="http://schemas.microsoft.com/office/drawing/2014/main" val="331173157"/>
-                  </a:ext>
-                </a:extLst>
-              </a:tr>
-              <a:tr h="711753">
-                <a:tc>
-                  <a:txBody>
-                    <a:bodyPr/>
-                    <a:lstStyle/>
-                    <a:p>
-                      <a:pPr algn="ctr"/>
-                      <a:r>
-                        <a:rPr lang="en-US" sz="1400" b="1" dirty="0">
-                          <a:solidFill>
-                            <a:schemeClr val="accent2"/>
-                          </a:solidFill>
-                        </a:rPr>
-                        <a:t>Cutoff</a:t>
-                      </a:r>
-                    </a:p>
-                  </a:txBody>
-                  <a:tcPr marL="30173" marR="30173" marT="15087" marB="15087" anchor="ctr">
-                    <a:lnL>
-                      <a:noFill/>
-                    </a:lnL>
-                    <a:lnR>
-                      <a:noFill/>
-                    </a:lnR>
-                    <a:lnT>
-                      <a:noFill/>
-                    </a:lnT>
-                    <a:lnB>
-                      <a:noFill/>
-                    </a:lnB>
-                  </a:tcPr>
-                </a:tc>
-                <a:tc>
-                  <a:txBody>
-                    <a:bodyPr/>
-                    <a:lstStyle/>
-                    <a:p>
-                      <a:pPr algn="l"/>
-                      <a:r>
-                        <a:rPr lang="en-US" sz="1400" b="1" dirty="0">
-                          <a:solidFill>
-                            <a:schemeClr val="accent2"/>
-                          </a:solidFill>
-                        </a:rPr>
-                        <a:t>Reverse-biased</a:t>
-                      </a:r>
-                    </a:p>
-                  </a:txBody>
-                  <a:tcPr marL="30173" marR="30173" marT="15087" marB="15087" anchor="ctr">
-                    <a:lnL>
-                      <a:noFill/>
-                    </a:lnL>
-                    <a:lnR>
-                      <a:noFill/>
-                    </a:lnR>
-                    <a:lnT>
-                      <a:noFill/>
-                    </a:lnT>
-                    <a:lnB>
-                      <a:noFill/>
-                    </a:lnB>
-                  </a:tcPr>
-                </a:tc>
-                <a:tc>
-                  <a:txBody>
-                    <a:bodyPr/>
-                    <a:lstStyle/>
-                    <a:p>
-                      <a:pPr algn="l"/>
-                      <a:r>
-                        <a:rPr lang="en-US" sz="1400" b="1" dirty="0">
-                          <a:solidFill>
-                            <a:schemeClr val="accent2"/>
-                          </a:solidFill>
-                        </a:rPr>
-                        <a:t>Reverse-biased</a:t>
-                      </a:r>
-                    </a:p>
-                  </a:txBody>
-                  <a:tcPr marL="30173" marR="30173" marT="15087" marB="15087" anchor="ctr">
-                    <a:lnL>
-                      <a:noFill/>
-                    </a:lnL>
-                    <a:lnR>
-                      <a:noFill/>
-                    </a:lnR>
-                    <a:lnT>
-                      <a:noFill/>
-                    </a:lnT>
-                    <a:lnB>
-                      <a:noFill/>
-                    </a:lnB>
-                  </a:tcPr>
-                </a:tc>
-                <a:tc>
-                  <a:txBody>
-                    <a:bodyPr/>
-                    <a:lstStyle/>
-                    <a:p>
-                      <a:pPr algn="ctr"/>
-                      <a:r>
-                        <a:rPr lang="en-US" sz="1400" b="1" dirty="0">
-                          <a:solidFill>
-                            <a:schemeClr val="accent2"/>
-                          </a:solidFill>
-                        </a:rPr>
-                        <a:t>&lt; 0.5 V</a:t>
-                      </a:r>
-                    </a:p>
-                  </a:txBody>
-                  <a:tcPr marL="30173" marR="30173" marT="15087" marB="15087" anchor="ctr">
-                    <a:lnL>
-                      <a:noFill/>
-                    </a:lnL>
-                    <a:lnR>
-                      <a:noFill/>
-                    </a:lnR>
-                    <a:lnT>
-                      <a:noFill/>
-                    </a:lnT>
-                    <a:lnB>
-                      <a:noFill/>
-                    </a:lnB>
-                  </a:tcPr>
-                </a:tc>
-                <a:tc>
-                  <a:txBody>
-                    <a:bodyPr/>
-                    <a:lstStyle/>
-                    <a:p>
-                      <a:pPr algn="ctr"/>
-                      <a:r>
-                        <a:rPr lang="en-US" sz="1400" b="1" dirty="0">
-                          <a:solidFill>
-                            <a:schemeClr val="accent2"/>
-                          </a:solidFill>
-                        </a:rPr>
-                        <a:t>≈ V</a:t>
-                      </a:r>
-                      <a:r>
-                        <a:rPr lang="en-US" sz="1400" b="1" baseline="-25000" dirty="0">
-                          <a:solidFill>
-                            <a:schemeClr val="accent2"/>
-                          </a:solidFill>
-                        </a:rPr>
-                        <a:t>CC</a:t>
-                      </a:r>
-                    </a:p>
-                  </a:txBody>
-                  <a:tcPr marL="30173" marR="30173" marT="15087" marB="15087" anchor="ctr">
-                    <a:lnL>
-                      <a:noFill/>
-                    </a:lnL>
-                    <a:lnR>
-                      <a:noFill/>
-                    </a:lnR>
-                    <a:lnT>
-                      <a:noFill/>
-                    </a:lnT>
-                    <a:lnB>
-                      <a:noFill/>
-                    </a:lnB>
-                  </a:tcPr>
-                </a:tc>
-                <a:tc>
-                  <a:txBody>
-                    <a:bodyPr/>
-                    <a:lstStyle/>
-                    <a:p>
-                      <a:pPr algn="l"/>
-                      <a:r>
-                        <a:rPr lang="en-US" sz="1400" b="1" dirty="0">
-                          <a:solidFill>
-                            <a:schemeClr val="accent2"/>
-                          </a:solidFill>
-                        </a:rPr>
-                        <a:t>No current flows (I</a:t>
-                      </a:r>
-                      <a:r>
-                        <a:rPr lang="en-US" sz="1400" b="1" baseline="-25000" dirty="0">
-                          <a:solidFill>
-                            <a:schemeClr val="accent2"/>
-                          </a:solidFill>
-                        </a:rPr>
-                        <a:t>C</a:t>
-                      </a:r>
-                      <a:r>
-                        <a:rPr lang="en-US" sz="1400" b="1" dirty="0">
-                          <a:solidFill>
-                            <a:schemeClr val="accent2"/>
-                          </a:solidFill>
-                        </a:rPr>
-                        <a:t> ≈ 0, transistor OFF). Used in digital logic / switching circuits.</a:t>
-                      </a:r>
-                    </a:p>
-                  </a:txBody>
-                  <a:tcPr marL="30173" marR="30173" marT="15087" marB="15087" anchor="ctr">
-                    <a:lnL>
-                      <a:noFill/>
-                    </a:lnL>
-                    <a:lnR>
-                      <a:noFill/>
-                    </a:lnR>
-                    <a:lnT>
-                      <a:noFill/>
-                    </a:lnT>
-                    <a:lnB>
-                      <a:noFill/>
-                    </a:lnB>
-                  </a:tcPr>
-                </a:tc>
-                <a:extLst>
-                  <a:ext uri="{0D108BD9-81ED-4DB2-BD59-A6C34878D82A}">
-                    <a16:rowId xmlns:a16="http://schemas.microsoft.com/office/drawing/2014/main" val="2321344376"/>
-                  </a:ext>
-                </a:extLst>
-              </a:tr>
-              <a:tr h="808810">
-                <a:tc>
-                  <a:txBody>
-                    <a:bodyPr/>
-                    <a:lstStyle/>
-                    <a:p>
-                      <a:pPr algn="ctr"/>
-                      <a:r>
-                        <a:rPr lang="en-US" sz="1400" b="1"/>
-                        <a:t>Active (Forward Active)</a:t>
-                      </a:r>
-                      <a:endParaRPr lang="en-US" sz="1400"/>
-                    </a:p>
-                  </a:txBody>
-                  <a:tcPr marL="30173" marR="30173" marT="15087" marB="15087" anchor="ctr">
-                    <a:lnL>
-                      <a:noFill/>
-                    </a:lnL>
-                    <a:lnR>
-                      <a:noFill/>
-                    </a:lnR>
-                    <a:lnT>
-                      <a:noFill/>
-                    </a:lnT>
-                    <a:lnB>
-                      <a:noFill/>
-                    </a:lnB>
-                  </a:tcPr>
-                </a:tc>
-                <a:tc>
-                  <a:txBody>
-                    <a:bodyPr/>
-                    <a:lstStyle/>
-                    <a:p>
-                      <a:pPr algn="l"/>
-                      <a:r>
-                        <a:rPr lang="en-US" sz="1400"/>
-                        <a:t>Forward-biased</a:t>
-                      </a:r>
-                    </a:p>
-                  </a:txBody>
-                  <a:tcPr marL="30173" marR="30173" marT="15087" marB="15087" anchor="ctr">
-                    <a:lnL>
-                      <a:noFill/>
-                    </a:lnL>
-                    <a:lnR>
-                      <a:noFill/>
-                    </a:lnR>
-                    <a:lnT>
-                      <a:noFill/>
-                    </a:lnT>
-                    <a:lnB>
-                      <a:noFill/>
-                    </a:lnB>
-                  </a:tcPr>
-                </a:tc>
-                <a:tc>
-                  <a:txBody>
-                    <a:bodyPr/>
-                    <a:lstStyle/>
-                    <a:p>
-                      <a:pPr algn="l"/>
-                      <a:r>
-                        <a:rPr lang="en-US" sz="1400"/>
-                        <a:t>Reverse-biased</a:t>
-                      </a:r>
-                    </a:p>
-                  </a:txBody>
-                  <a:tcPr marL="30173" marR="30173" marT="15087" marB="15087" anchor="ctr">
-                    <a:lnL>
-                      <a:noFill/>
-                    </a:lnL>
-                    <a:lnR>
-                      <a:noFill/>
-                    </a:lnR>
-                    <a:lnT>
-                      <a:noFill/>
-                    </a:lnT>
-                    <a:lnB>
-                      <a:noFill/>
-                    </a:lnB>
-                  </a:tcPr>
-                </a:tc>
-                <a:tc>
-                  <a:txBody>
-                    <a:bodyPr/>
-                    <a:lstStyle/>
-                    <a:p>
-                      <a:pPr algn="ctr"/>
-                      <a:r>
-                        <a:rPr lang="en-US" sz="1400"/>
-                        <a:t>≈ 0.7 V (Si)</a:t>
-                      </a:r>
-                    </a:p>
-                  </a:txBody>
-                  <a:tcPr marL="30173" marR="30173" marT="15087" marB="15087" anchor="ctr">
-                    <a:lnL>
-                      <a:noFill/>
-                    </a:lnL>
-                    <a:lnR>
-                      <a:noFill/>
-                    </a:lnR>
-                    <a:lnT>
-                      <a:noFill/>
-                    </a:lnT>
-                    <a:lnB>
-                      <a:noFill/>
-                    </a:lnB>
-                  </a:tcPr>
-                </a:tc>
-                <a:tc>
-                  <a:txBody>
-                    <a:bodyPr/>
-                    <a:lstStyle/>
-                    <a:p>
-                      <a:pPr algn="ctr"/>
-                      <a:r>
-                        <a:rPr lang="en-US" sz="1400"/>
-                        <a:t>&gt; 0.2 V</a:t>
-                      </a:r>
-                    </a:p>
-                  </a:txBody>
-                  <a:tcPr marL="30173" marR="30173" marT="15087" marB="15087" anchor="ctr">
-                    <a:lnL>
-                      <a:noFill/>
-                    </a:lnL>
-                    <a:lnR>
-                      <a:noFill/>
-                    </a:lnR>
-                    <a:lnT>
-                      <a:noFill/>
-                    </a:lnT>
-                    <a:lnB>
-                      <a:noFill/>
-                    </a:lnB>
-                  </a:tcPr>
-                </a:tc>
-                <a:tc>
-                  <a:txBody>
-                    <a:bodyPr/>
-                    <a:lstStyle/>
-                    <a:p>
-                      <a:pPr algn="l"/>
-                      <a:r>
-                        <a:rPr lang="en-US" sz="1400"/>
-                        <a:t>Transistor </a:t>
-                      </a:r>
-                      <a:r>
-                        <a:rPr lang="en-US" sz="1400" i="1"/>
-                        <a:t>amplifies</a:t>
-                      </a:r>
-                      <a:r>
-                        <a:rPr lang="en-US" sz="1400"/>
-                        <a:t> — collector current ≈ β × IB. Used in analog amplification.</a:t>
-                      </a:r>
-                    </a:p>
-                  </a:txBody>
-                  <a:tcPr marL="30173" marR="30173" marT="15087" marB="15087" anchor="ctr">
-                    <a:lnL>
-                      <a:noFill/>
-                    </a:lnL>
-                    <a:lnR>
-                      <a:noFill/>
-                    </a:lnR>
-                    <a:lnT>
-                      <a:noFill/>
-                    </a:lnT>
-                    <a:lnB>
-                      <a:noFill/>
-                    </a:lnB>
-                  </a:tcPr>
-                </a:tc>
-                <a:extLst>
-                  <a:ext uri="{0D108BD9-81ED-4DB2-BD59-A6C34878D82A}">
-                    <a16:rowId xmlns:a16="http://schemas.microsoft.com/office/drawing/2014/main" val="2439605550"/>
-                  </a:ext>
-                </a:extLst>
-              </a:tr>
-              <a:tr h="1197039">
-                <a:tc>
-                  <a:txBody>
-                    <a:bodyPr/>
-                    <a:lstStyle/>
-                    <a:p>
-                      <a:pPr algn="ctr"/>
-                      <a:r>
-                        <a:rPr lang="en-US" sz="1400" b="1" dirty="0">
-                          <a:solidFill>
-                            <a:schemeClr val="accent2"/>
-                          </a:solidFill>
-                        </a:rPr>
-                        <a:t>Saturation</a:t>
-                      </a:r>
-                    </a:p>
-                  </a:txBody>
-                  <a:tcPr marL="30173" marR="30173" marT="15087" marB="15087" anchor="ctr">
-                    <a:lnL>
-                      <a:noFill/>
-                    </a:lnL>
-                    <a:lnR>
-                      <a:noFill/>
-                    </a:lnR>
-                    <a:lnT>
-                      <a:noFill/>
-                    </a:lnT>
-                    <a:lnB>
-                      <a:noFill/>
-                    </a:lnB>
-                  </a:tcPr>
-                </a:tc>
-                <a:tc>
-                  <a:txBody>
-                    <a:bodyPr/>
-                    <a:lstStyle/>
-                    <a:p>
-                      <a:pPr algn="l"/>
-                      <a:r>
-                        <a:rPr lang="en-US" sz="1400" b="1" dirty="0">
-                          <a:solidFill>
-                            <a:schemeClr val="accent2"/>
-                          </a:solidFill>
-                        </a:rPr>
-                        <a:t>Forward-biased</a:t>
-                      </a:r>
-                    </a:p>
-                  </a:txBody>
-                  <a:tcPr marL="30173" marR="30173" marT="15087" marB="15087" anchor="ctr">
-                    <a:lnL>
-                      <a:noFill/>
-                    </a:lnL>
-                    <a:lnR>
-                      <a:noFill/>
-                    </a:lnR>
-                    <a:lnT>
-                      <a:noFill/>
-                    </a:lnT>
-                    <a:lnB>
-                      <a:noFill/>
-                    </a:lnB>
-                  </a:tcPr>
-                </a:tc>
-                <a:tc>
-                  <a:txBody>
-                    <a:bodyPr/>
-                    <a:lstStyle/>
-                    <a:p>
-                      <a:pPr algn="l"/>
-                      <a:r>
-                        <a:rPr lang="en-US" sz="1400" b="1" dirty="0">
-                          <a:solidFill>
-                            <a:schemeClr val="accent2"/>
-                          </a:solidFill>
-                        </a:rPr>
-                        <a:t>Forward-biased</a:t>
-                      </a:r>
-                    </a:p>
-                  </a:txBody>
-                  <a:tcPr marL="30173" marR="30173" marT="15087" marB="15087" anchor="ctr">
-                    <a:lnL>
-                      <a:noFill/>
-                    </a:lnL>
-                    <a:lnR>
-                      <a:noFill/>
-                    </a:lnR>
-                    <a:lnT>
-                      <a:noFill/>
-                    </a:lnT>
-                    <a:lnB>
-                      <a:noFill/>
-                    </a:lnB>
-                  </a:tcPr>
-                </a:tc>
-                <a:tc>
-                  <a:txBody>
-                    <a:bodyPr/>
-                    <a:lstStyle/>
-                    <a:p>
-                      <a:pPr algn="ctr"/>
-                      <a:r>
-                        <a:rPr lang="en-US" sz="1400" b="1" dirty="0">
-                          <a:solidFill>
-                            <a:schemeClr val="accent2"/>
-                          </a:solidFill>
-                        </a:rPr>
-                        <a:t>≈ 0.7 V</a:t>
-                      </a:r>
-                    </a:p>
-                  </a:txBody>
-                  <a:tcPr marL="30173" marR="30173" marT="15087" marB="15087" anchor="ctr">
-                    <a:lnL>
-                      <a:noFill/>
-                    </a:lnL>
-                    <a:lnR>
-                      <a:noFill/>
-                    </a:lnR>
-                    <a:lnT>
-                      <a:noFill/>
-                    </a:lnT>
-                    <a:lnB>
-                      <a:noFill/>
-                    </a:lnB>
-                  </a:tcPr>
-                </a:tc>
-                <a:tc>
-                  <a:txBody>
-                    <a:bodyPr/>
-                    <a:lstStyle/>
-                    <a:p>
-                      <a:pPr algn="ctr"/>
-                      <a:r>
-                        <a:rPr lang="en-US" sz="1400" b="1" dirty="0">
-                          <a:solidFill>
-                            <a:schemeClr val="accent2"/>
-                          </a:solidFill>
-                        </a:rPr>
-                        <a:t>0.1–0.3 V</a:t>
-                      </a:r>
-                    </a:p>
-                  </a:txBody>
-                  <a:tcPr marL="30173" marR="30173" marT="15087" marB="15087" anchor="ctr">
-                    <a:lnL>
-                      <a:noFill/>
-                    </a:lnL>
-                    <a:lnR>
-                      <a:noFill/>
-                    </a:lnR>
-                    <a:lnT>
-                      <a:noFill/>
-                    </a:lnT>
-                    <a:lnB>
-                      <a:noFill/>
-                    </a:lnB>
-                  </a:tcPr>
-                </a:tc>
-                <a:tc>
-                  <a:txBody>
-                    <a:bodyPr/>
-                    <a:lstStyle/>
-                    <a:p>
-                      <a:pPr algn="l"/>
-                      <a:r>
-                        <a:rPr lang="en-US" sz="1400" b="1" dirty="0">
-                          <a:solidFill>
-                            <a:schemeClr val="accent2"/>
-                          </a:solidFill>
-                        </a:rPr>
-                        <a:t>Both junctions conducting. Transistor fully ON (acts like closed switch). Used in digital logic, switching circuits.</a:t>
-                      </a:r>
-                    </a:p>
-                  </a:txBody>
-                  <a:tcPr marL="30173" marR="30173" marT="15087" marB="15087" anchor="ctr">
-                    <a:lnL>
-                      <a:noFill/>
-                    </a:lnL>
-                    <a:lnR>
-                      <a:noFill/>
-                    </a:lnR>
-                    <a:lnT>
-                      <a:noFill/>
-                    </a:lnT>
-                    <a:lnB>
-                      <a:noFill/>
-                    </a:lnB>
-                  </a:tcPr>
-                </a:tc>
-                <a:extLst>
-                  <a:ext uri="{0D108BD9-81ED-4DB2-BD59-A6C34878D82A}">
-                    <a16:rowId xmlns:a16="http://schemas.microsoft.com/office/drawing/2014/main" val="2166789652"/>
-                  </a:ext>
-                </a:extLst>
-              </a:tr>
-              <a:tr h="808810">
-                <a:tc>
-                  <a:txBody>
-                    <a:bodyPr/>
-                    <a:lstStyle/>
-                    <a:p>
-                      <a:pPr algn="ctr"/>
-                      <a:r>
-                        <a:rPr lang="en-US" sz="1400" b="1" dirty="0">
-                          <a:solidFill>
-                            <a:schemeClr val="bg1">
-                              <a:lumMod val="75000"/>
-                            </a:schemeClr>
-                          </a:solidFill>
-                        </a:rPr>
-                        <a:t>Reverse Active (Inverse Active)</a:t>
-                      </a:r>
-                      <a:endParaRPr lang="en-US" sz="1400" dirty="0">
-                        <a:solidFill>
-                          <a:schemeClr val="bg1">
-                            <a:lumMod val="75000"/>
-                          </a:schemeClr>
-                        </a:solidFill>
-                      </a:endParaRPr>
-                    </a:p>
-                  </a:txBody>
-                  <a:tcPr marL="30173" marR="30173" marT="15087" marB="15087" anchor="ctr">
-                    <a:lnL>
-                      <a:noFill/>
-                    </a:lnL>
-                    <a:lnR>
-                      <a:noFill/>
-                    </a:lnR>
-                    <a:lnT>
-                      <a:noFill/>
-                    </a:lnT>
-                    <a:lnB>
-                      <a:noFill/>
-                    </a:lnB>
-                  </a:tcPr>
-                </a:tc>
-                <a:tc>
-                  <a:txBody>
-                    <a:bodyPr/>
-                    <a:lstStyle/>
-                    <a:p>
-                      <a:pPr algn="l"/>
-                      <a:r>
-                        <a:rPr lang="en-US" sz="1400" dirty="0">
-                          <a:solidFill>
-                            <a:schemeClr val="bg1">
-                              <a:lumMod val="75000"/>
-                            </a:schemeClr>
-                          </a:solidFill>
-                        </a:rPr>
-                        <a:t>Reverse-biased</a:t>
-                      </a:r>
-                    </a:p>
-                  </a:txBody>
-                  <a:tcPr marL="30173" marR="30173" marT="15087" marB="15087" anchor="ctr">
-                    <a:lnL>
-                      <a:noFill/>
-                    </a:lnL>
-                    <a:lnR>
-                      <a:noFill/>
-                    </a:lnR>
-                    <a:lnT>
-                      <a:noFill/>
-                    </a:lnT>
-                    <a:lnB>
-                      <a:noFill/>
-                    </a:lnB>
-                  </a:tcPr>
-                </a:tc>
-                <a:tc>
-                  <a:txBody>
-                    <a:bodyPr/>
-                    <a:lstStyle/>
-                    <a:p>
-                      <a:pPr algn="l"/>
-                      <a:r>
-                        <a:rPr lang="en-US" sz="1400" dirty="0">
-                          <a:solidFill>
-                            <a:schemeClr val="bg1">
-                              <a:lumMod val="75000"/>
-                            </a:schemeClr>
-                          </a:solidFill>
-                        </a:rPr>
-                        <a:t>Forward-biased</a:t>
-                      </a:r>
-                    </a:p>
-                  </a:txBody>
-                  <a:tcPr marL="30173" marR="30173" marT="15087" marB="15087" anchor="ctr">
-                    <a:lnL>
-                      <a:noFill/>
-                    </a:lnL>
-                    <a:lnR>
-                      <a:noFill/>
-                    </a:lnR>
-                    <a:lnT>
-                      <a:noFill/>
-                    </a:lnT>
-                    <a:lnB>
-                      <a:noFill/>
-                    </a:lnB>
-                  </a:tcPr>
-                </a:tc>
-                <a:tc>
-                  <a:txBody>
-                    <a:bodyPr/>
-                    <a:lstStyle/>
-                    <a:p>
-                      <a:pPr algn="ctr"/>
-                      <a:r>
-                        <a:rPr lang="en-US" sz="1400">
-                          <a:solidFill>
-                            <a:schemeClr val="bg1">
-                              <a:lumMod val="75000"/>
-                            </a:schemeClr>
-                          </a:solidFill>
-                        </a:rPr>
-                        <a:t>&lt; 0 V</a:t>
-                      </a:r>
-                    </a:p>
-                  </a:txBody>
-                  <a:tcPr marL="30173" marR="30173" marT="15087" marB="15087" anchor="ctr">
-                    <a:lnL>
-                      <a:noFill/>
-                    </a:lnL>
-                    <a:lnR>
-                      <a:noFill/>
-                    </a:lnR>
-                    <a:lnT>
-                      <a:noFill/>
-                    </a:lnT>
-                    <a:lnB>
-                      <a:noFill/>
-                    </a:lnB>
-                  </a:tcPr>
-                </a:tc>
-                <a:tc>
-                  <a:txBody>
-                    <a:bodyPr/>
-                    <a:lstStyle/>
-                    <a:p>
-                      <a:pPr algn="ctr"/>
-                      <a:r>
-                        <a:rPr lang="en-US" sz="1400">
-                          <a:solidFill>
-                            <a:schemeClr val="bg1">
-                              <a:lumMod val="75000"/>
-                            </a:schemeClr>
-                          </a:solidFill>
-                        </a:rPr>
-                        <a:t>—</a:t>
-                      </a:r>
-                    </a:p>
-                  </a:txBody>
-                  <a:tcPr marL="30173" marR="30173" marT="15087" marB="15087" anchor="ctr">
-                    <a:lnL>
-                      <a:noFill/>
-                    </a:lnL>
-                    <a:lnR>
-                      <a:noFill/>
-                    </a:lnR>
-                    <a:lnT>
-                      <a:noFill/>
-                    </a:lnT>
-                    <a:lnB>
-                      <a:noFill/>
-                    </a:lnB>
-                  </a:tcPr>
-                </a:tc>
-                <a:tc>
-                  <a:txBody>
-                    <a:bodyPr/>
-                    <a:lstStyle/>
-                    <a:p>
-                      <a:pPr algn="l"/>
-                      <a:r>
-                        <a:rPr lang="en-US" sz="1400">
-                          <a:solidFill>
-                            <a:schemeClr val="bg1">
-                              <a:lumMod val="75000"/>
-                            </a:schemeClr>
-                          </a:solidFill>
-                        </a:rPr>
-                        <a:t>Roles of emitter and collector reversed. Low β (~1/10 of forward). Rarely used.</a:t>
-                      </a:r>
-                    </a:p>
-                  </a:txBody>
-                  <a:tcPr marL="30173" marR="30173" marT="15087" marB="15087" anchor="ctr">
-                    <a:lnL>
-                      <a:noFill/>
-                    </a:lnL>
-                    <a:lnR>
-                      <a:noFill/>
-                    </a:lnR>
-                    <a:lnT>
-                      <a:noFill/>
-                    </a:lnT>
-                    <a:lnB>
-                      <a:noFill/>
-                    </a:lnB>
-                  </a:tcPr>
-                </a:tc>
-                <a:extLst>
-                  <a:ext uri="{0D108BD9-81ED-4DB2-BD59-A6C34878D82A}">
-                    <a16:rowId xmlns:a16="http://schemas.microsoft.com/office/drawing/2014/main" val="3855106074"/>
-                  </a:ext>
-                </a:extLst>
-              </a:tr>
-              <a:tr h="1099982">
-                <a:tc>
-                  <a:txBody>
-                    <a:bodyPr/>
-                    <a:lstStyle/>
-                    <a:p>
-                      <a:pPr algn="ctr"/>
-                      <a:r>
-                        <a:rPr lang="en-US" sz="1400" b="1">
-                          <a:solidFill>
-                            <a:schemeClr val="bg1">
-                              <a:lumMod val="75000"/>
-                            </a:schemeClr>
-                          </a:solidFill>
-                        </a:rPr>
-                        <a:t>Breakdown</a:t>
-                      </a:r>
-                      <a:endParaRPr lang="en-US" sz="1400">
-                        <a:solidFill>
-                          <a:schemeClr val="bg1">
-                            <a:lumMod val="75000"/>
-                          </a:schemeClr>
-                        </a:solidFill>
-                      </a:endParaRPr>
-                    </a:p>
-                  </a:txBody>
-                  <a:tcPr marL="30173" marR="30173" marT="15087" marB="15087" anchor="ctr">
-                    <a:lnL>
-                      <a:noFill/>
-                    </a:lnL>
-                    <a:lnR>
-                      <a:noFill/>
-                    </a:lnR>
-                    <a:lnT>
-                      <a:noFill/>
-                    </a:lnT>
-                    <a:lnB>
-                      <a:noFill/>
-                    </a:lnB>
-                  </a:tcPr>
-                </a:tc>
-                <a:tc>
-                  <a:txBody>
-                    <a:bodyPr/>
-                    <a:lstStyle/>
-                    <a:p>
-                      <a:pPr algn="l"/>
-                      <a:r>
-                        <a:rPr lang="en-US" sz="1400">
-                          <a:solidFill>
-                            <a:schemeClr val="bg1">
-                              <a:lumMod val="75000"/>
-                            </a:schemeClr>
-                          </a:solidFill>
-                        </a:rPr>
-                        <a:t>Reverse-biased beyond limits</a:t>
-                      </a:r>
-                    </a:p>
-                  </a:txBody>
-                  <a:tcPr marL="30173" marR="30173" marT="15087" marB="15087" anchor="ctr">
-                    <a:lnL>
-                      <a:noFill/>
-                    </a:lnL>
-                    <a:lnR>
-                      <a:noFill/>
-                    </a:lnR>
-                    <a:lnT>
-                      <a:noFill/>
-                    </a:lnT>
-                    <a:lnB>
-                      <a:noFill/>
-                    </a:lnB>
-                  </a:tcPr>
-                </a:tc>
-                <a:tc>
-                  <a:txBody>
-                    <a:bodyPr/>
-                    <a:lstStyle/>
-                    <a:p>
-                      <a:pPr algn="l"/>
-                      <a:r>
-                        <a:rPr lang="en-US" sz="1400" dirty="0">
-                          <a:solidFill>
-                            <a:schemeClr val="bg1">
-                              <a:lumMod val="75000"/>
-                            </a:schemeClr>
-                          </a:solidFill>
-                        </a:rPr>
-                        <a:t>—</a:t>
-                      </a:r>
-                    </a:p>
-                  </a:txBody>
-                  <a:tcPr marL="30173" marR="30173" marT="15087" marB="15087" anchor="ctr">
-                    <a:lnL>
-                      <a:noFill/>
-                    </a:lnL>
-                    <a:lnR>
-                      <a:noFill/>
-                    </a:lnR>
-                    <a:lnT>
-                      <a:noFill/>
-                    </a:lnT>
-                    <a:lnB>
-                      <a:noFill/>
-                    </a:lnB>
-                  </a:tcPr>
-                </a:tc>
-                <a:tc>
-                  <a:txBody>
-                    <a:bodyPr/>
-                    <a:lstStyle/>
-                    <a:p>
-                      <a:pPr algn="ctr"/>
-                      <a:r>
-                        <a:rPr lang="en-US" sz="1400" dirty="0">
-                          <a:solidFill>
-                            <a:schemeClr val="bg1">
-                              <a:lumMod val="75000"/>
-                            </a:schemeClr>
-                          </a:solidFill>
-                        </a:rPr>
-                        <a:t>—</a:t>
-                      </a:r>
-                    </a:p>
-                  </a:txBody>
-                  <a:tcPr marL="30173" marR="30173" marT="15087" marB="15087" anchor="ctr">
-                    <a:lnL>
-                      <a:noFill/>
-                    </a:lnL>
-                    <a:lnR>
-                      <a:noFill/>
-                    </a:lnR>
-                    <a:lnT>
-                      <a:noFill/>
-                    </a:lnT>
-                    <a:lnB>
-                      <a:noFill/>
-                    </a:lnB>
-                  </a:tcPr>
-                </a:tc>
-                <a:tc>
-                  <a:txBody>
-                    <a:bodyPr/>
-                    <a:lstStyle/>
-                    <a:p>
-                      <a:pPr algn="ctr"/>
-                      <a:r>
-                        <a:rPr lang="en-US" sz="1400" dirty="0">
-                          <a:solidFill>
-                            <a:schemeClr val="bg1">
-                              <a:lumMod val="75000"/>
-                            </a:schemeClr>
-                          </a:solidFill>
-                        </a:rPr>
-                        <a:t>V</a:t>
-                      </a:r>
-                      <a:r>
-                        <a:rPr lang="en-US" sz="1400" baseline="-25000" dirty="0">
-                          <a:solidFill>
-                            <a:schemeClr val="bg1">
-                              <a:lumMod val="75000"/>
-                            </a:schemeClr>
-                          </a:solidFill>
-                        </a:rPr>
-                        <a:t>CE</a:t>
-                      </a:r>
-                      <a:r>
-                        <a:rPr lang="en-US" sz="1400" dirty="0">
-                          <a:solidFill>
-                            <a:schemeClr val="bg1">
-                              <a:lumMod val="75000"/>
-                            </a:schemeClr>
-                          </a:solidFill>
-                        </a:rPr>
-                        <a:t> &gt; V</a:t>
-                      </a:r>
-                      <a:r>
-                        <a:rPr lang="en-US" sz="1400" baseline="-25000" dirty="0">
-                          <a:solidFill>
-                            <a:schemeClr val="bg1">
-                              <a:lumMod val="75000"/>
-                            </a:schemeClr>
-                          </a:solidFill>
-                        </a:rPr>
-                        <a:t>(BR)CEO</a:t>
-                      </a:r>
-                    </a:p>
-                  </a:txBody>
-                  <a:tcPr marL="30173" marR="30173" marT="15087" marB="15087" anchor="ctr">
-                    <a:lnL>
-                      <a:noFill/>
-                    </a:lnL>
-                    <a:lnR>
-                      <a:noFill/>
-                    </a:lnR>
-                    <a:lnT>
-                      <a:noFill/>
-                    </a:lnT>
-                    <a:lnB>
-                      <a:noFill/>
-                    </a:lnB>
-                  </a:tcPr>
-                </a:tc>
-                <a:tc>
-                  <a:txBody>
-                    <a:bodyPr/>
-                    <a:lstStyle/>
-                    <a:p>
-                      <a:pPr algn="l"/>
-                      <a:r>
-                        <a:rPr lang="en-US" sz="1400" dirty="0">
-                          <a:solidFill>
-                            <a:schemeClr val="bg1">
-                              <a:lumMod val="75000"/>
-                            </a:schemeClr>
-                          </a:solidFill>
-                        </a:rPr>
-                        <a:t>Junction breakdown occurs — destructive unless avalanche mode is designed for (e.g., Zener, avalanche transistor).</a:t>
-                      </a:r>
-                    </a:p>
-                  </a:txBody>
-                  <a:tcPr marL="30173" marR="30173" marT="15087" marB="15087" anchor="ctr">
-                    <a:lnL>
-                      <a:noFill/>
-                    </a:lnL>
-                    <a:lnR>
-                      <a:noFill/>
-                    </a:lnR>
-                    <a:lnT>
-                      <a:noFill/>
-                    </a:lnT>
-                    <a:lnB>
-                      <a:noFill/>
-                    </a:lnB>
-                  </a:tcPr>
-                </a:tc>
-                <a:extLst>
-                  <a:ext uri="{0D108BD9-81ED-4DB2-BD59-A6C34878D82A}">
-                    <a16:rowId xmlns:a16="http://schemas.microsoft.com/office/drawing/2014/main" val="4117757086"/>
-                  </a:ext>
-                </a:extLst>
-              </a:tr>
-            </a:tbl>
-          </a:graphicData>
-        </a:graphic>
-      </p:graphicFrame>
-      <p:pic>
-        <p:nvPicPr>
-          <p:cNvPr id="28" name="Picture 2" descr="BJT: Definition, Symbol, Working, Characteristics, Types ...">
-            <a:extLst>
-              <a:ext uri="{FF2B5EF4-FFF2-40B4-BE49-F238E27FC236}">
-                <a16:creationId xmlns:a16="http://schemas.microsoft.com/office/drawing/2014/main" id="{50321BA3-621F-40A5-BC26-B0DFECBE3108}"/>
-              </a:ext>
-            </a:extLst>
-          </p:cNvPr>
-          <p:cNvPicPr>
-            <a:picLocks noChangeAspect="1" noChangeArrowheads="1"/>
-          </p:cNvPicPr>
-          <p:nvPr/>
-        </p:nvPicPr>
-        <p:blipFill rotWithShape="1">
-          <a:blip r:embed="rId2">
-            <a:extLst>
-              <a:ext uri="{28A0092B-C50C-407E-A947-70E740481C1C}">
-                <a14:useLocalDpi xmlns:a14="http://schemas.microsoft.com/office/drawing/2010/main" val="0"/>
-              </a:ext>
-            </a:extLst>
-          </a:blip>
-          <a:srcRect l="1849" t="26821" r="1959" b="6126"/>
-          <a:stretch/>
-        </p:blipFill>
-        <p:spPr bwMode="auto">
-          <a:xfrm>
-            <a:off x="5791200" y="0"/>
-            <a:ext cx="3346622" cy="1287162"/>
-          </a:xfrm>
-          <a:prstGeom prst="rect">
-            <a:avLst/>
-          </a:prstGeom>
-          <a:noFill/>
-          <a:ln>
-            <a:noFill/>
-          </a:ln>
-          <a:extLst>
-            <a:ext uri="{909E8E84-426E-40DD-AFC4-6F175D3DCCD1}">
-              <a14:hiddenFill xmlns:a14="http://schemas.microsoft.com/office/drawing/2010/main">
-                <a:solidFill>
-                  <a:srgbClr val="FFFFFF"/>
-                </a:solidFill>
-              </a14:hiddenFill>
-            </a:ext>
-            <a:ext uri="{91240B29-F687-4F45-9708-019B960494DF}">
-              <a14:hiddenLine xmlns:a14="http://schemas.microsoft.com/office/drawing/2010/main" w="9525">
-                <a:solidFill>
-                  <a:srgbClr val="000000"/>
-                </a:solidFill>
-                <a:miter lim="800000"/>
-                <a:headEnd/>
-                <a:tailEnd/>
-              </a14:hiddenLine>
-            </a:ext>
-          </a:extLst>
-        </p:spPr>
-      </p:pic>
-      <p:pic>
-        <p:nvPicPr>
-          <p:cNvPr id="30" name="Picture 29">
-            <a:extLst>
-              <a:ext uri="{FF2B5EF4-FFF2-40B4-BE49-F238E27FC236}">
-                <a16:creationId xmlns:a16="http://schemas.microsoft.com/office/drawing/2014/main" id="{FBD8C356-DE67-49F7-AF83-B7D846AE48D7}"/>
-              </a:ext>
-            </a:extLst>
-          </p:cNvPr>
-          <p:cNvPicPr>
-            <a:picLocks noChangeAspect="1"/>
-          </p:cNvPicPr>
-          <p:nvPr/>
-        </p:nvPicPr>
-        <p:blipFill rotWithShape="1">
-          <a:blip r:embed="rId3"/>
-          <a:srcRect l="10834" t="6250" r="13333" b="6250"/>
-          <a:stretch/>
-        </p:blipFill>
-        <p:spPr>
-          <a:xfrm>
-            <a:off x="28832" y="4008801"/>
-            <a:ext cx="3581400" cy="2754923"/>
-          </a:xfrm>
-          <a:prstGeom prst="rect">
-            <a:avLst/>
-          </a:prstGeom>
-        </p:spPr>
-      </p:pic>
-    </p:spTree>
-    <p:extLst>
-      <p:ext uri="{BB962C8B-B14F-4D97-AF65-F5344CB8AC3E}">
-        <p14:creationId xmlns:p14="http://schemas.microsoft.com/office/powerpoint/2010/main" val="1879951900"/>
-      </p:ext>
-    </p:extLst>
-  </p:cSld>
-  <p:clrMapOvr>
-    <a:masterClrMapping/>
-  </p:clrMapOvr>
-  <p:timing>
-    <p:tnLst>
-      <p:par>
-        <p:cTn id="1" dur="indefinite" restart="never" nodeType="tmRoot">
-          <p:childTnLst>
-            <p:seq concurrent="1" nextAc="seek">
-              <p:cTn id="2" dur="indefinite" nodeType="mainSeq">
-                <p:childTnLst>
-                  <p:par>
-                    <p:cTn id="3" fill="hold">
-                      <p:stCondLst>
-                        <p:cond delay="indefinite"/>
-                      </p:stCondLst>
-                      <p:childTnLst>
-                        <p:par>
-                          <p:cTn id="4" fill="hold">
-                            <p:stCondLst>
-                              <p:cond delay="0"/>
-                            </p:stCondLst>
-                            <p:childTnLst>
-                              <p:par>
-                                <p:cTn id="5" presetID="1" presetClass="entr" presetSubtype="0" fill="hold" nodeType="clickEffect">
-                                  <p:stCondLst>
-                                    <p:cond delay="0"/>
-                                  </p:stCondLst>
-                                  <p:childTnLst>
-                                    <p:set>
-                                      <p:cBhvr>
-                                        <p:cTn id="6" dur="1" fill="hold">
-                                          <p:stCondLst>
-                                            <p:cond delay="0"/>
-                                          </p:stCondLst>
-                                        </p:cTn>
-                                        <p:tgtEl>
-                                          <p:spTgt spid="28"/>
-                                        </p:tgtEl>
-                                        <p:attrNameLst>
-                                          <p:attrName>style.visibility</p:attrName>
-                                        </p:attrNameLst>
-                                      </p:cBhvr>
-                                      <p:to>
-                                        <p:strVal val="visible"/>
-                                      </p:to>
-                                    </p:set>
-                                  </p:childTnLst>
-                                </p:cTn>
-                              </p:par>
-                            </p:childTnLst>
-                          </p:cTn>
-                        </p:par>
-                      </p:childTnLst>
-                    </p:cTn>
-                  </p:par>
-                  <p:par>
-                    <p:cTn id="7" fill="hold">
-                      <p:stCondLst>
-                        <p:cond delay="indefinite"/>
-                      </p:stCondLst>
-                      <p:childTnLst>
-                        <p:par>
-                          <p:cTn id="8" fill="hold">
-                            <p:stCondLst>
-                              <p:cond delay="0"/>
-                            </p:stCondLst>
-                            <p:childTnLst>
-                              <p:par>
-                                <p:cTn id="9" presetID="1" presetClass="entr" presetSubtype="0" fill="hold" nodeType="clickEffect">
-                                  <p:stCondLst>
-                                    <p:cond delay="0"/>
-                                  </p:stCondLst>
-                                  <p:childTnLst>
-                                    <p:set>
-                                      <p:cBhvr>
-                                        <p:cTn id="10" dur="1" fill="hold">
-                                          <p:stCondLst>
-                                            <p:cond delay="0"/>
-                                          </p:stCondLst>
-                                        </p:cTn>
-                                        <p:tgtEl>
-                                          <p:spTgt spid="30"/>
+                                          <p:spTgt spid="5"/>
                                         </p:tgtEl>
                                         <p:attrNameLst>
                                           <p:attrName>style.visibility</p:attrName>
@@ -9548,7 +7269,7 @@
 </p:sld>
 </file>
 
-<file path=ppt/slides/slide13.xml><?xml version="1.0" encoding="utf-8"?>
+<file path=ppt/slides/slide3.xml><?xml version="1.0" encoding="utf-8"?>
 <p:sld xmlns:a="http://schemas.openxmlformats.org/drawingml/2006/main" xmlns:r="http://schemas.openxmlformats.org/officeDocument/2006/relationships" xmlns:p="http://schemas.openxmlformats.org/presentationml/2006/main">
   <p:cSld>
     <p:spTree>
@@ -9567,10 +7288,10 @@
       </p:grpSpPr>
       <p:sp>
         <p:nvSpPr>
-          <p:cNvPr id="2" name="Content Placeholder 1">
+          <p:cNvPr id="3" name="Content Placeholder 2">
             <a:extLst>
               <a:ext uri="{FF2B5EF4-FFF2-40B4-BE49-F238E27FC236}">
-                <a16:creationId xmlns:a16="http://schemas.microsoft.com/office/drawing/2014/main" id="{F7FB2889-F0BF-44B3-9E74-AD71540C7203}"/>
+                <a16:creationId xmlns:a16="http://schemas.microsoft.com/office/drawing/2014/main" id="{AE6C3C26-4DA1-4F5C-A73F-EC5441B30A0C}"/>
               </a:ext>
             </a:extLst>
           </p:cNvPr>
@@ -9578,7 +7299,7 @@
             <a:spLocks noGrp="1"/>
           </p:cNvSpPr>
           <p:nvPr>
-            <p:ph idx="1"/>
+            <p:ph sz="quarter" idx="10"/>
           </p:nvPr>
         </p:nvSpPr>
         <p:spPr/>
@@ -9587,272 +7308,8 @@
           <a:lstStyle/>
           <a:p>
             <a:r>
-              <a:rPr lang="en-US" altLang="en-US" sz="2400" b="1" dirty="0"/>
-              <a:t>TTL Series name                            Prefix</a:t>
-            </a:r>
-          </a:p>
-          <a:p>
-            <a:endParaRPr lang="en-US" altLang="en-US" sz="2400" b="1" dirty="0"/>
-          </a:p>
-          <a:p>
-            <a:r>
-              <a:rPr lang="en-US" altLang="en-US" sz="2400" b="1" dirty="0"/>
-              <a:t>Standard                                             74</a:t>
-            </a:r>
-          </a:p>
-          <a:p>
-            <a:r>
-              <a:rPr lang="en-US" altLang="en-US" sz="2400" b="1" dirty="0"/>
-              <a:t>Low-power                                         74L</a:t>
-            </a:r>
-          </a:p>
-          <a:p>
-            <a:r>
-              <a:rPr lang="en-US" altLang="en-US" sz="2400" b="1" dirty="0"/>
-              <a:t>High-speed                                          74H</a:t>
-            </a:r>
-          </a:p>
-          <a:p>
-            <a:r>
-              <a:rPr lang="en-US" altLang="en-US" sz="2400" b="1" dirty="0"/>
-              <a:t>Schottky                                              74S</a:t>
-            </a:r>
-          </a:p>
-          <a:p>
-            <a:r>
-              <a:rPr lang="en-US" altLang="en-US" sz="2400" b="1" dirty="0"/>
-              <a:t>Low-power Schottky                          74LS</a:t>
-            </a:r>
-          </a:p>
-          <a:p>
-            <a:r>
-              <a:rPr lang="en-US" altLang="en-US" sz="2400" b="1" dirty="0"/>
-              <a:t>Advanced Schottky                            74AS</a:t>
-            </a:r>
-          </a:p>
-          <a:p>
-            <a:r>
-              <a:rPr lang="en-US" altLang="en-US" sz="2400" b="1" dirty="0"/>
-              <a:t>Advanced Low power- Schottky      74ALS</a:t>
-            </a:r>
-          </a:p>
-          <a:p>
-            <a:r>
-              <a:rPr lang="en-US" altLang="en-US" sz="2400" b="1" dirty="0"/>
-              <a:t>Fast                                                      74F</a:t>
-            </a:r>
-          </a:p>
-        </p:txBody>
-      </p:sp>
-      <p:sp>
-        <p:nvSpPr>
-          <p:cNvPr id="3" name="Content Placeholder 2">
-            <a:extLst>
-              <a:ext uri="{FF2B5EF4-FFF2-40B4-BE49-F238E27FC236}">
-                <a16:creationId xmlns:a16="http://schemas.microsoft.com/office/drawing/2014/main" id="{5EBA6474-2F22-4736-9E1E-658DEDCDCAD4}"/>
-              </a:ext>
-            </a:extLst>
-          </p:cNvPr>
-          <p:cNvSpPr>
-            <a:spLocks noGrp="1"/>
-          </p:cNvSpPr>
-          <p:nvPr>
-            <p:ph sz="quarter" idx="10"/>
-          </p:nvPr>
-        </p:nvSpPr>
-        <p:spPr/>
-        <p:txBody>
-          <a:bodyPr/>
-          <a:lstStyle/>
-          <a:p>
-            <a:r>
               <a:rPr lang="en-US" dirty="0"/>
-              <a:t>TTL ICs</a:t>
-            </a:r>
-          </a:p>
-        </p:txBody>
-      </p:sp>
-    </p:spTree>
-    <p:extLst>
-      <p:ext uri="{BB962C8B-B14F-4D97-AF65-F5344CB8AC3E}">
-        <p14:creationId xmlns:p14="http://schemas.microsoft.com/office/powerpoint/2010/main" val="1479055604"/>
-      </p:ext>
-    </p:extLst>
-  </p:cSld>
-  <p:clrMapOvr>
-    <a:masterClrMapping/>
-  </p:clrMapOvr>
-</p:sld>
-</file>
-
-<file path=ppt/slides/slide14.xml><?xml version="1.0" encoding="utf-8"?>
-<p:sld xmlns:a="http://schemas.openxmlformats.org/drawingml/2006/main" xmlns:r="http://schemas.openxmlformats.org/officeDocument/2006/relationships" xmlns:p="http://schemas.openxmlformats.org/presentationml/2006/main">
-  <p:cSld>
-    <p:spTree>
-      <p:nvGrpSpPr>
-        <p:cNvPr id="1" name=""/>
-        <p:cNvGrpSpPr/>
-        <p:nvPr/>
-      </p:nvGrpSpPr>
-      <p:grpSpPr>
-        <a:xfrm>
-          <a:off x="0" y="0"/>
-          <a:ext cx="0" cy="0"/>
-          <a:chOff x="0" y="0"/>
-          <a:chExt cx="0" cy="0"/>
-        </a:xfrm>
-      </p:grpSpPr>
-      <p:sp>
-        <p:nvSpPr>
-          <p:cNvPr id="2" name="Content Placeholder 1">
-            <a:extLst>
-              <a:ext uri="{FF2B5EF4-FFF2-40B4-BE49-F238E27FC236}">
-                <a16:creationId xmlns:a16="http://schemas.microsoft.com/office/drawing/2014/main" id="{E05F5A59-5765-4F64-8BC7-53C63BD79319}"/>
-              </a:ext>
-            </a:extLst>
-          </p:cNvPr>
-          <p:cNvSpPr>
-            <a:spLocks noGrp="1"/>
-          </p:cNvSpPr>
-          <p:nvPr>
-            <p:ph idx="1"/>
-          </p:nvPr>
-        </p:nvSpPr>
-        <p:spPr/>
-        <p:txBody>
-          <a:bodyPr/>
-          <a:lstStyle/>
-          <a:p>
-            <a:pPr>
-              <a:buFontTx/>
-              <a:buChar char="-"/>
-            </a:pPr>
-            <a:r>
-              <a:rPr lang="en-US" altLang="en-US" sz="2400" b="1" dirty="0"/>
-              <a:t> Open - collector output</a:t>
-            </a:r>
-          </a:p>
-          <a:p>
-            <a:pPr>
-              <a:buFontTx/>
-              <a:buChar char="-"/>
-            </a:pPr>
-            <a:endParaRPr lang="en-US" altLang="en-US" sz="2400" b="1" dirty="0"/>
-          </a:p>
-          <a:p>
-            <a:pPr>
-              <a:buFontTx/>
-              <a:buChar char="-"/>
-            </a:pPr>
-            <a:r>
-              <a:rPr lang="en-US" altLang="en-US" sz="2400" b="1" dirty="0"/>
-              <a:t> Totem-pole output</a:t>
-            </a:r>
-          </a:p>
-          <a:p>
-            <a:pPr>
-              <a:buFontTx/>
-              <a:buChar char="-"/>
-            </a:pPr>
-            <a:endParaRPr lang="en-US" altLang="en-US" sz="2400" b="1" dirty="0"/>
-          </a:p>
-          <a:p>
-            <a:pPr>
-              <a:buFontTx/>
-              <a:buChar char="-"/>
-            </a:pPr>
-            <a:r>
-              <a:rPr lang="en-US" altLang="en-US" sz="2400" b="1" dirty="0"/>
-              <a:t> Three-state output</a:t>
-            </a:r>
-          </a:p>
-          <a:p>
-            <a:endParaRPr lang="en-US" dirty="0"/>
-          </a:p>
-        </p:txBody>
-      </p:sp>
-      <p:sp>
-        <p:nvSpPr>
-          <p:cNvPr id="3" name="Content Placeholder 2">
-            <a:extLst>
-              <a:ext uri="{FF2B5EF4-FFF2-40B4-BE49-F238E27FC236}">
-                <a16:creationId xmlns:a16="http://schemas.microsoft.com/office/drawing/2014/main" id="{6E42957A-CC58-4054-A6C8-1AA1E52B57EA}"/>
-              </a:ext>
-            </a:extLst>
-          </p:cNvPr>
-          <p:cNvSpPr>
-            <a:spLocks noGrp="1"/>
-          </p:cNvSpPr>
-          <p:nvPr>
-            <p:ph sz="quarter" idx="10"/>
-          </p:nvPr>
-        </p:nvSpPr>
-        <p:spPr/>
-        <p:txBody>
-          <a:bodyPr/>
-          <a:lstStyle/>
-          <a:p>
-            <a:r>
-              <a:rPr lang="en-US" dirty="0"/>
-              <a:t>Three types of TTL gates</a:t>
-            </a:r>
-          </a:p>
-        </p:txBody>
-      </p:sp>
-    </p:spTree>
-    <p:extLst>
-      <p:ext uri="{BB962C8B-B14F-4D97-AF65-F5344CB8AC3E}">
-        <p14:creationId xmlns:p14="http://schemas.microsoft.com/office/powerpoint/2010/main" val="2767510383"/>
-      </p:ext>
-    </p:extLst>
-  </p:cSld>
-  <p:clrMapOvr>
-    <a:masterClrMapping/>
-  </p:clrMapOvr>
-</p:sld>
-</file>
-
-<file path=ppt/slides/slide15.xml><?xml version="1.0" encoding="utf-8"?>
-<p:sld xmlns:a="http://schemas.openxmlformats.org/drawingml/2006/main" xmlns:r="http://schemas.openxmlformats.org/officeDocument/2006/relationships" xmlns:p="http://schemas.openxmlformats.org/presentationml/2006/main">
-  <p:cSld>
-    <p:spTree>
-      <p:nvGrpSpPr>
-        <p:cNvPr id="1" name=""/>
-        <p:cNvGrpSpPr/>
-        <p:nvPr/>
-      </p:nvGrpSpPr>
-      <p:grpSpPr>
-        <a:xfrm>
-          <a:off x="0" y="0"/>
-          <a:ext cx="0" cy="0"/>
-          <a:chOff x="0" y="0"/>
-          <a:chExt cx="0" cy="0"/>
-        </a:xfrm>
-      </p:grpSpPr>
-      <p:sp>
-        <p:nvSpPr>
-          <p:cNvPr id="3" name="Content Placeholder 2">
-            <a:extLst>
-              <a:ext uri="{FF2B5EF4-FFF2-40B4-BE49-F238E27FC236}">
-                <a16:creationId xmlns:a16="http://schemas.microsoft.com/office/drawing/2014/main" id="{C7795EEE-4139-465B-B0EE-B93CFF17A770}"/>
-              </a:ext>
-            </a:extLst>
-          </p:cNvPr>
-          <p:cNvSpPr>
-            <a:spLocks noGrp="1"/>
-          </p:cNvSpPr>
-          <p:nvPr>
-            <p:ph sz="quarter" idx="10"/>
-          </p:nvPr>
-        </p:nvSpPr>
-        <p:spPr/>
-        <p:txBody>
-          <a:bodyPr/>
-          <a:lstStyle/>
-          <a:p>
-            <a:r>
-              <a:rPr lang="en-US" dirty="0"/>
-              <a:t>Open collector TTL NAND gate</a:t>
+              <a:t>MOS Gates</a:t>
             </a:r>
           </a:p>
         </p:txBody>
@@ -9862,7 +7319,7 @@
           <p:cNvPr id="4" name="Picture 2">
             <a:extLst>
               <a:ext uri="{FF2B5EF4-FFF2-40B4-BE49-F238E27FC236}">
-                <a16:creationId xmlns:a16="http://schemas.microsoft.com/office/drawing/2014/main" id="{B56DCE33-F1D5-459F-8E6E-353631CB3277}"/>
+                <a16:creationId xmlns:a16="http://schemas.microsoft.com/office/drawing/2014/main" id="{B29E29BC-0634-4196-BB84-1C589C52E4E3}"/>
               </a:ext>
             </a:extLst>
           </p:cNvPr>
@@ -9873,7 +7330,7 @@
             <p:ph idx="1"/>
           </p:nvPr>
         </p:nvPicPr>
-        <p:blipFill>
+        <p:blipFill rotWithShape="1">
           <a:blip r:embed="rId2">
             <a:extLst>
               <a:ext uri="{28A0092B-C50C-407E-A947-70E740481C1C}">
@@ -9881,15 +7338,13 @@
               </a:ext>
             </a:extLst>
           </a:blip>
-          <a:srcRect/>
-          <a:stretch>
-            <a:fillRect/>
-          </a:stretch>
+          <a:srcRect l="29968" r="38732" b="42091"/>
+          <a:stretch/>
         </p:blipFill>
         <p:spPr bwMode="auto">
           <a:xfrm>
-            <a:off x="275968" y="1676400"/>
-            <a:ext cx="5227299" cy="4525962"/>
+            <a:off x="3200400" y="1493838"/>
+            <a:ext cx="1905000" cy="2620962"/>
           </a:xfrm>
           <a:prstGeom prst="rect">
             <a:avLst/>
@@ -9906,118 +7361,68 @@
           </a:extLst>
         </p:spPr>
       </p:pic>
-      <p:sp>
-        <p:nvSpPr>
-          <p:cNvPr id="6" name="TextBox 5">
+      <p:pic>
+        <p:nvPicPr>
+          <p:cNvPr id="5" name="Picture 2">
             <a:extLst>
               <a:ext uri="{FF2B5EF4-FFF2-40B4-BE49-F238E27FC236}">
-                <a16:creationId xmlns:a16="http://schemas.microsoft.com/office/drawing/2014/main" id="{30955F7B-528D-48F0-9121-1D26FE6A91D3}"/>
+                <a16:creationId xmlns:a16="http://schemas.microsoft.com/office/drawing/2014/main" id="{51D4770D-3C6C-43F5-BBB7-A2EEF1532EE4}"/>
               </a:ext>
             </a:extLst>
           </p:cNvPr>
-          <p:cNvSpPr txBox="1"/>
+          <p:cNvPicPr>
+            <a:picLocks noChangeAspect="1" noChangeArrowheads="1"/>
+          </p:cNvPicPr>
           <p:nvPr/>
-        </p:nvSpPr>
-        <p:spPr>
+        </p:nvPicPr>
+        <p:blipFill rotWithShape="1">
+          <a:blip r:embed="rId2">
+            <a:extLst>
+              <a:ext uri="{28A0092B-C50C-407E-A947-70E740481C1C}">
+                <a14:useLocalDpi xmlns:a14="http://schemas.microsoft.com/office/drawing/2010/main" val="0"/>
+              </a:ext>
+            </a:extLst>
+          </a:blip>
+          <a:srcRect l="-79" r="-81"/>
+          <a:stretch/>
+        </p:blipFill>
+        <p:spPr bwMode="auto">
           <a:xfrm>
-            <a:off x="5916827" y="1676400"/>
-            <a:ext cx="2924432" cy="4801314"/>
+            <a:off x="1371600" y="1493838"/>
+            <a:ext cx="6096000" cy="4525962"/>
           </a:xfrm>
           <a:prstGeom prst="rect">
             <a:avLst/>
           </a:prstGeom>
           <a:noFill/>
+          <a:ln>
+            <a:noFill/>
+          </a:ln>
+          <a:extLst>
+            <a:ext uri="{909E8E84-426E-40DD-AFC4-6F175D3DCCD1}">
+              <a14:hiddenFill xmlns:a14="http://schemas.microsoft.com/office/drawing/2010/main">
+                <a:solidFill>
+                  <a:srgbClr val="FFFFFF"/>
+                </a:solidFill>
+              </a14:hiddenFill>
+            </a:ext>
+            <a:ext uri="{91240B29-F687-4F45-9708-019B960494DF}">
+              <a14:hiddenLine xmlns:a14="http://schemas.microsoft.com/office/drawing/2010/main" w="9525">
+                <a:solidFill>
+                  <a:srgbClr val="000000"/>
+                </a:solidFill>
+                <a:miter lim="800000"/>
+                <a:headEnd/>
+                <a:tailEnd/>
+              </a14:hiddenLine>
+            </a:ext>
+          </a:extLst>
         </p:spPr>
-        <p:txBody>
-          <a:bodyPr wrap="square">
-            <a:spAutoFit/>
-          </a:bodyPr>
-          <a:lstStyle/>
-          <a:p>
-            <a:r>
-              <a:rPr lang="en-US" altLang="en-US" b="1" dirty="0"/>
-              <a:t>Advantage:</a:t>
-            </a:r>
-            <a:endParaRPr lang="en-US" altLang="en-US" dirty="0"/>
-          </a:p>
-          <a:p>
-            <a:endParaRPr lang="en-US" altLang="en-US" b="1" dirty="0"/>
-          </a:p>
-          <a:p>
-            <a:r>
-              <a:rPr lang="en-US" altLang="en-US" dirty="0"/>
-              <a:t>Outputs of different gates can be wired together, resulting in ANDing of their outputs</a:t>
-            </a:r>
-          </a:p>
-          <a:p>
-            <a:endParaRPr lang="en-US" altLang="en-US" sz="1800" b="1" dirty="0"/>
-          </a:p>
-          <a:p>
-            <a:r>
-              <a:rPr lang="en-US" altLang="en-US" sz="1800" b="1" dirty="0"/>
-              <a:t>Used for:</a:t>
-            </a:r>
-          </a:p>
-          <a:p>
-            <a:endParaRPr lang="en-US" altLang="en-US" b="1" dirty="0"/>
-          </a:p>
-          <a:p>
-            <a:pPr marL="285750" indent="-285750">
-              <a:buFontTx/>
-              <a:buChar char="-"/>
-            </a:pPr>
-            <a:r>
-              <a:rPr lang="en-US" altLang="en-US" sz="1800" dirty="0"/>
-              <a:t>Driving relays and lamps</a:t>
-            </a:r>
-          </a:p>
-          <a:p>
-            <a:pPr marL="285750" indent="-285750">
-              <a:buFontTx/>
-              <a:buChar char="-"/>
-            </a:pPr>
-            <a:endParaRPr lang="en-US" altLang="en-US" sz="1800" dirty="0"/>
-          </a:p>
-          <a:p>
-            <a:pPr marL="285750" indent="-285750">
-              <a:buFontTx/>
-              <a:buChar char="-"/>
-            </a:pPr>
-            <a:r>
-              <a:rPr lang="en-US" altLang="en-US" sz="1800" dirty="0"/>
-              <a:t>Wire ANDing</a:t>
-            </a:r>
-          </a:p>
-          <a:p>
-            <a:pPr marL="285750" indent="-285750">
-              <a:buFontTx/>
-              <a:buChar char="-"/>
-            </a:pPr>
-            <a:endParaRPr lang="en-US" altLang="en-US" sz="1800" dirty="0"/>
-          </a:p>
-          <a:p>
-            <a:pPr marL="285750" indent="-285750">
-              <a:buFontTx/>
-              <a:buChar char="-"/>
-            </a:pPr>
-            <a:r>
-              <a:rPr lang="en-US" altLang="en-US" sz="1800" dirty="0"/>
-              <a:t>Construction of common bus system</a:t>
-            </a:r>
-          </a:p>
-          <a:p>
-            <a:pPr marL="285750" indent="-285750">
-              <a:buFontTx/>
-              <a:buChar char="-"/>
-            </a:pPr>
-            <a:endParaRPr lang="en-US" altLang="en-US" dirty="0"/>
-          </a:p>
-        </p:txBody>
-      </p:sp>
+      </p:pic>
     </p:spTree>
     <p:extLst>
       <p:ext uri="{BB962C8B-B14F-4D97-AF65-F5344CB8AC3E}">
-        <p14:creationId xmlns:p14="http://schemas.microsoft.com/office/powerpoint/2010/main" val="3682656324"/>
+        <p14:creationId xmlns:p14="http://schemas.microsoft.com/office/powerpoint/2010/main" val="3899576945"/>
       </p:ext>
     </p:extLst>
   </p:cSld>
@@ -10045,7 +7450,7 @@
                             </p:stCondLst>
                             <p:childTnLst>
                               <p:par>
-                                <p:cTn id="5" presetID="1" presetClass="entr" presetSubtype="0" fill="hold" grpId="0" nodeType="clickEffect">
+                                <p:cTn id="5" presetID="1" presetClass="entr" presetSubtype="0" fill="hold" nodeType="clickEffect">
                                   <p:stCondLst>
                                     <p:cond delay="0"/>
                                   </p:stCondLst>
@@ -10058,256 +7463,7 @@
                                           </p:stCondLst>
                                         </p:cTn>
                                         <p:tgtEl>
-                                          <p:spTgt spid="6">
-                                            <p:txEl>
-                                              <p:pRg st="0" end="0"/>
-                                            </p:txEl>
-                                          </p:spTgt>
-                                        </p:tgtEl>
-                                        <p:attrNameLst>
-                                          <p:attrName>style.visibility</p:attrName>
-                                        </p:attrNameLst>
-                                      </p:cBhvr>
-                                      <p:to>
-                                        <p:strVal val="visible"/>
-                                      </p:to>
-                                    </p:set>
-                                  </p:childTnLst>
-                                </p:cTn>
-                              </p:par>
-                            </p:childTnLst>
-                          </p:cTn>
-                        </p:par>
-                      </p:childTnLst>
-                    </p:cTn>
-                  </p:par>
-                  <p:par>
-                    <p:cTn id="7" fill="hold">
-                      <p:stCondLst>
-                        <p:cond delay="indefinite"/>
-                      </p:stCondLst>
-                      <p:childTnLst>
-                        <p:par>
-                          <p:cTn id="8" fill="hold">
-                            <p:stCondLst>
-                              <p:cond delay="0"/>
-                            </p:stCondLst>
-                            <p:childTnLst>
-                              <p:par>
-                                <p:cTn id="9" presetID="1" presetClass="entr" presetSubtype="0" fill="hold" grpId="0" nodeType="clickEffect">
-                                  <p:stCondLst>
-                                    <p:cond delay="0"/>
-                                  </p:stCondLst>
-                                  <p:childTnLst>
-                                    <p:set>
-                                      <p:cBhvr>
-                                        <p:cTn id="10" dur="1" fill="hold">
-                                          <p:stCondLst>
-                                            <p:cond delay="0"/>
-                                          </p:stCondLst>
-                                        </p:cTn>
-                                        <p:tgtEl>
-                                          <p:spTgt spid="6">
-                                            <p:txEl>
-                                              <p:pRg st="2" end="2"/>
-                                            </p:txEl>
-                                          </p:spTgt>
-                                        </p:tgtEl>
-                                        <p:attrNameLst>
-                                          <p:attrName>style.visibility</p:attrName>
-                                        </p:attrNameLst>
-                                      </p:cBhvr>
-                                      <p:to>
-                                        <p:strVal val="visible"/>
-                                      </p:to>
-                                    </p:set>
-                                  </p:childTnLst>
-                                </p:cTn>
-                              </p:par>
-                            </p:childTnLst>
-                          </p:cTn>
-                        </p:par>
-                      </p:childTnLst>
-                    </p:cTn>
-                  </p:par>
-                  <p:par>
-                    <p:cTn id="11" fill="hold">
-                      <p:stCondLst>
-                        <p:cond delay="indefinite"/>
-                      </p:stCondLst>
-                      <p:childTnLst>
-                        <p:par>
-                          <p:cTn id="12" fill="hold">
-                            <p:stCondLst>
-                              <p:cond delay="0"/>
-                            </p:stCondLst>
-                            <p:childTnLst>
-                              <p:par>
-                                <p:cTn id="13" presetID="1" presetClass="entr" presetSubtype="0" fill="hold" grpId="0" nodeType="clickEffect">
-                                  <p:stCondLst>
-                                    <p:cond delay="0"/>
-                                  </p:stCondLst>
-                                  <p:childTnLst>
-                                    <p:set>
-                                      <p:cBhvr>
-                                        <p:cTn id="14" dur="1" fill="hold">
-                                          <p:stCondLst>
-                                            <p:cond delay="0"/>
-                                          </p:stCondLst>
-                                        </p:cTn>
-                                        <p:tgtEl>
-                                          <p:spTgt spid="6">
-                                            <p:txEl>
-                                              <p:pRg st="4" end="4"/>
-                                            </p:txEl>
-                                          </p:spTgt>
-                                        </p:tgtEl>
-                                        <p:attrNameLst>
-                                          <p:attrName>style.visibility</p:attrName>
-                                        </p:attrNameLst>
-                                      </p:cBhvr>
-                                      <p:to>
-                                        <p:strVal val="visible"/>
-                                      </p:to>
-                                    </p:set>
-                                  </p:childTnLst>
-                                </p:cTn>
-                              </p:par>
-                            </p:childTnLst>
-                          </p:cTn>
-                        </p:par>
-                      </p:childTnLst>
-                    </p:cTn>
-                  </p:par>
-                  <p:par>
-                    <p:cTn id="15" fill="hold">
-                      <p:stCondLst>
-                        <p:cond delay="indefinite"/>
-                      </p:stCondLst>
-                      <p:childTnLst>
-                        <p:par>
-                          <p:cTn id="16" fill="hold">
-                            <p:stCondLst>
-                              <p:cond delay="0"/>
-                            </p:stCondLst>
-                            <p:childTnLst>
-                              <p:par>
-                                <p:cTn id="17" presetID="1" presetClass="entr" presetSubtype="0" fill="hold" grpId="0" nodeType="clickEffect">
-                                  <p:stCondLst>
-                                    <p:cond delay="0"/>
-                                  </p:stCondLst>
-                                  <p:childTnLst>
-                                    <p:set>
-                                      <p:cBhvr>
-                                        <p:cTn id="18" dur="1" fill="hold">
-                                          <p:stCondLst>
-                                            <p:cond delay="0"/>
-                                          </p:stCondLst>
-                                        </p:cTn>
-                                        <p:tgtEl>
-                                          <p:spTgt spid="6">
-                                            <p:txEl>
-                                              <p:pRg st="6" end="6"/>
-                                            </p:txEl>
-                                          </p:spTgt>
-                                        </p:tgtEl>
-                                        <p:attrNameLst>
-                                          <p:attrName>style.visibility</p:attrName>
-                                        </p:attrNameLst>
-                                      </p:cBhvr>
-                                      <p:to>
-                                        <p:strVal val="visible"/>
-                                      </p:to>
-                                    </p:set>
-                                  </p:childTnLst>
-                                </p:cTn>
-                              </p:par>
-                            </p:childTnLst>
-                          </p:cTn>
-                        </p:par>
-                      </p:childTnLst>
-                    </p:cTn>
-                  </p:par>
-                  <p:par>
-                    <p:cTn id="19" fill="hold">
-                      <p:stCondLst>
-                        <p:cond delay="indefinite"/>
-                      </p:stCondLst>
-                      <p:childTnLst>
-                        <p:par>
-                          <p:cTn id="20" fill="hold">
-                            <p:stCondLst>
-                              <p:cond delay="0"/>
-                            </p:stCondLst>
-                            <p:childTnLst>
-                              <p:par>
-                                <p:cTn id="21" presetID="1" presetClass="entr" presetSubtype="0" fill="hold" grpId="0" nodeType="clickEffect">
-                                  <p:stCondLst>
-                                    <p:cond delay="0"/>
-                                  </p:stCondLst>
-                                  <p:childTnLst>
-                                    <p:set>
-                                      <p:cBhvr>
-                                        <p:cTn id="22" dur="1" fill="hold">
-                                          <p:stCondLst>
-                                            <p:cond delay="0"/>
-                                          </p:stCondLst>
-                                        </p:cTn>
-                                        <p:tgtEl>
-                                          <p:spTgt spid="6">
-                                            <p:txEl>
-                                              <p:pRg st="8" end="8"/>
-                                            </p:txEl>
-                                          </p:spTgt>
-                                        </p:tgtEl>
-                                        <p:attrNameLst>
-                                          <p:attrName>style.visibility</p:attrName>
-                                        </p:attrNameLst>
-                                      </p:cBhvr>
-                                      <p:to>
-                                        <p:strVal val="visible"/>
-                                      </p:to>
-                                    </p:set>
-                                  </p:childTnLst>
-                                </p:cTn>
-                              </p:par>
-                            </p:childTnLst>
-                          </p:cTn>
-                        </p:par>
-                      </p:childTnLst>
-                    </p:cTn>
-                  </p:par>
-                  <p:par>
-                    <p:cTn id="23" fill="hold">
-                      <p:stCondLst>
-                        <p:cond delay="indefinite"/>
-                      </p:stCondLst>
-                      <p:childTnLst>
-                        <p:par>
-                          <p:cTn id="24" fill="hold">
-                            <p:stCondLst>
-                              <p:cond delay="0"/>
-                            </p:stCondLst>
-                            <p:childTnLst>
-                              <p:par>
-                                <p:cTn id="25" presetID="1" presetClass="entr" presetSubtype="0" fill="hold" grpId="0" nodeType="clickEffect">
-                                  <p:stCondLst>
-                                    <p:cond delay="0"/>
-                                  </p:stCondLst>
-                                  <p:childTnLst>
-                                    <p:set>
-                                      <p:cBhvr>
-                                        <p:cTn id="26" dur="1" fill="hold">
-                                          <p:stCondLst>
-                                            <p:cond delay="0"/>
-                                          </p:stCondLst>
-                                        </p:cTn>
-                                        <p:tgtEl>
-                                          <p:spTgt spid="6">
-                                            <p:txEl>
-                                              <p:pRg st="10" end="10"/>
-                                            </p:txEl>
-                                          </p:spTgt>
+                                          <p:spTgt spid="5"/>
                                         </p:tgtEl>
                                         <p:attrNameLst>
                                           <p:attrName>style.visibility</p:attrName>
@@ -10347,14 +7503,11 @@
         </p:cTn>
       </p:par>
     </p:tnLst>
-    <p:bldLst>
-      <p:bldP spid="6" grpId="0" build="p"/>
-    </p:bldLst>
   </p:timing>
 </p:sld>
 </file>
 
-<file path=ppt/slides/slide16.xml><?xml version="1.0" encoding="utf-8"?>
+<file path=ppt/slides/slide4.xml><?xml version="1.0" encoding="utf-8"?>
 <p:sld xmlns:a="http://schemas.openxmlformats.org/drawingml/2006/main" xmlns:r="http://schemas.openxmlformats.org/officeDocument/2006/relationships" xmlns:p="http://schemas.openxmlformats.org/presentationml/2006/main">
   <p:cSld>
     <p:spTree>
@@ -10373,10 +7526,10 @@
       </p:grpSpPr>
       <p:sp>
         <p:nvSpPr>
-          <p:cNvPr id="3" name="Content Placeholder 2">
+          <p:cNvPr id="2" name="Content Placeholder 1">
             <a:extLst>
               <a:ext uri="{FF2B5EF4-FFF2-40B4-BE49-F238E27FC236}">
-                <a16:creationId xmlns:a16="http://schemas.microsoft.com/office/drawing/2014/main" id="{6FDECDB5-3AC6-422A-A69A-6A97975D7945}"/>
+                <a16:creationId xmlns:a16="http://schemas.microsoft.com/office/drawing/2014/main" id="{D2BC59F1-869A-47E8-BF0C-275E3201F18D}"/>
               </a:ext>
             </a:extLst>
           </p:cNvPr>
@@ -10384,6 +7537,134 @@
             <a:spLocks noGrp="1"/>
           </p:cNvSpPr>
           <p:nvPr>
+            <p:ph idx="1"/>
+          </p:nvPr>
+        </p:nvSpPr>
+        <p:spPr>
+          <a:xfrm>
+            <a:off x="304800" y="1493837"/>
+            <a:ext cx="4038600" cy="4906963"/>
+          </a:xfrm>
+        </p:spPr>
+        <p:txBody>
+          <a:bodyPr>
+            <a:normAutofit fontScale="85000" lnSpcReduction="10000"/>
+          </a:bodyPr>
+          <a:lstStyle/>
+          <a:p>
+            <a:pPr>
+              <a:buFont typeface="Arial" panose="020B0604020202020204" pitchFamily="34" charset="0"/>
+              <a:buChar char="•"/>
+            </a:pPr>
+            <a:r>
+              <a:rPr lang="en-US" dirty="0"/>
+              <a:t>Bipolar transistors control a current (</a:t>
+            </a:r>
+            <a:r>
+              <a:rPr lang="en-US" i="1" dirty="0"/>
+              <a:t>I</a:t>
+            </a:r>
+            <a:r>
+              <a:rPr lang="en-US" i="1" baseline="-25000" dirty="0"/>
+              <a:t>C</a:t>
+            </a:r>
+            <a:r>
+              <a:rPr lang="en-US" dirty="0"/>
+              <a:t>) by changing another current </a:t>
+            </a:r>
+            <a:r>
+              <a:rPr lang="en-US" i="1" dirty="0"/>
+              <a:t>(I</a:t>
+            </a:r>
+            <a:r>
+              <a:rPr lang="en-US" i="1" baseline="-25000" dirty="0"/>
+              <a:t>B</a:t>
+            </a:r>
+            <a:r>
+              <a:rPr lang="en-US" dirty="0"/>
+              <a:t>)</a:t>
+            </a:r>
+            <a:endParaRPr lang="en-US" i="1" baseline="-25000" dirty="0"/>
+          </a:p>
+          <a:p>
+            <a:pPr>
+              <a:buFont typeface="Arial" panose="020B0604020202020204" pitchFamily="34" charset="0"/>
+              <a:buChar char="•"/>
+            </a:pPr>
+            <a:r>
+              <a:rPr lang="en-US" dirty="0"/>
+              <a:t>Complex design involving multiple transistors, resistors and diodes</a:t>
+            </a:r>
+          </a:p>
+          <a:p>
+            <a:pPr>
+              <a:buFont typeface="Arial" panose="020B0604020202020204" pitchFamily="34" charset="0"/>
+              <a:buChar char="•"/>
+            </a:pPr>
+            <a:r>
+              <a:rPr lang="en-US" dirty="0"/>
+              <a:t>High power consumption since continuous current flows</a:t>
+            </a:r>
+            <a:br>
+              <a:rPr lang="en-US" dirty="0"/>
+            </a:br>
+            <a:r>
+              <a:rPr lang="en-US" dirty="0"/>
+              <a:t>…</a:t>
+            </a:r>
+          </a:p>
+          <a:p>
+            <a:pPr>
+              <a:buFont typeface="Arial" panose="020B0604020202020204" pitchFamily="34" charset="0"/>
+              <a:buChar char="•"/>
+            </a:pPr>
+            <a:r>
+              <a:rPr lang="en-US" dirty="0"/>
+              <a:t>Lower density on chips since each gate requires more components and thus more space</a:t>
+            </a:r>
+          </a:p>
+          <a:p>
+            <a:pPr>
+              <a:buFont typeface="Arial" panose="020B0604020202020204" pitchFamily="34" charset="0"/>
+              <a:buChar char="•"/>
+            </a:pPr>
+            <a:r>
+              <a:rPr lang="en-US" dirty="0"/>
+              <a:t>More susceptible to electrical noise</a:t>
+            </a:r>
+            <a:br>
+              <a:rPr lang="en-US" dirty="0"/>
+            </a:br>
+            <a:r>
+              <a:rPr lang="en-US" dirty="0"/>
+              <a:t>…</a:t>
+            </a:r>
+          </a:p>
+          <a:p>
+            <a:pPr>
+              <a:buFont typeface="Arial" panose="020B0604020202020204" pitchFamily="34" charset="0"/>
+              <a:buChar char="•"/>
+            </a:pPr>
+            <a:r>
+              <a:rPr lang="en-US" dirty="0"/>
+              <a:t>Very tight voltage requirements</a:t>
+            </a:r>
+          </a:p>
+        </p:txBody>
+      </p:sp>
+      <p:sp>
+        <p:nvSpPr>
+          <p:cNvPr id="3" name="Content Placeholder 2">
+            <a:extLst>
+              <a:ext uri="{FF2B5EF4-FFF2-40B4-BE49-F238E27FC236}">
+                <a16:creationId xmlns:a16="http://schemas.microsoft.com/office/drawing/2014/main" id="{7F5A2227-98FC-43F4-B475-8383D8C2F30A}"/>
+              </a:ext>
+            </a:extLst>
+          </p:cNvPr>
+          <p:cNvSpPr>
+            <a:spLocks noGrp="1"/>
+          </p:cNvSpPr>
+          <p:nvPr>
             <p:ph sz="quarter" idx="10"/>
           </p:nvPr>
         </p:nvSpPr>
@@ -10394,49 +7675,37 @@
           <a:p>
             <a:r>
               <a:rPr lang="en-US" dirty="0"/>
-              <a:t>Wire ANDing</a:t>
-            </a:r>
-          </a:p>
-        </p:txBody>
-      </p:sp>
-      <p:pic>
-        <p:nvPicPr>
-          <p:cNvPr id="4" name="Picture 2">
+              <a:t>Current controlled vs voltage controlled devices</a:t>
+            </a:r>
+          </a:p>
+        </p:txBody>
+      </p:sp>
+      <p:sp>
+        <p:nvSpPr>
+          <p:cNvPr id="4" name="Content Placeholder 1">
             <a:extLst>
               <a:ext uri="{FF2B5EF4-FFF2-40B4-BE49-F238E27FC236}">
-                <a16:creationId xmlns:a16="http://schemas.microsoft.com/office/drawing/2014/main" id="{D258B2E4-C1A7-4511-B81A-446F9EF70D9A}"/>
+                <a16:creationId xmlns:a16="http://schemas.microsoft.com/office/drawing/2014/main" id="{8B9B3040-D740-4A13-994E-3369BA6B24F3}"/>
               </a:ext>
             </a:extLst>
           </p:cNvPr>
-          <p:cNvPicPr>
-            <a:picLocks noGrp="1" noChangeAspect="1" noChangeArrowheads="1"/>
-          </p:cNvPicPr>
-          <p:nvPr>
-            <p:ph idx="1"/>
-          </p:nvPr>
-        </p:nvPicPr>
-        <p:blipFill>
-          <a:blip r:embed="rId2">
-            <a:extLst>
-              <a:ext uri="{28A0092B-C50C-407E-A947-70E740481C1C}">
-                <a14:useLocalDpi xmlns:a14="http://schemas.microsoft.com/office/drawing/2010/main" val="0"/>
-              </a:ext>
-            </a:extLst>
-          </a:blip>
-          <a:srcRect/>
-          <a:stretch>
-            <a:fillRect/>
-          </a:stretch>
-        </p:blipFill>
+          <p:cNvSpPr txBox="1">
+            <a:spLocks/>
+          </p:cNvSpPr>
+          <p:nvPr/>
+        </p:nvSpPr>
         <p:spPr bwMode="auto">
           <a:xfrm>
-            <a:off x="304800" y="1656936"/>
-            <a:ext cx="8229600" cy="4199766"/>
+            <a:off x="4800602" y="1493836"/>
+            <a:ext cx="4038600" cy="4906963"/>
           </a:xfrm>
           <a:prstGeom prst="rect">
             <a:avLst/>
           </a:prstGeom>
           <a:noFill/>
+          <a:ln>
+            <a:noFill/>
+          </a:ln>
           <a:extLst>
             <a:ext uri="{909E8E84-426E-40DD-AFC4-6F175D3DCCD1}">
               <a14:hiddenFill xmlns:a14="http://schemas.microsoft.com/office/drawing/2010/main">
@@ -10445,299 +7714,284 @@
                 </a:solidFill>
               </a14:hiddenFill>
             </a:ext>
+            <a:ext uri="{91240B29-F687-4F45-9708-019B960494DF}">
+              <a14:hiddenLine xmlns:a14="http://schemas.microsoft.com/office/drawing/2010/main" w="9525">
+                <a:solidFill>
+                  <a:srgbClr val="000000"/>
+                </a:solidFill>
+                <a:miter lim="800000"/>
+                <a:headEnd/>
+                <a:tailEnd/>
+              </a14:hiddenLine>
+            </a:ext>
           </a:extLst>
         </p:spPr>
-      </p:pic>
+        <p:txBody>
+          <a:bodyPr vert="horz" wrap="square" lIns="91440" tIns="45720" rIns="91440" bIns="45720" numCol="1" anchor="t" anchorCtr="0" compatLnSpc="1">
+            <a:prstTxWarp prst="textNoShape">
+              <a:avLst/>
+            </a:prstTxWarp>
+            <a:noAutofit/>
+          </a:bodyPr>
+          <a:lstStyle>
+            <a:lvl1pPr marL="342900" marR="0" indent="-342900" algn="l" defTabSz="914400" rtl="0" eaLnBrk="1" fontAlgn="auto" latinLnBrk="0" hangingPunct="1">
+              <a:lnSpc>
+                <a:spcPct val="100000"/>
+              </a:lnSpc>
+              <a:spcBef>
+                <a:spcPct val="20000"/>
+              </a:spcBef>
+              <a:spcAft>
+                <a:spcPts val="0"/>
+              </a:spcAft>
+              <a:buClr>
+                <a:srgbClr val="101141"/>
+              </a:buClr>
+              <a:buSzTx/>
+              <a:buFont typeface="Arial" pitchFamily="34" charset="0"/>
+              <a:buNone/>
+              <a:tabLst/>
+              <a:defRPr sz="2400" kern="1200">
+                <a:solidFill>
+                  <a:schemeClr val="tx1"/>
+                </a:solidFill>
+                <a:latin typeface="+mn-lt"/>
+                <a:ea typeface="+mn-ea"/>
+                <a:cs typeface="Arial" pitchFamily="34" charset="0"/>
+              </a:defRPr>
+            </a:lvl1pPr>
+            <a:lvl2pPr marL="742950" marR="0" indent="-285750" algn="l" defTabSz="914400" rtl="0" eaLnBrk="1" fontAlgn="auto" latinLnBrk="0" hangingPunct="1">
+              <a:lnSpc>
+                <a:spcPct val="100000"/>
+              </a:lnSpc>
+              <a:spcBef>
+                <a:spcPct val="20000"/>
+              </a:spcBef>
+              <a:spcAft>
+                <a:spcPts val="0"/>
+              </a:spcAft>
+              <a:buClrTx/>
+              <a:buSzTx/>
+              <a:buFont typeface="Arial" pitchFamily="34" charset="0"/>
+              <a:buChar char="–"/>
+              <a:tabLst/>
+              <a:defRPr sz="1600" kern="1200">
+                <a:solidFill>
+                  <a:schemeClr val="tx1"/>
+                </a:solidFill>
+                <a:latin typeface="+mn-lt"/>
+                <a:ea typeface="+mn-ea"/>
+                <a:cs typeface="Arial" pitchFamily="34" charset="0"/>
+              </a:defRPr>
+            </a:lvl2pPr>
+            <a:lvl3pPr marL="1143000" indent="-228600" algn="l" rtl="0" eaLnBrk="0" fontAlgn="base" hangingPunct="0">
+              <a:spcBef>
+                <a:spcPct val="20000"/>
+              </a:spcBef>
+              <a:spcAft>
+                <a:spcPct val="0"/>
+              </a:spcAft>
+              <a:buFont typeface="Arial" panose="020B0604020202020204" pitchFamily="34" charset="0"/>
+              <a:buChar char="•"/>
+              <a:defRPr sz="2400" kern="1200">
+                <a:solidFill>
+                  <a:schemeClr val="tx1"/>
+                </a:solidFill>
+                <a:latin typeface="+mn-lt"/>
+                <a:ea typeface="+mn-ea"/>
+                <a:cs typeface="+mn-cs"/>
+              </a:defRPr>
+            </a:lvl3pPr>
+            <a:lvl4pPr marL="1600200" indent="-228600" algn="l" rtl="0" eaLnBrk="0" fontAlgn="base" hangingPunct="0">
+              <a:spcBef>
+                <a:spcPct val="20000"/>
+              </a:spcBef>
+              <a:spcAft>
+                <a:spcPct val="0"/>
+              </a:spcAft>
+              <a:buFont typeface="Arial" panose="020B0604020202020204" pitchFamily="34" charset="0"/>
+              <a:buChar char="–"/>
+              <a:defRPr sz="2000" kern="1200">
+                <a:solidFill>
+                  <a:schemeClr val="tx1"/>
+                </a:solidFill>
+                <a:latin typeface="+mn-lt"/>
+                <a:ea typeface="+mn-ea"/>
+                <a:cs typeface="+mn-cs"/>
+              </a:defRPr>
+            </a:lvl4pPr>
+            <a:lvl5pPr marL="2057400" indent="-228600" algn="l" rtl="0" eaLnBrk="0" fontAlgn="base" hangingPunct="0">
+              <a:spcBef>
+                <a:spcPct val="20000"/>
+              </a:spcBef>
+              <a:spcAft>
+                <a:spcPct val="0"/>
+              </a:spcAft>
+              <a:buFont typeface="Arial" panose="020B0604020202020204" pitchFamily="34" charset="0"/>
+              <a:buChar char="»"/>
+              <a:defRPr sz="2000" kern="1200">
+                <a:solidFill>
+                  <a:schemeClr val="tx1"/>
+                </a:solidFill>
+                <a:latin typeface="+mn-lt"/>
+                <a:ea typeface="+mn-ea"/>
+                <a:cs typeface="+mn-cs"/>
+              </a:defRPr>
+            </a:lvl5pPr>
+            <a:lvl6pPr marL="2514600" indent="-228600" algn="l" defTabSz="914400" rtl="0" eaLnBrk="1" latinLnBrk="0" hangingPunct="1">
+              <a:spcBef>
+                <a:spcPct val="20000"/>
+              </a:spcBef>
+              <a:buFont typeface="Arial" pitchFamily="34" charset="0"/>
+              <a:buChar char="•"/>
+              <a:defRPr sz="2000" kern="1200">
+                <a:solidFill>
+                  <a:schemeClr val="tx1"/>
+                </a:solidFill>
+                <a:latin typeface="+mn-lt"/>
+                <a:ea typeface="+mn-ea"/>
+                <a:cs typeface="+mn-cs"/>
+              </a:defRPr>
+            </a:lvl6pPr>
+            <a:lvl7pPr marL="2971800" indent="-228600" algn="l" defTabSz="914400" rtl="0" eaLnBrk="1" latinLnBrk="0" hangingPunct="1">
+              <a:spcBef>
+                <a:spcPct val="20000"/>
+              </a:spcBef>
+              <a:buFont typeface="Arial" pitchFamily="34" charset="0"/>
+              <a:buChar char="•"/>
+              <a:defRPr sz="2000" kern="1200">
+                <a:solidFill>
+                  <a:schemeClr val="tx1"/>
+                </a:solidFill>
+                <a:latin typeface="+mn-lt"/>
+                <a:ea typeface="+mn-ea"/>
+                <a:cs typeface="+mn-cs"/>
+              </a:defRPr>
+            </a:lvl7pPr>
+            <a:lvl8pPr marL="3429000" indent="-228600" algn="l" defTabSz="914400" rtl="0" eaLnBrk="1" latinLnBrk="0" hangingPunct="1">
+              <a:spcBef>
+                <a:spcPct val="20000"/>
+              </a:spcBef>
+              <a:buFont typeface="Arial" pitchFamily="34" charset="0"/>
+              <a:buChar char="•"/>
+              <a:defRPr sz="2000" kern="1200">
+                <a:solidFill>
+                  <a:schemeClr val="tx1"/>
+                </a:solidFill>
+                <a:latin typeface="+mn-lt"/>
+                <a:ea typeface="+mn-ea"/>
+                <a:cs typeface="+mn-cs"/>
+              </a:defRPr>
+            </a:lvl8pPr>
+            <a:lvl9pPr marL="3886200" indent="-228600" algn="l" defTabSz="914400" rtl="0" eaLnBrk="1" latinLnBrk="0" hangingPunct="1">
+              <a:spcBef>
+                <a:spcPct val="20000"/>
+              </a:spcBef>
+              <a:buFont typeface="Arial" pitchFamily="34" charset="0"/>
+              <a:buChar char="•"/>
+              <a:defRPr sz="2000" kern="1200">
+                <a:solidFill>
+                  <a:schemeClr val="tx1"/>
+                </a:solidFill>
+                <a:latin typeface="+mn-lt"/>
+                <a:ea typeface="+mn-ea"/>
+                <a:cs typeface="+mn-cs"/>
+              </a:defRPr>
+            </a:lvl9pPr>
+          </a:lstStyle>
+          <a:p>
+            <a:pPr>
+              <a:buFont typeface="Arial" pitchFamily="34" charset="0"/>
+              <a:buChar char="•"/>
+            </a:pPr>
+            <a:r>
+              <a:rPr lang="en-US" sz="2000" dirty="0"/>
+              <a:t>MOSFETs control a current by changing the applied voltage</a:t>
+            </a:r>
+            <a:br>
+              <a:rPr lang="en-US" sz="2000" dirty="0"/>
+            </a:br>
+            <a:r>
+              <a:rPr lang="en-US" sz="2000" dirty="0"/>
+              <a:t>…</a:t>
+            </a:r>
+            <a:endParaRPr lang="en-US" sz="2000" i="1" baseline="-25000" dirty="0"/>
+          </a:p>
+          <a:p>
+            <a:pPr>
+              <a:buFont typeface="Arial" pitchFamily="34" charset="0"/>
+              <a:buChar char="•"/>
+            </a:pPr>
+            <a:r>
+              <a:rPr lang="en-US" sz="2000" dirty="0"/>
+              <a:t>Very simple structure</a:t>
+            </a:r>
+            <a:br>
+              <a:rPr lang="en-US" sz="2000" dirty="0"/>
+            </a:br>
+            <a:r>
+              <a:rPr lang="en-US" sz="2000" dirty="0"/>
+              <a:t>…</a:t>
+            </a:r>
+          </a:p>
+          <a:p>
+            <a:pPr>
+              <a:buFont typeface="Arial" pitchFamily="34" charset="0"/>
+              <a:buChar char="•"/>
+            </a:pPr>
+            <a:r>
+              <a:rPr lang="en-US" sz="2000" dirty="0"/>
+              <a:t>Very low, since on transistor is always off, so no current path from </a:t>
+            </a:r>
+            <a:r>
+              <a:rPr lang="en-US" sz="2000" dirty="0" err="1"/>
+              <a:t>V</a:t>
+            </a:r>
+            <a:r>
+              <a:rPr lang="en-US" sz="2000" baseline="-25000" dirty="0" err="1"/>
+              <a:t>cc</a:t>
+            </a:r>
+            <a:r>
+              <a:rPr lang="en-US" sz="2000" dirty="0"/>
+              <a:t> to ground</a:t>
+            </a:r>
+          </a:p>
+          <a:p>
+            <a:pPr>
+              <a:buFont typeface="Arial" pitchFamily="34" charset="0"/>
+              <a:buChar char="•"/>
+            </a:pPr>
+            <a:r>
+              <a:rPr lang="en-US" sz="2000" dirty="0"/>
+              <a:t>Each device is small, so can accommodate more devices in the same space</a:t>
+            </a:r>
+          </a:p>
+          <a:p>
+            <a:pPr>
+              <a:buFont typeface="Arial" pitchFamily="34" charset="0"/>
+              <a:buChar char="•"/>
+            </a:pPr>
+            <a:r>
+              <a:rPr lang="en-US" sz="2000" dirty="0"/>
+              <a:t>More tolerant to electrical noise due to a sharp switching threshold</a:t>
+            </a:r>
+          </a:p>
+          <a:p>
+            <a:pPr>
+              <a:buFont typeface="Arial" pitchFamily="34" charset="0"/>
+              <a:buChar char="•"/>
+            </a:pPr>
+            <a:r>
+              <a:rPr lang="en-US" sz="2000" dirty="0"/>
+              <a:t>Large operating voltages</a:t>
+            </a:r>
+          </a:p>
+        </p:txBody>
+      </p:sp>
     </p:spTree>
     <p:extLst>
       <p:ext uri="{BB962C8B-B14F-4D97-AF65-F5344CB8AC3E}">
-        <p14:creationId xmlns:p14="http://schemas.microsoft.com/office/powerpoint/2010/main" val="379022420"/>
-      </p:ext>
-    </p:extLst>
-  </p:cSld>
-  <p:clrMapOvr>
-    <a:masterClrMapping/>
-  </p:clrMapOvr>
-</p:sld>
-</file>
-
-<file path=ppt/slides/slide17.xml><?xml version="1.0" encoding="utf-8"?>
-<p:sld xmlns:a="http://schemas.openxmlformats.org/drawingml/2006/main" xmlns:r="http://schemas.openxmlformats.org/officeDocument/2006/relationships" xmlns:p="http://schemas.openxmlformats.org/presentationml/2006/main">
-  <p:cSld>
-    <p:spTree>
-      <p:nvGrpSpPr>
-        <p:cNvPr id="1" name=""/>
-        <p:cNvGrpSpPr/>
-        <p:nvPr/>
-      </p:nvGrpSpPr>
-      <p:grpSpPr>
-        <a:xfrm>
-          <a:off x="0" y="0"/>
-          <a:ext cx="0" cy="0"/>
-          <a:chOff x="0" y="0"/>
-          <a:chExt cx="0" cy="0"/>
-        </a:xfrm>
-      </p:grpSpPr>
-      <p:sp>
-        <p:nvSpPr>
-          <p:cNvPr id="3" name="Content Placeholder 2">
-            <a:extLst>
-              <a:ext uri="{FF2B5EF4-FFF2-40B4-BE49-F238E27FC236}">
-                <a16:creationId xmlns:a16="http://schemas.microsoft.com/office/drawing/2014/main" id="{0BD95932-5CDE-47A1-A54F-A12E1054EF8F}"/>
-              </a:ext>
-            </a:extLst>
-          </p:cNvPr>
-          <p:cNvSpPr>
-            <a:spLocks noGrp="1"/>
-          </p:cNvSpPr>
-          <p:nvPr>
-            <p:ph sz="quarter" idx="10"/>
-          </p:nvPr>
-        </p:nvSpPr>
-        <p:spPr/>
-        <p:txBody>
-          <a:bodyPr/>
-          <a:lstStyle/>
-          <a:p>
-            <a:r>
-              <a:rPr lang="en-US" dirty="0"/>
-              <a:t>OC gates forming a ‘bus’ line</a:t>
-            </a:r>
-          </a:p>
-        </p:txBody>
-      </p:sp>
-      <p:pic>
-        <p:nvPicPr>
-          <p:cNvPr id="4" name="Picture 2">
-            <a:extLst>
-              <a:ext uri="{FF2B5EF4-FFF2-40B4-BE49-F238E27FC236}">
-                <a16:creationId xmlns:a16="http://schemas.microsoft.com/office/drawing/2014/main" id="{FE1F5DF8-2747-427B-AE79-062EF80A4092}"/>
-              </a:ext>
-            </a:extLst>
-          </p:cNvPr>
-          <p:cNvPicPr>
-            <a:picLocks noGrp="1" noChangeAspect="1" noChangeArrowheads="1"/>
-          </p:cNvPicPr>
-          <p:nvPr>
-            <p:ph idx="1"/>
-          </p:nvPr>
-        </p:nvPicPr>
-        <p:blipFill>
-          <a:blip r:embed="rId2">
-            <a:extLst>
-              <a:ext uri="{28A0092B-C50C-407E-A947-70E740481C1C}">
-                <a14:useLocalDpi xmlns:a14="http://schemas.microsoft.com/office/drawing/2010/main" val="0"/>
-              </a:ext>
-            </a:extLst>
-          </a:blip>
-          <a:srcRect/>
-          <a:stretch>
-            <a:fillRect/>
-          </a:stretch>
-        </p:blipFill>
-        <p:spPr bwMode="auto">
-          <a:xfrm>
-            <a:off x="3962400" y="1828800"/>
-            <a:ext cx="5027804" cy="4525962"/>
-          </a:xfrm>
-          <a:prstGeom prst="rect">
-            <a:avLst/>
-          </a:prstGeom>
-          <a:noFill/>
-          <a:extLst>
-            <a:ext uri="{909E8E84-426E-40DD-AFC4-6F175D3DCCD1}">
-              <a14:hiddenFill xmlns:a14="http://schemas.microsoft.com/office/drawing/2010/main">
-                <a:solidFill>
-                  <a:srgbClr val="FFFFFF"/>
-                </a:solidFill>
-              </a14:hiddenFill>
-            </a:ext>
-          </a:extLst>
-        </p:spPr>
-      </p:pic>
-      <p:sp>
-        <p:nvSpPr>
-          <p:cNvPr id="6" name="TextBox 5">
-            <a:extLst>
-              <a:ext uri="{FF2B5EF4-FFF2-40B4-BE49-F238E27FC236}">
-                <a16:creationId xmlns:a16="http://schemas.microsoft.com/office/drawing/2014/main" id="{94625981-EB77-4910-8BAA-C3238213E9FF}"/>
-              </a:ext>
-            </a:extLst>
-          </p:cNvPr>
-          <p:cNvSpPr txBox="1"/>
-          <p:nvPr/>
-        </p:nvSpPr>
-        <p:spPr>
-          <a:xfrm>
-            <a:off x="278725" y="1504135"/>
-            <a:ext cx="4572000" cy="1200329"/>
-          </a:xfrm>
-          <a:prstGeom prst="rect">
-            <a:avLst/>
-          </a:prstGeom>
-          <a:noFill/>
-        </p:spPr>
-        <p:txBody>
-          <a:bodyPr wrap="square">
-            <a:spAutoFit/>
-          </a:bodyPr>
-          <a:lstStyle/>
-          <a:p>
-            <a:r>
-              <a:rPr lang="en-US" dirty="0"/>
-              <a:t>A </a:t>
-            </a:r>
-            <a:r>
-              <a:rPr lang="en-US" b="1" dirty="0"/>
-              <a:t>bus</a:t>
-            </a:r>
-            <a:r>
-              <a:rPr lang="en-US" dirty="0"/>
-              <a:t> acts like a </a:t>
-            </a:r>
-            <a:r>
-              <a:rPr lang="en-US" b="1" dirty="0"/>
-              <a:t>common highway</a:t>
-            </a:r>
-            <a:r>
-              <a:rPr lang="en-US" dirty="0"/>
-              <a:t> where multiple can send or receive information — but only one device drives it at a time to avoid conflicts.</a:t>
-            </a:r>
-          </a:p>
-        </p:txBody>
-      </p:sp>
-    </p:spTree>
-    <p:extLst>
-      <p:ext uri="{BB962C8B-B14F-4D97-AF65-F5344CB8AC3E}">
-        <p14:creationId xmlns:p14="http://schemas.microsoft.com/office/powerpoint/2010/main" val="641807873"/>
-      </p:ext>
-    </p:extLst>
-  </p:cSld>
-  <p:clrMapOvr>
-    <a:masterClrMapping/>
-  </p:clrMapOvr>
-</p:sld>
-</file>
-
-<file path=ppt/slides/slide18.xml><?xml version="1.0" encoding="utf-8"?>
-<p:sld xmlns:a="http://schemas.openxmlformats.org/drawingml/2006/main" xmlns:r="http://schemas.openxmlformats.org/officeDocument/2006/relationships" xmlns:p="http://schemas.openxmlformats.org/presentationml/2006/main">
-  <p:cSld>
-    <p:spTree>
-      <p:nvGrpSpPr>
-        <p:cNvPr id="1" name=""/>
-        <p:cNvGrpSpPr/>
-        <p:nvPr/>
-      </p:nvGrpSpPr>
-      <p:grpSpPr>
-        <a:xfrm>
-          <a:off x="0" y="0"/>
-          <a:ext cx="0" cy="0"/>
-          <a:chOff x="0" y="0"/>
-          <a:chExt cx="0" cy="0"/>
-        </a:xfrm>
-      </p:grpSpPr>
-      <p:sp>
-        <p:nvSpPr>
-          <p:cNvPr id="2" name="Content Placeholder 1">
-            <a:extLst>
-              <a:ext uri="{FF2B5EF4-FFF2-40B4-BE49-F238E27FC236}">
-                <a16:creationId xmlns:a16="http://schemas.microsoft.com/office/drawing/2014/main" id="{257942F5-C7F3-4D23-82E5-D7FA10D96BE6}"/>
-              </a:ext>
-            </a:extLst>
-          </p:cNvPr>
-          <p:cNvSpPr>
-            <a:spLocks noGrp="1"/>
-          </p:cNvSpPr>
-          <p:nvPr>
-            <p:ph idx="1"/>
-          </p:nvPr>
-        </p:nvSpPr>
-        <p:spPr/>
-        <p:txBody>
-          <a:bodyPr/>
-          <a:lstStyle/>
-          <a:p>
-            <a:pPr>
-              <a:buFontTx/>
-              <a:buChar char="-"/>
-            </a:pPr>
-            <a:r>
-              <a:rPr lang="en-US" altLang="en-US" dirty="0"/>
-              <a:t>Output impedance of a gate is resistive plus capacitive load (typical ‘C’  = 15 pF)</a:t>
-            </a:r>
-          </a:p>
-          <a:p>
-            <a:pPr>
-              <a:buFontTx/>
-              <a:buChar char="-"/>
-            </a:pPr>
-            <a:r>
-              <a:rPr lang="en-US" altLang="en-US" dirty="0"/>
-              <a:t>For output low to high transition C charges exponentially through RC</a:t>
-            </a:r>
-          </a:p>
-          <a:p>
-            <a:pPr>
-              <a:buFontTx/>
-              <a:buChar char="-"/>
-            </a:pPr>
-            <a:r>
-              <a:rPr lang="en-US" altLang="en-US" dirty="0"/>
-              <a:t>R is R</a:t>
-            </a:r>
-            <a:r>
-              <a:rPr lang="en-US" altLang="en-US" baseline="-25000" dirty="0"/>
-              <a:t>L</a:t>
-            </a:r>
-            <a:r>
-              <a:rPr lang="en-US" altLang="en-US" dirty="0"/>
-              <a:t> (external) in open collector</a:t>
-            </a:r>
-          </a:p>
-          <a:p>
-            <a:pPr>
-              <a:buFontTx/>
-              <a:buChar char="-"/>
-            </a:pPr>
-            <a:r>
-              <a:rPr lang="en-US" altLang="en-US" dirty="0"/>
-              <a:t>With active pull-up delay can be reduced</a:t>
-            </a:r>
-          </a:p>
-        </p:txBody>
-      </p:sp>
-      <p:sp>
-        <p:nvSpPr>
-          <p:cNvPr id="3" name="Content Placeholder 2">
-            <a:extLst>
-              <a:ext uri="{FF2B5EF4-FFF2-40B4-BE49-F238E27FC236}">
-                <a16:creationId xmlns:a16="http://schemas.microsoft.com/office/drawing/2014/main" id="{37CF981C-2F1E-48CE-AFAE-D299442F2605}"/>
-              </a:ext>
-            </a:extLst>
-          </p:cNvPr>
-          <p:cNvSpPr>
-            <a:spLocks noGrp="1"/>
-          </p:cNvSpPr>
-          <p:nvPr>
-            <p:ph sz="quarter" idx="10"/>
-          </p:nvPr>
-        </p:nvSpPr>
-        <p:spPr/>
-        <p:txBody>
-          <a:bodyPr/>
-          <a:lstStyle/>
-          <a:p>
-            <a:r>
-              <a:rPr lang="en-US" dirty="0"/>
-              <a:t>Pull-up delays</a:t>
-            </a:r>
-          </a:p>
-        </p:txBody>
-      </p:sp>
-    </p:spTree>
-    <p:extLst>
-      <p:ext uri="{BB962C8B-B14F-4D97-AF65-F5344CB8AC3E}">
-        <p14:creationId xmlns:p14="http://schemas.microsoft.com/office/powerpoint/2010/main" val="3025624029"/>
+        <p14:creationId xmlns:p14="http://schemas.microsoft.com/office/powerpoint/2010/main" val="3772294938"/>
       </p:ext>
     </p:extLst>
   </p:cSld>
@@ -10795,6 +8049,37 @@
                                   </p:childTnLst>
                                 </p:cTn>
                               </p:par>
+                              <p:par>
+                                <p:cTn id="7" presetID="1" presetClass="entr" presetSubtype="0" fill="hold" grpId="0" nodeType="withEffect">
+                                  <p:stCondLst>
+                                    <p:cond delay="0"/>
+                                  </p:stCondLst>
+                                  <p:childTnLst>
+                                    <p:set>
+                                      <p:cBhvr>
+                                        <p:cTn id="8" dur="1" fill="hold">
+                                          <p:stCondLst>
+                                            <p:cond delay="0"/>
+                                          </p:stCondLst>
+                                        </p:cTn>
+                                        <p:tgtEl>
+                                          <p:spTgt spid="4">
+                                            <p:txEl>
+                                              <p:pRg st="0" end="0"/>
+                                            </p:txEl>
+                                          </p:spTgt>
+                                        </p:tgtEl>
+                                        <p:attrNameLst>
+                                          <p:attrName>style.visibility</p:attrName>
+                                        </p:attrNameLst>
+                                      </p:cBhvr>
+                                      <p:to>
+                                        <p:strVal val="visible"/>
+                                      </p:to>
+                                    </p:set>
+                                  </p:childTnLst>
+                                </p:cTn>
+                              </p:par>
                             </p:childTnLst>
                           </p:cTn>
                         </p:par>
@@ -10802,26 +8087,26 @@
                     </p:cTn>
                   </p:par>
                   <p:par>
-                    <p:cTn id="7" fill="hold">
+                    <p:cTn id="9" fill="hold">
                       <p:stCondLst>
                         <p:cond delay="indefinite"/>
                       </p:stCondLst>
                       <p:childTnLst>
                         <p:par>
-                          <p:cTn id="8" fill="hold">
+                          <p:cTn id="10" fill="hold">
                             <p:stCondLst>
                               <p:cond delay="0"/>
                             </p:stCondLst>
                             <p:childTnLst>
                               <p:par>
-                                <p:cTn id="9" presetID="1" presetClass="entr" presetSubtype="0" fill="hold" grpId="0" nodeType="clickEffect">
+                                <p:cTn id="11" presetID="1" presetClass="entr" presetSubtype="0" fill="hold" grpId="0" nodeType="clickEffect">
                                   <p:stCondLst>
                                     <p:cond delay="0"/>
                                   </p:stCondLst>
                                   <p:childTnLst>
                                     <p:set>
                                       <p:cBhvr>
-                                        <p:cTn id="10" dur="1" fill="hold">
+                                        <p:cTn id="12" dur="1" fill="hold">
                                           <p:stCondLst>
                                             <p:cond delay="0"/>
                                           </p:stCondLst>
@@ -10844,26 +8129,8 @@
                                   </p:childTnLst>
                                 </p:cTn>
                               </p:par>
-                            </p:childTnLst>
-                          </p:cTn>
-                        </p:par>
-                      </p:childTnLst>
-                    </p:cTn>
-                  </p:par>
-                  <p:par>
-                    <p:cTn id="11" fill="hold">
-                      <p:stCondLst>
-                        <p:cond delay="indefinite"/>
-                      </p:stCondLst>
-                      <p:childTnLst>
-                        <p:par>
-                          <p:cTn id="12" fill="hold">
-                            <p:stCondLst>
-                              <p:cond delay="0"/>
-                            </p:stCondLst>
-                            <p:childTnLst>
                               <p:par>
-                                <p:cTn id="13" presetID="1" presetClass="entr" presetSubtype="0" fill="hold" grpId="0" nodeType="clickEffect">
+                                <p:cTn id="13" presetID="1" presetClass="entr" presetSubtype="0" fill="hold" grpId="0" nodeType="withEffect">
                                   <p:stCondLst>
                                     <p:cond delay="0"/>
                                   </p:stCondLst>
@@ -10876,9 +8143,9 @@
                                           </p:stCondLst>
                                         </p:cTn>
                                         <p:tgtEl>
-                                          <p:spTgt spid="2">
+                                          <p:spTgt spid="4">
                                             <p:txEl>
-                                              <p:pRg st="2" end="2"/>
+                                              <p:pRg st="1" end="1"/>
                                             </p:txEl>
                                           </p:spTgt>
                                         </p:tgtEl>
@@ -10927,7 +8194,7 @@
                                         <p:tgtEl>
                                           <p:spTgt spid="2">
                                             <p:txEl>
-                                              <p:pRg st="3" end="3"/>
+                                              <p:pRg st="2" end="2"/>
                                             </p:txEl>
                                           </p:spTgt>
                                         </p:tgtEl>
@@ -10942,314 +8209,21 @@
                                   </p:childTnLst>
                                 </p:cTn>
                               </p:par>
-                            </p:childTnLst>
-                          </p:cTn>
-                        </p:par>
-                      </p:childTnLst>
-                    </p:cTn>
-                  </p:par>
-                </p:childTnLst>
-              </p:cTn>
-              <p:prevCondLst>
-                <p:cond evt="onPrev" delay="0">
-                  <p:tgtEl>
-                    <p:sldTgt/>
-                  </p:tgtEl>
-                </p:cond>
-              </p:prevCondLst>
-              <p:nextCondLst>
-                <p:cond evt="onNext" delay="0">
-                  <p:tgtEl>
-                    <p:sldTgt/>
-                  </p:tgtEl>
-                </p:cond>
-              </p:nextCondLst>
-            </p:seq>
-          </p:childTnLst>
-        </p:cTn>
-      </p:par>
-    </p:tnLst>
-    <p:bldLst>
-      <p:bldP spid="2" grpId="0" build="p"/>
-    </p:bldLst>
-  </p:timing>
-</p:sld>
-</file>
-
-<file path=ppt/slides/slide19.xml><?xml version="1.0" encoding="utf-8"?>
-<p:sld xmlns:a="http://schemas.openxmlformats.org/drawingml/2006/main" xmlns:r="http://schemas.openxmlformats.org/officeDocument/2006/relationships" xmlns:p="http://schemas.openxmlformats.org/presentationml/2006/main">
-  <p:cSld>
-    <p:spTree>
-      <p:nvGrpSpPr>
-        <p:cNvPr id="1" name=""/>
-        <p:cNvGrpSpPr/>
-        <p:nvPr/>
-      </p:nvGrpSpPr>
-      <p:grpSpPr>
-        <a:xfrm>
-          <a:off x="0" y="0"/>
-          <a:ext cx="0" cy="0"/>
-          <a:chOff x="0" y="0"/>
-          <a:chExt cx="0" cy="0"/>
-        </a:xfrm>
-      </p:grpSpPr>
-      <p:sp>
-        <p:nvSpPr>
-          <p:cNvPr id="3" name="Content Placeholder 2">
-            <a:extLst>
-              <a:ext uri="{FF2B5EF4-FFF2-40B4-BE49-F238E27FC236}">
-                <a16:creationId xmlns:a16="http://schemas.microsoft.com/office/drawing/2014/main" id="{67B7CCA3-5458-4BAC-BE96-30374CB7675A}"/>
-              </a:ext>
-            </a:extLst>
-          </p:cNvPr>
-          <p:cNvSpPr>
-            <a:spLocks noGrp="1"/>
-          </p:cNvSpPr>
-          <p:nvPr>
-            <p:ph sz="quarter" idx="10"/>
-          </p:nvPr>
-        </p:nvSpPr>
-        <p:spPr/>
-        <p:txBody>
-          <a:bodyPr/>
-          <a:lstStyle/>
-          <a:p>
-            <a:r>
-              <a:rPr lang="en-US" dirty="0"/>
-              <a:t>Totem pole output</a:t>
-            </a:r>
-          </a:p>
-        </p:txBody>
-      </p:sp>
-      <p:pic>
-        <p:nvPicPr>
-          <p:cNvPr id="4" name="Picture 2">
-            <a:extLst>
-              <a:ext uri="{FF2B5EF4-FFF2-40B4-BE49-F238E27FC236}">
-                <a16:creationId xmlns:a16="http://schemas.microsoft.com/office/drawing/2014/main" id="{520FB242-5CA1-4D39-BB2C-E0559C9ACA46}"/>
-              </a:ext>
-            </a:extLst>
-          </p:cNvPr>
-          <p:cNvPicPr>
-            <a:picLocks noGrp="1" noChangeAspect="1" noChangeArrowheads="1"/>
-          </p:cNvPicPr>
-          <p:nvPr>
-            <p:ph idx="1"/>
-          </p:nvPr>
-        </p:nvPicPr>
-        <p:blipFill>
-          <a:blip r:embed="rId2">
-            <a:extLst>
-              <a:ext uri="{28A0092B-C50C-407E-A947-70E740481C1C}">
-                <a14:useLocalDpi xmlns:a14="http://schemas.microsoft.com/office/drawing/2010/main" val="0"/>
-              </a:ext>
-            </a:extLst>
-          </a:blip>
-          <a:srcRect/>
-          <a:stretch>
-            <a:fillRect/>
-          </a:stretch>
-        </p:blipFill>
-        <p:spPr bwMode="auto">
-          <a:xfrm>
-            <a:off x="280087" y="1828800"/>
-            <a:ext cx="4156761" cy="4525962"/>
-          </a:xfrm>
-          <a:prstGeom prst="rect">
-            <a:avLst/>
-          </a:prstGeom>
-          <a:noFill/>
-          <a:extLst>
-            <a:ext uri="{909E8E84-426E-40DD-AFC4-6F175D3DCCD1}">
-              <a14:hiddenFill xmlns:a14="http://schemas.microsoft.com/office/drawing/2010/main">
-                <a:solidFill>
-                  <a:srgbClr val="FFFFFF"/>
-                </a:solidFill>
-              </a14:hiddenFill>
-            </a:ext>
-          </a:extLst>
-        </p:spPr>
-      </p:pic>
-      <p:sp>
-        <p:nvSpPr>
-          <p:cNvPr id="5" name="TextBox 4">
-            <a:extLst>
-              <a:ext uri="{FF2B5EF4-FFF2-40B4-BE49-F238E27FC236}">
-                <a16:creationId xmlns:a16="http://schemas.microsoft.com/office/drawing/2014/main" id="{960D46D2-CB12-4F4A-9953-AF1D705F41B9}"/>
-              </a:ext>
-            </a:extLst>
-          </p:cNvPr>
-          <p:cNvSpPr txBox="1"/>
-          <p:nvPr/>
-        </p:nvSpPr>
-        <p:spPr>
-          <a:xfrm>
-            <a:off x="4572000" y="1676400"/>
-            <a:ext cx="4572000" cy="1200329"/>
-          </a:xfrm>
-          <a:prstGeom prst="rect">
-            <a:avLst/>
-          </a:prstGeom>
-          <a:noFill/>
-        </p:spPr>
-        <p:txBody>
-          <a:bodyPr wrap="square">
-            <a:spAutoFit/>
-          </a:bodyPr>
-          <a:lstStyle/>
-          <a:p>
-            <a:r>
-              <a:rPr lang="en-US" altLang="en-US" b="1" dirty="0"/>
-              <a:t>Advantage: </a:t>
-            </a:r>
-            <a:r>
-              <a:rPr lang="en-US" altLang="en-US" dirty="0"/>
-              <a:t>Faster switching time</a:t>
-            </a:r>
-          </a:p>
-          <a:p>
-            <a:endParaRPr lang="en-US" altLang="en-US" sz="1800" b="1" dirty="0"/>
-          </a:p>
-          <a:p>
-            <a:r>
-              <a:rPr lang="en-US" altLang="en-US" sz="1800" b="1" dirty="0"/>
-              <a:t>Disadvantage:</a:t>
-            </a:r>
-            <a:r>
-              <a:rPr lang="en-US" altLang="en-US" dirty="0"/>
-              <a:t> </a:t>
-            </a:r>
-            <a:r>
-              <a:rPr lang="en-US" altLang="en-US" sz="1800" dirty="0"/>
-              <a:t>Outputs cannot be connected (can lead to excessive current!)</a:t>
-            </a:r>
-          </a:p>
-        </p:txBody>
-      </p:sp>
-      <p:pic>
-        <p:nvPicPr>
-          <p:cNvPr id="7" name="Picture 6">
-            <a:extLst>
-              <a:ext uri="{FF2B5EF4-FFF2-40B4-BE49-F238E27FC236}">
-                <a16:creationId xmlns:a16="http://schemas.microsoft.com/office/drawing/2014/main" id="{8A6EF8F3-47CA-45CF-939A-7E7221B56A74}"/>
-              </a:ext>
-            </a:extLst>
-          </p:cNvPr>
-          <p:cNvPicPr>
-            <a:picLocks noChangeAspect="1"/>
-          </p:cNvPicPr>
-          <p:nvPr/>
-        </p:nvPicPr>
-        <p:blipFill>
-          <a:blip r:embed="rId3"/>
-          <a:stretch>
-            <a:fillRect/>
-          </a:stretch>
-        </p:blipFill>
-        <p:spPr>
-          <a:xfrm>
-            <a:off x="5410200" y="3009859"/>
-            <a:ext cx="2686457" cy="3344903"/>
-          </a:xfrm>
-          <a:prstGeom prst="rect">
-            <a:avLst/>
-          </a:prstGeom>
-        </p:spPr>
-      </p:pic>
-    </p:spTree>
-    <p:extLst>
-      <p:ext uri="{BB962C8B-B14F-4D97-AF65-F5344CB8AC3E}">
-        <p14:creationId xmlns:p14="http://schemas.microsoft.com/office/powerpoint/2010/main" val="92304132"/>
-      </p:ext>
-    </p:extLst>
-  </p:cSld>
-  <p:clrMapOvr>
-    <a:masterClrMapping/>
-  </p:clrMapOvr>
-  <p:timing>
-    <p:tnLst>
-      <p:par>
-        <p:cTn id="1" dur="indefinite" restart="never" nodeType="tmRoot">
-          <p:childTnLst>
-            <p:seq concurrent="1" nextAc="seek">
-              <p:cTn id="2" dur="indefinite" nodeType="mainSeq">
-                <p:childTnLst>
-                  <p:par>
-                    <p:cTn id="3" fill="hold">
-                      <p:stCondLst>
-                        <p:cond delay="indefinite"/>
-                      </p:stCondLst>
-                      <p:childTnLst>
-                        <p:par>
-                          <p:cTn id="4" fill="hold">
-                            <p:stCondLst>
-                              <p:cond delay="0"/>
-                            </p:stCondLst>
-                            <p:childTnLst>
                               <p:par>
-                                <p:cTn id="5" presetID="1" presetClass="entr" presetSubtype="0" fill="hold" grpId="0" nodeType="clickEffect">
+                                <p:cTn id="19" presetID="1" presetClass="entr" presetSubtype="0" fill="hold" grpId="0" nodeType="withEffect">
                                   <p:stCondLst>
                                     <p:cond delay="0"/>
                                   </p:stCondLst>
                                   <p:childTnLst>
                                     <p:set>
                                       <p:cBhvr>
-                                        <p:cTn id="6" dur="1" fill="hold">
+                                        <p:cTn id="20" dur="1" fill="hold">
                                           <p:stCondLst>
                                             <p:cond delay="0"/>
                                           </p:stCondLst>
                                         </p:cTn>
                                         <p:tgtEl>
-                                          <p:spTgt spid="5">
-                                            <p:txEl>
-                                              <p:pRg st="0" end="0"/>
-                                            </p:txEl>
-                                          </p:spTgt>
-                                        </p:tgtEl>
-                                        <p:attrNameLst>
-                                          <p:attrName>style.visibility</p:attrName>
-                                        </p:attrNameLst>
-                                      </p:cBhvr>
-                                      <p:to>
-                                        <p:strVal val="visible"/>
-                                      </p:to>
-                                    </p:set>
-                                  </p:childTnLst>
-                                </p:cTn>
-                              </p:par>
-                            </p:childTnLst>
-                          </p:cTn>
-                        </p:par>
-                      </p:childTnLst>
-                    </p:cTn>
-                  </p:par>
-                  <p:par>
-                    <p:cTn id="7" fill="hold">
-                      <p:stCondLst>
-                        <p:cond delay="indefinite"/>
-                      </p:stCondLst>
-                      <p:childTnLst>
-                        <p:par>
-                          <p:cTn id="8" fill="hold">
-                            <p:stCondLst>
-                              <p:cond delay="0"/>
-                            </p:stCondLst>
-                            <p:childTnLst>
-                              <p:par>
-                                <p:cTn id="9" presetID="1" presetClass="entr" presetSubtype="0" fill="hold" grpId="0" nodeType="clickEffect">
-                                  <p:stCondLst>
-                                    <p:cond delay="0"/>
-                                  </p:stCondLst>
-                                  <p:childTnLst>
-                                    <p:set>
-                                      <p:cBhvr>
-                                        <p:cTn id="10" dur="1" fill="hold">
-                                          <p:stCondLst>
-                                            <p:cond delay="0"/>
-                                          </p:stCondLst>
-                                        </p:cTn>
-                                        <p:tgtEl>
-                                          <p:spTgt spid="5">
+                                          <p:spTgt spid="4">
                                             <p:txEl>
                                               <p:pRg st="2" end="2"/>
                                             </p:txEl>
@@ -11273,552 +8247,26 @@
                     </p:cTn>
                   </p:par>
                   <p:par>
-                    <p:cTn id="11" fill="hold">
+                    <p:cTn id="21" fill="hold">
                       <p:stCondLst>
                         <p:cond delay="indefinite"/>
                       </p:stCondLst>
                       <p:childTnLst>
                         <p:par>
-                          <p:cTn id="12" fill="hold">
+                          <p:cTn id="22" fill="hold">
                             <p:stCondLst>
                               <p:cond delay="0"/>
                             </p:stCondLst>
                             <p:childTnLst>
                               <p:par>
-                                <p:cTn id="13" presetID="1" presetClass="entr" presetSubtype="0" fill="hold" nodeType="clickEffect">
+                                <p:cTn id="23" presetID="1" presetClass="entr" presetSubtype="0" fill="hold" grpId="0" nodeType="clickEffect">
                                   <p:stCondLst>
                                     <p:cond delay="0"/>
                                   </p:stCondLst>
                                   <p:childTnLst>
                                     <p:set>
                                       <p:cBhvr>
-                                        <p:cTn id="14" dur="1" fill="hold">
-                                          <p:stCondLst>
-                                            <p:cond delay="0"/>
-                                          </p:stCondLst>
-                                        </p:cTn>
-                                        <p:tgtEl>
-                                          <p:spTgt spid="7"/>
-                                        </p:tgtEl>
-                                        <p:attrNameLst>
-                                          <p:attrName>style.visibility</p:attrName>
-                                        </p:attrNameLst>
-                                      </p:cBhvr>
-                                      <p:to>
-                                        <p:strVal val="visible"/>
-                                      </p:to>
-                                    </p:set>
-                                  </p:childTnLst>
-                                </p:cTn>
-                              </p:par>
-                            </p:childTnLst>
-                          </p:cTn>
-                        </p:par>
-                      </p:childTnLst>
-                    </p:cTn>
-                  </p:par>
-                </p:childTnLst>
-              </p:cTn>
-              <p:prevCondLst>
-                <p:cond evt="onPrev" delay="0">
-                  <p:tgtEl>
-                    <p:sldTgt/>
-                  </p:tgtEl>
-                </p:cond>
-              </p:prevCondLst>
-              <p:nextCondLst>
-                <p:cond evt="onNext" delay="0">
-                  <p:tgtEl>
-                    <p:sldTgt/>
-                  </p:tgtEl>
-                </p:cond>
-              </p:nextCondLst>
-            </p:seq>
-          </p:childTnLst>
-        </p:cTn>
-      </p:par>
-    </p:tnLst>
-    <p:bldLst>
-      <p:bldP spid="5" grpId="0" build="p"/>
-    </p:bldLst>
-  </p:timing>
-</p:sld>
-</file>
-
-<file path=ppt/slides/slide2.xml><?xml version="1.0" encoding="utf-8"?>
-<p:sld xmlns:a="http://schemas.openxmlformats.org/drawingml/2006/main" xmlns:r="http://schemas.openxmlformats.org/officeDocument/2006/relationships" xmlns:p="http://schemas.openxmlformats.org/presentationml/2006/main">
-  <p:cSld>
-    <p:spTree>
-      <p:nvGrpSpPr>
-        <p:cNvPr id="1" name=""/>
-        <p:cNvGrpSpPr/>
-        <p:nvPr/>
-      </p:nvGrpSpPr>
-      <p:grpSpPr>
-        <a:xfrm>
-          <a:off x="0" y="0"/>
-          <a:ext cx="0" cy="0"/>
-          <a:chOff x="0" y="0"/>
-          <a:chExt cx="0" cy="0"/>
-        </a:xfrm>
-      </p:grpSpPr>
-      <p:sp>
-        <p:nvSpPr>
-          <p:cNvPr id="2" name="Content Placeholder 1">
-            <a:extLst>
-              <a:ext uri="{FF2B5EF4-FFF2-40B4-BE49-F238E27FC236}">
-                <a16:creationId xmlns:a16="http://schemas.microsoft.com/office/drawing/2014/main" id="{F9D4EB35-7576-4D3C-BA87-2C099B3BDE2F}"/>
-              </a:ext>
-            </a:extLst>
-          </p:cNvPr>
-          <p:cNvSpPr>
-            <a:spLocks noGrp="1"/>
-          </p:cNvSpPr>
-          <p:nvPr>
-            <p:ph idx="1"/>
-          </p:nvPr>
-        </p:nvSpPr>
-        <p:spPr/>
-        <p:txBody>
-          <a:bodyPr/>
-          <a:lstStyle/>
-          <a:p>
-            <a:pPr marL="342900" marR="0" lvl="0" indent="-342900" algn="l" defTabSz="914400" rtl="0" eaLnBrk="0" fontAlgn="base" latinLnBrk="0" hangingPunct="0">
-              <a:lnSpc>
-                <a:spcPct val="100000"/>
-              </a:lnSpc>
-              <a:spcBef>
-                <a:spcPts val="1000"/>
-              </a:spcBef>
-              <a:spcAft>
-                <a:spcPct val="0"/>
-              </a:spcAft>
-              <a:buClrTx/>
-              <a:buSzTx/>
-              <a:buFontTx/>
-              <a:buChar char="•"/>
-              <a:tabLst/>
-              <a:defRPr/>
-            </a:pPr>
-            <a:r>
-              <a:rPr kumimoji="0" lang="en-US" altLang="en-US" sz="2800" i="0" u="none" strike="noStrike" kern="1200" cap="none" spc="0" normalizeH="0" baseline="0" noProof="0" dirty="0">
-                <a:ln>
-                  <a:noFill/>
-                </a:ln>
-                <a:solidFill>
-                  <a:srgbClr val="000000"/>
-                </a:solidFill>
-                <a:effectLst/>
-                <a:uLnTx/>
-                <a:uFillTx/>
-                <a:ea typeface="+mn-ea"/>
-                <a:cs typeface="+mn-cs"/>
-              </a:rPr>
-              <a:t>ICs are classified based on their specific circuit technology, known as </a:t>
-            </a:r>
-            <a:r>
-              <a:rPr kumimoji="0" lang="en-US" altLang="en-US" sz="2800" i="0" u="none" strike="noStrike" kern="1200" cap="none" spc="0" normalizeH="0" baseline="0" noProof="0" dirty="0">
-                <a:ln>
-                  <a:noFill/>
-                </a:ln>
-                <a:solidFill>
-                  <a:srgbClr val="FF0000"/>
-                </a:solidFill>
-                <a:effectLst/>
-                <a:uLnTx/>
-                <a:uFillTx/>
-                <a:ea typeface="+mn-ea"/>
-                <a:cs typeface="+mn-cs"/>
-              </a:rPr>
-              <a:t>digital logic family</a:t>
-            </a:r>
-            <a:r>
-              <a:rPr kumimoji="0" lang="en-US" altLang="en-US" sz="2800" i="0" u="none" strike="noStrike" kern="1200" cap="none" spc="0" normalizeH="0" baseline="0" noProof="0" dirty="0">
-                <a:ln>
-                  <a:noFill/>
-                </a:ln>
-                <a:solidFill>
-                  <a:srgbClr val="000000"/>
-                </a:solidFill>
-                <a:effectLst/>
-                <a:uLnTx/>
-                <a:uFillTx/>
-                <a:ea typeface="+mn-ea"/>
-                <a:cs typeface="+mn-cs"/>
-              </a:rPr>
-              <a:t>.</a:t>
-            </a:r>
-          </a:p>
-          <a:p>
-            <a:pPr marL="342900" marR="0" lvl="0" indent="-342900" algn="l" defTabSz="914400" rtl="0" eaLnBrk="0" fontAlgn="base" latinLnBrk="0" hangingPunct="0">
-              <a:lnSpc>
-                <a:spcPct val="100000"/>
-              </a:lnSpc>
-              <a:spcBef>
-                <a:spcPts val="1000"/>
-              </a:spcBef>
-              <a:spcAft>
-                <a:spcPct val="0"/>
-              </a:spcAft>
-              <a:buClrTx/>
-              <a:buSzTx/>
-              <a:buFontTx/>
-              <a:buChar char="•"/>
-              <a:tabLst/>
-              <a:defRPr/>
-            </a:pPr>
-            <a:r>
-              <a:rPr kumimoji="0" lang="en-US" altLang="en-US" sz="2800" i="0" u="none" strike="noStrike" kern="1200" cap="none" spc="0" normalizeH="0" baseline="0" noProof="0" dirty="0">
-                <a:ln>
-                  <a:noFill/>
-                </a:ln>
-                <a:solidFill>
-                  <a:srgbClr val="000000"/>
-                </a:solidFill>
-                <a:effectLst/>
-                <a:uLnTx/>
-                <a:uFillTx/>
-                <a:ea typeface="+mn-ea"/>
-                <a:cs typeface="+mn-cs"/>
-              </a:rPr>
-              <a:t>Each family has its own basic electronic components (NAND, NOR, and NOT gates), used to build complex digital circuits.</a:t>
-            </a:r>
-          </a:p>
-          <a:p>
-            <a:pPr marL="342900" marR="0" lvl="0" indent="-342900" algn="l" defTabSz="914400" rtl="0" eaLnBrk="0" fontAlgn="base" latinLnBrk="0" hangingPunct="0">
-              <a:lnSpc>
-                <a:spcPct val="100000"/>
-              </a:lnSpc>
-              <a:spcBef>
-                <a:spcPts val="1000"/>
-              </a:spcBef>
-              <a:spcAft>
-                <a:spcPct val="0"/>
-              </a:spcAft>
-              <a:buClrTx/>
-              <a:buSzTx/>
-              <a:buFontTx/>
-              <a:buChar char="•"/>
-              <a:tabLst/>
-              <a:defRPr/>
-            </a:pPr>
-            <a:r>
-              <a:rPr kumimoji="0" lang="en-US" altLang="en-US" sz="2800" i="0" u="none" strike="noStrike" kern="1200" cap="none" spc="0" normalizeH="0" baseline="0" noProof="0" dirty="0">
-                <a:ln>
-                  <a:noFill/>
-                </a:ln>
-                <a:solidFill>
-                  <a:srgbClr val="000000"/>
-                </a:solidFill>
-                <a:effectLst/>
-                <a:uLnTx/>
-                <a:uFillTx/>
-                <a:ea typeface="+mn-ea"/>
-                <a:cs typeface="+mn-cs"/>
-              </a:rPr>
-              <a:t>Various digital logic families have been introduced and used over the years.</a:t>
-            </a:r>
-          </a:p>
-        </p:txBody>
-      </p:sp>
-      <p:sp>
-        <p:nvSpPr>
-          <p:cNvPr id="3" name="Content Placeholder 2">
-            <a:extLst>
-              <a:ext uri="{FF2B5EF4-FFF2-40B4-BE49-F238E27FC236}">
-                <a16:creationId xmlns:a16="http://schemas.microsoft.com/office/drawing/2014/main" id="{A55E64AF-076C-425F-82A5-8138AEE4BF43}"/>
-              </a:ext>
-            </a:extLst>
-          </p:cNvPr>
-          <p:cNvSpPr>
-            <a:spLocks noGrp="1"/>
-          </p:cNvSpPr>
-          <p:nvPr>
-            <p:ph sz="quarter" idx="10"/>
-          </p:nvPr>
-        </p:nvSpPr>
-        <p:spPr/>
-        <p:txBody>
-          <a:bodyPr/>
-          <a:lstStyle/>
-          <a:p>
-            <a:r>
-              <a:rPr lang="en-US" altLang="en-US" b="1" dirty="0"/>
-              <a:t>Digital Logic Families</a:t>
-            </a:r>
-            <a:endParaRPr lang="en-US" dirty="0"/>
-          </a:p>
-        </p:txBody>
-      </p:sp>
-    </p:spTree>
-    <p:extLst>
-      <p:ext uri="{BB962C8B-B14F-4D97-AF65-F5344CB8AC3E}">
-        <p14:creationId xmlns:p14="http://schemas.microsoft.com/office/powerpoint/2010/main" val="2166997617"/>
-      </p:ext>
-    </p:extLst>
-  </p:cSld>
-  <p:clrMapOvr>
-    <a:masterClrMapping/>
-  </p:clrMapOvr>
-</p:sld>
-</file>
-
-<file path=ppt/slides/slide20.xml><?xml version="1.0" encoding="utf-8"?>
-<p:sld xmlns:a="http://schemas.openxmlformats.org/drawingml/2006/main" xmlns:r="http://schemas.openxmlformats.org/officeDocument/2006/relationships" xmlns:p="http://schemas.openxmlformats.org/presentationml/2006/main">
-  <p:cSld>
-    <p:spTree>
-      <p:nvGrpSpPr>
-        <p:cNvPr id="1" name=""/>
-        <p:cNvGrpSpPr/>
-        <p:nvPr/>
-      </p:nvGrpSpPr>
-      <p:grpSpPr>
-        <a:xfrm>
-          <a:off x="0" y="0"/>
-          <a:ext cx="0" cy="0"/>
-          <a:chOff x="0" y="0"/>
-          <a:chExt cx="0" cy="0"/>
-        </a:xfrm>
-      </p:grpSpPr>
-      <p:sp>
-        <p:nvSpPr>
-          <p:cNvPr id="2" name="Content Placeholder 1">
-            <a:extLst>
-              <a:ext uri="{FF2B5EF4-FFF2-40B4-BE49-F238E27FC236}">
-                <a16:creationId xmlns:a16="http://schemas.microsoft.com/office/drawing/2014/main" id="{723C69A1-63BC-461B-8D75-665F6FD31AE3}"/>
-              </a:ext>
-            </a:extLst>
-          </p:cNvPr>
-          <p:cNvSpPr>
-            <a:spLocks noGrp="1"/>
-          </p:cNvSpPr>
-          <p:nvPr>
-            <p:ph idx="1"/>
-          </p:nvPr>
-        </p:nvSpPr>
-        <p:spPr>
-          <a:xfrm>
-            <a:off x="152400" y="1493837"/>
-            <a:ext cx="8839200" cy="4830763"/>
-          </a:xfrm>
-        </p:spPr>
-        <p:txBody>
-          <a:bodyPr>
-            <a:normAutofit fontScale="92500"/>
-          </a:bodyPr>
-          <a:lstStyle/>
-          <a:p>
-            <a:pPr>
-              <a:buFontTx/>
-              <a:buChar char="-"/>
-            </a:pPr>
-            <a:r>
-              <a:rPr lang="en-US" dirty="0"/>
-              <a:t>Schottky diode: metal – semiconductor junction acts as a diode</a:t>
-            </a:r>
-          </a:p>
-          <a:p>
-            <a:pPr>
-              <a:buFontTx/>
-              <a:buChar char="-"/>
-            </a:pPr>
-            <a:r>
-              <a:rPr lang="en-US" dirty="0"/>
-              <a:t>Schottky transistor: Schottky diode between base and collector</a:t>
-            </a:r>
-          </a:p>
-          <a:p>
-            <a:pPr>
-              <a:buFontTx/>
-              <a:buChar char="-"/>
-            </a:pPr>
-            <a:r>
-              <a:rPr lang="en-US" dirty="0"/>
-              <a:t>Why bother?</a:t>
-            </a:r>
-          </a:p>
-          <a:p>
-            <a:pPr>
-              <a:buFontTx/>
-              <a:buChar char="-"/>
-            </a:pPr>
-            <a:endParaRPr lang="en-US" dirty="0"/>
-          </a:p>
-          <a:p>
-            <a:r>
-              <a:rPr lang="en-US" dirty="0"/>
-              <a:t>When a normal </a:t>
-            </a:r>
-            <a:r>
-              <a:rPr lang="en-US" b="1" dirty="0"/>
-              <a:t>BJT</a:t>
-            </a:r>
-            <a:r>
-              <a:rPr lang="en-US" dirty="0"/>
-              <a:t> saturates (used as a switch):</a:t>
-            </a:r>
-          </a:p>
-          <a:p>
-            <a:pPr>
-              <a:buFont typeface="Arial" panose="020B0604020202020204" pitchFamily="34" charset="0"/>
-              <a:buChar char="•"/>
-            </a:pPr>
-            <a:r>
-              <a:rPr lang="en-US" dirty="0"/>
-              <a:t>The </a:t>
-            </a:r>
-            <a:r>
-              <a:rPr lang="en-US" b="1" dirty="0"/>
-              <a:t>base–emitter (BE)</a:t>
-            </a:r>
-            <a:r>
-              <a:rPr lang="en-US" dirty="0"/>
-              <a:t> junction is forward biased (≈ +0.7 V).</a:t>
-            </a:r>
-          </a:p>
-          <a:p>
-            <a:pPr>
-              <a:buFont typeface="Arial" panose="020B0604020202020204" pitchFamily="34" charset="0"/>
-              <a:buChar char="•"/>
-            </a:pPr>
-            <a:r>
-              <a:rPr lang="en-US" dirty="0"/>
-              <a:t>The </a:t>
-            </a:r>
-            <a:r>
-              <a:rPr lang="en-US" b="1" dirty="0"/>
-              <a:t>base–collector (BC)</a:t>
-            </a:r>
-            <a:r>
-              <a:rPr lang="en-US" dirty="0"/>
-              <a:t> junction also becomes forward biased (≈ +0.2 V).</a:t>
-            </a:r>
-          </a:p>
-          <a:p>
-            <a:pPr>
-              <a:buFont typeface="Arial" panose="020B0604020202020204" pitchFamily="34" charset="0"/>
-              <a:buChar char="•"/>
-            </a:pPr>
-            <a:r>
-              <a:rPr lang="en-US" dirty="0"/>
-              <a:t>This forward bias injects </a:t>
-            </a:r>
-            <a:r>
-              <a:rPr lang="en-US" b="1" dirty="0"/>
-              <a:t>extra charge carriers</a:t>
-            </a:r>
-            <a:r>
-              <a:rPr lang="en-US" dirty="0"/>
-              <a:t> into the base region.</a:t>
-            </a:r>
-          </a:p>
-          <a:p>
-            <a:pPr>
-              <a:buFont typeface="Arial" panose="020B0604020202020204" pitchFamily="34" charset="0"/>
-              <a:buChar char="•"/>
-            </a:pPr>
-            <a:r>
-              <a:rPr lang="en-US" dirty="0"/>
-              <a:t>That stored charge must be removed before the transistor can turn off again.</a:t>
-            </a:r>
-          </a:p>
-          <a:p>
-            <a:pPr>
-              <a:buFont typeface="Arial" panose="020B0604020202020204" pitchFamily="34" charset="0"/>
-              <a:buChar char="•"/>
-            </a:pPr>
-            <a:r>
-              <a:rPr lang="en-US" dirty="0"/>
-              <a:t>This causes a </a:t>
-            </a:r>
-            <a:r>
-              <a:rPr lang="en-US" b="1" dirty="0"/>
-              <a:t>storage time delay</a:t>
-            </a:r>
-            <a:r>
-              <a:rPr lang="en-US" dirty="0"/>
-              <a:t>, typically several nanoseconds in TTL.</a:t>
-            </a:r>
-          </a:p>
-          <a:p>
-            <a:pPr>
-              <a:buFont typeface="Arial" panose="020B0604020202020204" pitchFamily="34" charset="0"/>
-              <a:buChar char="•"/>
-            </a:pPr>
-            <a:r>
-              <a:rPr lang="en-US" dirty="0"/>
-              <a:t>Schottky transistor never enters saturation – no recharge – faster!</a:t>
-            </a:r>
-          </a:p>
-        </p:txBody>
-      </p:sp>
-      <p:sp>
-        <p:nvSpPr>
-          <p:cNvPr id="3" name="Content Placeholder 2">
-            <a:extLst>
-              <a:ext uri="{FF2B5EF4-FFF2-40B4-BE49-F238E27FC236}">
-                <a16:creationId xmlns:a16="http://schemas.microsoft.com/office/drawing/2014/main" id="{93A291D1-DF29-40F0-9B5D-C4D9334CFC86}"/>
-              </a:ext>
-            </a:extLst>
-          </p:cNvPr>
-          <p:cNvSpPr>
-            <a:spLocks noGrp="1"/>
-          </p:cNvSpPr>
-          <p:nvPr>
-            <p:ph sz="quarter" idx="10"/>
-          </p:nvPr>
-        </p:nvSpPr>
-        <p:spPr/>
-        <p:txBody>
-          <a:bodyPr/>
-          <a:lstStyle/>
-          <a:p>
-            <a:r>
-              <a:rPr lang="en-US" dirty="0"/>
-              <a:t>Schottky transistors</a:t>
-            </a:r>
-          </a:p>
-        </p:txBody>
-      </p:sp>
-    </p:spTree>
-    <p:extLst>
-      <p:ext uri="{BB962C8B-B14F-4D97-AF65-F5344CB8AC3E}">
-        <p14:creationId xmlns:p14="http://schemas.microsoft.com/office/powerpoint/2010/main" val="1897216173"/>
-      </p:ext>
-    </p:extLst>
-  </p:cSld>
-  <p:clrMapOvr>
-    <a:masterClrMapping/>
-  </p:clrMapOvr>
-  <p:timing>
-    <p:tnLst>
-      <p:par>
-        <p:cTn id="1" dur="indefinite" restart="never" nodeType="tmRoot">
-          <p:childTnLst>
-            <p:seq concurrent="1" nextAc="seek">
-              <p:cTn id="2" dur="indefinite" nodeType="mainSeq">
-                <p:childTnLst>
-                  <p:par>
-                    <p:cTn id="3" fill="hold">
-                      <p:stCondLst>
-                        <p:cond delay="indefinite"/>
-                      </p:stCondLst>
-                      <p:childTnLst>
-                        <p:par>
-                          <p:cTn id="4" fill="hold">
-                            <p:stCondLst>
-                              <p:cond delay="0"/>
-                            </p:stCondLst>
-                            <p:childTnLst>
-                              <p:par>
-                                <p:cTn id="5" presetID="1" presetClass="entr" presetSubtype="0" fill="hold" grpId="0" nodeType="clickEffect">
-                                  <p:stCondLst>
-                                    <p:cond delay="0"/>
-                                  </p:stCondLst>
-                                  <p:childTnLst>
-                                    <p:set>
-                                      <p:cBhvr>
-                                        <p:cTn id="6" dur="1" fill="hold">
+                                        <p:cTn id="24" dur="1" fill="hold">
                                           <p:stCondLst>
                                             <p:cond delay="0"/>
                                           </p:stCondLst>
@@ -11826,7 +8274,7 @@
                                         <p:tgtEl>
                                           <p:spTgt spid="2">
                                             <p:txEl>
-                                              <p:pRg st="0" end="0"/>
+                                              <p:pRg st="3" end="3"/>
                                             </p:txEl>
                                           </p:spTgt>
                                         </p:tgtEl>
@@ -11841,222 +8289,8 @@
                                   </p:childTnLst>
                                 </p:cTn>
                               </p:par>
-                            </p:childTnLst>
-                          </p:cTn>
-                        </p:par>
-                      </p:childTnLst>
-                    </p:cTn>
-                  </p:par>
-                  <p:par>
-                    <p:cTn id="7" fill="hold">
-                      <p:stCondLst>
-                        <p:cond delay="indefinite"/>
-                      </p:stCondLst>
-                      <p:childTnLst>
-                        <p:par>
-                          <p:cTn id="8" fill="hold">
-                            <p:stCondLst>
-                              <p:cond delay="0"/>
-                            </p:stCondLst>
-                            <p:childTnLst>
                               <p:par>
-                                <p:cTn id="9" presetID="1" presetClass="entr" presetSubtype="0" fill="hold" grpId="0" nodeType="clickEffect">
-                                  <p:stCondLst>
-                                    <p:cond delay="0"/>
-                                  </p:stCondLst>
-                                  <p:childTnLst>
-                                    <p:set>
-                                      <p:cBhvr>
-                                        <p:cTn id="10" dur="1" fill="hold">
-                                          <p:stCondLst>
-                                            <p:cond delay="0"/>
-                                          </p:stCondLst>
-                                        </p:cTn>
-                                        <p:tgtEl>
-                                          <p:spTgt spid="2">
-                                            <p:txEl>
-                                              <p:pRg st="1" end="1"/>
-                                            </p:txEl>
-                                          </p:spTgt>
-                                        </p:tgtEl>
-                                        <p:attrNameLst>
-                                          <p:attrName>style.visibility</p:attrName>
-                                        </p:attrNameLst>
-                                      </p:cBhvr>
-                                      <p:to>
-                                        <p:strVal val="visible"/>
-                                      </p:to>
-                                    </p:set>
-                                  </p:childTnLst>
-                                </p:cTn>
-                              </p:par>
-                            </p:childTnLst>
-                          </p:cTn>
-                        </p:par>
-                      </p:childTnLst>
-                    </p:cTn>
-                  </p:par>
-                  <p:par>
-                    <p:cTn id="11" fill="hold">
-                      <p:stCondLst>
-                        <p:cond delay="indefinite"/>
-                      </p:stCondLst>
-                      <p:childTnLst>
-                        <p:par>
-                          <p:cTn id="12" fill="hold">
-                            <p:stCondLst>
-                              <p:cond delay="0"/>
-                            </p:stCondLst>
-                            <p:childTnLst>
-                              <p:par>
-                                <p:cTn id="13" presetID="1" presetClass="entr" presetSubtype="0" fill="hold" grpId="0" nodeType="clickEffect">
-                                  <p:stCondLst>
-                                    <p:cond delay="0"/>
-                                  </p:stCondLst>
-                                  <p:childTnLst>
-                                    <p:set>
-                                      <p:cBhvr>
-                                        <p:cTn id="14" dur="1" fill="hold">
-                                          <p:stCondLst>
-                                            <p:cond delay="0"/>
-                                          </p:stCondLst>
-                                        </p:cTn>
-                                        <p:tgtEl>
-                                          <p:spTgt spid="2">
-                                            <p:txEl>
-                                              <p:pRg st="2" end="2"/>
-                                            </p:txEl>
-                                          </p:spTgt>
-                                        </p:tgtEl>
-                                        <p:attrNameLst>
-                                          <p:attrName>style.visibility</p:attrName>
-                                        </p:attrNameLst>
-                                      </p:cBhvr>
-                                      <p:to>
-                                        <p:strVal val="visible"/>
-                                      </p:to>
-                                    </p:set>
-                                  </p:childTnLst>
-                                </p:cTn>
-                              </p:par>
-                            </p:childTnLst>
-                          </p:cTn>
-                        </p:par>
-                      </p:childTnLst>
-                    </p:cTn>
-                  </p:par>
-                  <p:par>
-                    <p:cTn id="15" fill="hold">
-                      <p:stCondLst>
-                        <p:cond delay="indefinite"/>
-                      </p:stCondLst>
-                      <p:childTnLst>
-                        <p:par>
-                          <p:cTn id="16" fill="hold">
-                            <p:stCondLst>
-                              <p:cond delay="0"/>
-                            </p:stCondLst>
-                            <p:childTnLst>
-                              <p:par>
-                                <p:cTn id="17" presetID="1" presetClass="entr" presetSubtype="0" fill="hold" grpId="0" nodeType="clickEffect">
-                                  <p:stCondLst>
-                                    <p:cond delay="0"/>
-                                  </p:stCondLst>
-                                  <p:childTnLst>
-                                    <p:set>
-                                      <p:cBhvr>
-                                        <p:cTn id="18" dur="1" fill="hold">
-                                          <p:stCondLst>
-                                            <p:cond delay="0"/>
-                                          </p:stCondLst>
-                                        </p:cTn>
-                                        <p:tgtEl>
-                                          <p:spTgt spid="2">
-                                            <p:txEl>
-                                              <p:pRg st="4" end="4"/>
-                                            </p:txEl>
-                                          </p:spTgt>
-                                        </p:tgtEl>
-                                        <p:attrNameLst>
-                                          <p:attrName>style.visibility</p:attrName>
-                                        </p:attrNameLst>
-                                      </p:cBhvr>
-                                      <p:to>
-                                        <p:strVal val="visible"/>
-                                      </p:to>
-                                    </p:set>
-                                  </p:childTnLst>
-                                </p:cTn>
-                              </p:par>
-                            </p:childTnLst>
-                          </p:cTn>
-                        </p:par>
-                      </p:childTnLst>
-                    </p:cTn>
-                  </p:par>
-                  <p:par>
-                    <p:cTn id="19" fill="hold">
-                      <p:stCondLst>
-                        <p:cond delay="indefinite"/>
-                      </p:stCondLst>
-                      <p:childTnLst>
-                        <p:par>
-                          <p:cTn id="20" fill="hold">
-                            <p:stCondLst>
-                              <p:cond delay="0"/>
-                            </p:stCondLst>
-                            <p:childTnLst>
-                              <p:par>
-                                <p:cTn id="21" presetID="1" presetClass="entr" presetSubtype="0" fill="hold" grpId="0" nodeType="clickEffect">
-                                  <p:stCondLst>
-                                    <p:cond delay="0"/>
-                                  </p:stCondLst>
-                                  <p:childTnLst>
-                                    <p:set>
-                                      <p:cBhvr>
-                                        <p:cTn id="22" dur="1" fill="hold">
-                                          <p:stCondLst>
-                                            <p:cond delay="0"/>
-                                          </p:stCondLst>
-                                        </p:cTn>
-                                        <p:tgtEl>
-                                          <p:spTgt spid="2">
-                                            <p:txEl>
-                                              <p:pRg st="5" end="5"/>
-                                            </p:txEl>
-                                          </p:spTgt>
-                                        </p:tgtEl>
-                                        <p:attrNameLst>
-                                          <p:attrName>style.visibility</p:attrName>
-                                        </p:attrNameLst>
-                                      </p:cBhvr>
-                                      <p:to>
-                                        <p:strVal val="visible"/>
-                                      </p:to>
-                                    </p:set>
-                                  </p:childTnLst>
-                                </p:cTn>
-                              </p:par>
-                            </p:childTnLst>
-                          </p:cTn>
-                        </p:par>
-                      </p:childTnLst>
-                    </p:cTn>
-                  </p:par>
-                  <p:par>
-                    <p:cTn id="23" fill="hold">
-                      <p:stCondLst>
-                        <p:cond delay="indefinite"/>
-                      </p:stCondLst>
-                      <p:childTnLst>
-                        <p:par>
-                          <p:cTn id="24" fill="hold">
-                            <p:stCondLst>
-                              <p:cond delay="0"/>
-                            </p:stCondLst>
-                            <p:childTnLst>
-                              <p:par>
-                                <p:cTn id="25" presetID="1" presetClass="entr" presetSubtype="0" fill="hold" grpId="0" nodeType="clickEffect">
+                                <p:cTn id="25" presetID="1" presetClass="entr" presetSubtype="0" fill="hold" grpId="0" nodeType="withEffect">
                                   <p:stCondLst>
                                     <p:cond delay="0"/>
                                   </p:stCondLst>
@@ -12069,9 +8303,9 @@
                                           </p:stCondLst>
                                         </p:cTn>
                                         <p:tgtEl>
-                                          <p:spTgt spid="2">
+                                          <p:spTgt spid="4">
                                             <p:txEl>
-                                              <p:pRg st="6" end="6"/>
+                                              <p:pRg st="3" end="3"/>
                                             </p:txEl>
                                           </p:spTgt>
                                         </p:tgtEl>
@@ -12120,7 +8354,38 @@
                                         <p:tgtEl>
                                           <p:spTgt spid="2">
                                             <p:txEl>
-                                              <p:pRg st="7" end="7"/>
+                                              <p:pRg st="4" end="4"/>
+                                            </p:txEl>
+                                          </p:spTgt>
+                                        </p:tgtEl>
+                                        <p:attrNameLst>
+                                          <p:attrName>style.visibility</p:attrName>
+                                        </p:attrNameLst>
+                                      </p:cBhvr>
+                                      <p:to>
+                                        <p:strVal val="visible"/>
+                                      </p:to>
+                                    </p:set>
+                                  </p:childTnLst>
+                                </p:cTn>
+                              </p:par>
+                              <p:par>
+                                <p:cTn id="31" presetID="1" presetClass="entr" presetSubtype="0" fill="hold" grpId="0" nodeType="withEffect">
+                                  <p:stCondLst>
+                                    <p:cond delay="0"/>
+                                  </p:stCondLst>
+                                  <p:childTnLst>
+                                    <p:set>
+                                      <p:cBhvr>
+                                        <p:cTn id="32" dur="1" fill="hold">
+                                          <p:stCondLst>
+                                            <p:cond delay="0"/>
+                                          </p:stCondLst>
+                                        </p:cTn>
+                                        <p:tgtEl>
+                                          <p:spTgt spid="4">
+                                            <p:txEl>
+                                              <p:pRg st="4" end="4"/>
                                             </p:txEl>
                                           </p:spTgt>
                                         </p:tgtEl>
@@ -12142,26 +8407,26 @@
                     </p:cTn>
                   </p:par>
                   <p:par>
-                    <p:cTn id="31" fill="hold">
+                    <p:cTn id="33" fill="hold">
                       <p:stCondLst>
                         <p:cond delay="indefinite"/>
                       </p:stCondLst>
                       <p:childTnLst>
                         <p:par>
-                          <p:cTn id="32" fill="hold">
+                          <p:cTn id="34" fill="hold">
                             <p:stCondLst>
                               <p:cond delay="0"/>
                             </p:stCondLst>
                             <p:childTnLst>
                               <p:par>
-                                <p:cTn id="33" presetID="1" presetClass="entr" presetSubtype="0" fill="hold" grpId="0" nodeType="clickEffect">
+                                <p:cTn id="35" presetID="1" presetClass="entr" presetSubtype="0" fill="hold" grpId="0" nodeType="clickEffect">
                                   <p:stCondLst>
                                     <p:cond delay="0"/>
                                   </p:stCondLst>
                                   <p:childTnLst>
                                     <p:set>
                                       <p:cBhvr>
-                                        <p:cTn id="34" dur="1" fill="hold">
+                                        <p:cTn id="36" dur="1" fill="hold">
                                           <p:stCondLst>
                                             <p:cond delay="0"/>
                                           </p:stCondLst>
@@ -12169,7 +8434,7 @@
                                         <p:tgtEl>
                                           <p:spTgt spid="2">
                                             <p:txEl>
-                                              <p:pRg st="8" end="8"/>
+                                              <p:pRg st="5" end="5"/>
                                             </p:txEl>
                                           </p:spTgt>
                                         </p:tgtEl>
@@ -12184,26 +8449,8 @@
                                   </p:childTnLst>
                                 </p:cTn>
                               </p:par>
-                            </p:childTnLst>
-                          </p:cTn>
-                        </p:par>
-                      </p:childTnLst>
-                    </p:cTn>
-                  </p:par>
-                  <p:par>
-                    <p:cTn id="35" fill="hold">
-                      <p:stCondLst>
-                        <p:cond delay="indefinite"/>
-                      </p:stCondLst>
-                      <p:childTnLst>
-                        <p:par>
-                          <p:cTn id="36" fill="hold">
-                            <p:stCondLst>
-                              <p:cond delay="0"/>
-                            </p:stCondLst>
-                            <p:childTnLst>
                               <p:par>
-                                <p:cTn id="37" presetID="1" presetClass="entr" presetSubtype="0" fill="hold" grpId="0" nodeType="clickEffect">
+                                <p:cTn id="37" presetID="1" presetClass="entr" presetSubtype="0" fill="hold" grpId="0" nodeType="withEffect">
                                   <p:stCondLst>
                                     <p:cond delay="0"/>
                                   </p:stCondLst>
@@ -12216,58 +8463,9 @@
                                           </p:stCondLst>
                                         </p:cTn>
                                         <p:tgtEl>
-                                          <p:spTgt spid="2">
+                                          <p:spTgt spid="4">
                                             <p:txEl>
-                                              <p:pRg st="9" end="9"/>
-                                            </p:txEl>
-                                          </p:spTgt>
-                                        </p:tgtEl>
-                                        <p:attrNameLst>
-                                          <p:attrName>style.visibility</p:attrName>
-                                        </p:attrNameLst>
-                                      </p:cBhvr>
-                                      <p:to>
-                                        <p:strVal val="visible"/>
-                                      </p:to>
-                                    </p:set>
-                                  </p:childTnLst>
-                                </p:cTn>
-                              </p:par>
-                            </p:childTnLst>
-                          </p:cTn>
-                        </p:par>
-                      </p:childTnLst>
-                    </p:cTn>
-                  </p:par>
-                  <p:par>
-                    <p:cTn id="39" fill="hold">
-                      <p:stCondLst>
-                        <p:cond delay="indefinite"/>
-                      </p:stCondLst>
-                      <p:childTnLst>
-                        <p:par>
-                          <p:cTn id="40" fill="hold">
-                            <p:stCondLst>
-                              <p:cond delay="0"/>
-                            </p:stCondLst>
-                            <p:childTnLst>
-                              <p:par>
-                                <p:cTn id="41" presetID="1" presetClass="entr" presetSubtype="0" fill="hold" grpId="0" nodeType="clickEffect">
-                                  <p:stCondLst>
-                                    <p:cond delay="0"/>
-                                  </p:stCondLst>
-                                  <p:childTnLst>
-                                    <p:set>
-                                      <p:cBhvr>
-                                        <p:cTn id="42" dur="1" fill="hold">
-                                          <p:stCondLst>
-                                            <p:cond delay="0"/>
-                                          </p:stCondLst>
-                                        </p:cTn>
-                                        <p:tgtEl>
-                                          <p:spTgt spid="2">
-                                            <p:txEl>
-                                              <p:pRg st="10" end="10"/>
+                                              <p:pRg st="5" end="5"/>
                                             </p:txEl>
                                           </p:spTgt>
                                         </p:tgtEl>
@@ -12310,2603 +8508,8 @@
       </p:par>
     </p:tnLst>
     <p:bldLst>
-      <p:bldP spid="2" grpId="0" build="p"/>
-    </p:bldLst>
-  </p:timing>
-</p:sld>
-</file>
-
-<file path=ppt/slides/slide21.xml><?xml version="1.0" encoding="utf-8"?>
-<p:sld xmlns:a="http://schemas.openxmlformats.org/drawingml/2006/main" xmlns:r="http://schemas.openxmlformats.org/officeDocument/2006/relationships" xmlns:p="http://schemas.openxmlformats.org/presentationml/2006/main">
-  <p:cSld>
-    <p:spTree>
-      <p:nvGrpSpPr>
-        <p:cNvPr id="1" name=""/>
-        <p:cNvGrpSpPr/>
-        <p:nvPr/>
-      </p:nvGrpSpPr>
-      <p:grpSpPr>
-        <a:xfrm>
-          <a:off x="0" y="0"/>
-          <a:ext cx="0" cy="0"/>
-          <a:chOff x="0" y="0"/>
-          <a:chExt cx="0" cy="0"/>
-        </a:xfrm>
-      </p:grpSpPr>
-      <p:sp>
-        <p:nvSpPr>
-          <p:cNvPr id="3" name="Content Placeholder 2">
-            <a:extLst>
-              <a:ext uri="{FF2B5EF4-FFF2-40B4-BE49-F238E27FC236}">
-                <a16:creationId xmlns:a16="http://schemas.microsoft.com/office/drawing/2014/main" id="{8A16E20C-2F79-4342-AEA3-7F77A8FA8812}"/>
-              </a:ext>
-            </a:extLst>
-          </p:cNvPr>
-          <p:cNvSpPr>
-            <a:spLocks noGrp="1"/>
-          </p:cNvSpPr>
-          <p:nvPr>
-            <p:ph sz="quarter" idx="10"/>
-          </p:nvPr>
-        </p:nvSpPr>
-        <p:spPr/>
-        <p:txBody>
-          <a:bodyPr/>
-          <a:lstStyle/>
-          <a:p>
-            <a:r>
-              <a:rPr lang="en-US" dirty="0"/>
-              <a:t>Schottky TTL NAND gate</a:t>
-            </a:r>
-          </a:p>
-        </p:txBody>
-      </p:sp>
-      <p:pic>
-        <p:nvPicPr>
-          <p:cNvPr id="4" name="Picture 2">
-            <a:extLst>
-              <a:ext uri="{FF2B5EF4-FFF2-40B4-BE49-F238E27FC236}">
-                <a16:creationId xmlns:a16="http://schemas.microsoft.com/office/drawing/2014/main" id="{E0393B60-CCEF-4445-911E-D7345269F435}"/>
-              </a:ext>
-            </a:extLst>
-          </p:cNvPr>
-          <p:cNvPicPr>
-            <a:picLocks noGrp="1" noChangeAspect="1" noChangeArrowheads="1"/>
-          </p:cNvPicPr>
-          <p:nvPr>
-            <p:ph idx="1"/>
-          </p:nvPr>
-        </p:nvPicPr>
-        <p:blipFill>
-          <a:blip r:embed="rId2">
-            <a:extLst>
-              <a:ext uri="{28A0092B-C50C-407E-A947-70E740481C1C}">
-                <a14:useLocalDpi xmlns:a14="http://schemas.microsoft.com/office/drawing/2010/main" val="0"/>
-              </a:ext>
-            </a:extLst>
-          </a:blip>
-          <a:srcRect/>
-          <a:stretch>
-            <a:fillRect/>
-          </a:stretch>
-        </p:blipFill>
-        <p:spPr bwMode="auto">
-          <a:xfrm>
-            <a:off x="2593600" y="1447800"/>
-            <a:ext cx="3956799" cy="4830762"/>
-          </a:xfrm>
-          <a:prstGeom prst="rect">
-            <a:avLst/>
-          </a:prstGeom>
-          <a:noFill/>
-          <a:extLst>
-            <a:ext uri="{909E8E84-426E-40DD-AFC4-6F175D3DCCD1}">
-              <a14:hiddenFill xmlns:a14="http://schemas.microsoft.com/office/drawing/2010/main">
-                <a:solidFill>
-                  <a:srgbClr val="FFFFFF"/>
-                </a:solidFill>
-              </a14:hiddenFill>
-            </a:ext>
-          </a:extLst>
-        </p:spPr>
-      </p:pic>
-    </p:spTree>
-    <p:extLst>
-      <p:ext uri="{BB962C8B-B14F-4D97-AF65-F5344CB8AC3E}">
-        <p14:creationId xmlns:p14="http://schemas.microsoft.com/office/powerpoint/2010/main" val="535913378"/>
-      </p:ext>
-    </p:extLst>
-  </p:cSld>
-  <p:clrMapOvr>
-    <a:masterClrMapping/>
-  </p:clrMapOvr>
-</p:sld>
-</file>
-
-<file path=ppt/slides/slide22.xml><?xml version="1.0" encoding="utf-8"?>
-<p:sld xmlns:a="http://schemas.openxmlformats.org/drawingml/2006/main" xmlns:r="http://schemas.openxmlformats.org/officeDocument/2006/relationships" xmlns:p="http://schemas.openxmlformats.org/presentationml/2006/main">
-  <p:cSld>
-    <p:spTree>
-      <p:nvGrpSpPr>
-        <p:cNvPr id="1" name=""/>
-        <p:cNvGrpSpPr/>
-        <p:nvPr/>
-      </p:nvGrpSpPr>
-      <p:grpSpPr>
-        <a:xfrm>
-          <a:off x="0" y="0"/>
-          <a:ext cx="0" cy="0"/>
-          <a:chOff x="0" y="0"/>
-          <a:chExt cx="0" cy="0"/>
-        </a:xfrm>
-      </p:grpSpPr>
-      <p:sp>
-        <p:nvSpPr>
-          <p:cNvPr id="2" name="Content Placeholder 1">
-            <a:extLst>
-              <a:ext uri="{FF2B5EF4-FFF2-40B4-BE49-F238E27FC236}">
-                <a16:creationId xmlns:a16="http://schemas.microsoft.com/office/drawing/2014/main" id="{9BB26D3F-D459-4A87-93F6-63ACE03B75BA}"/>
-              </a:ext>
-            </a:extLst>
-          </p:cNvPr>
-          <p:cNvSpPr>
-            <a:spLocks noGrp="1"/>
-          </p:cNvSpPr>
-          <p:nvPr>
-            <p:ph idx="1"/>
-          </p:nvPr>
-        </p:nvSpPr>
-        <p:spPr>
-          <a:xfrm>
-            <a:off x="304800" y="1493837"/>
-            <a:ext cx="3048000" cy="4525963"/>
-          </a:xfrm>
-        </p:spPr>
-        <p:txBody>
-          <a:bodyPr/>
-          <a:lstStyle/>
-          <a:p>
-            <a:pPr>
-              <a:buFontTx/>
-              <a:buChar char="-"/>
-            </a:pPr>
-            <a:r>
-              <a:rPr lang="en-US" dirty="0"/>
-              <a:t>Output can be LOW / HIGH / High Impedance (</a:t>
-            </a:r>
-            <a:r>
-              <a:rPr lang="en-US" dirty="0" err="1"/>
-              <a:t>ie</a:t>
-            </a:r>
-            <a:r>
-              <a:rPr lang="en-US" dirty="0"/>
-              <a:t> ‘disconnected’)</a:t>
-            </a:r>
-          </a:p>
-        </p:txBody>
-      </p:sp>
-      <p:sp>
-        <p:nvSpPr>
-          <p:cNvPr id="3" name="Content Placeholder 2">
-            <a:extLst>
-              <a:ext uri="{FF2B5EF4-FFF2-40B4-BE49-F238E27FC236}">
-                <a16:creationId xmlns:a16="http://schemas.microsoft.com/office/drawing/2014/main" id="{3FFF7FCE-416C-485A-B6F7-DA86F17F0BB7}"/>
-              </a:ext>
-            </a:extLst>
-          </p:cNvPr>
-          <p:cNvSpPr>
-            <a:spLocks noGrp="1"/>
-          </p:cNvSpPr>
-          <p:nvPr>
-            <p:ph sz="quarter" idx="10"/>
-          </p:nvPr>
-        </p:nvSpPr>
-        <p:spPr/>
-        <p:txBody>
-          <a:bodyPr/>
-          <a:lstStyle/>
-          <a:p>
-            <a:r>
-              <a:rPr lang="en-US" dirty="0"/>
-              <a:t>Three-state outputs</a:t>
-            </a:r>
-          </a:p>
-        </p:txBody>
-      </p:sp>
-      <p:pic>
-        <p:nvPicPr>
-          <p:cNvPr id="4" name="Picture 2">
-            <a:extLst>
-              <a:ext uri="{FF2B5EF4-FFF2-40B4-BE49-F238E27FC236}">
-                <a16:creationId xmlns:a16="http://schemas.microsoft.com/office/drawing/2014/main" id="{F879227C-8131-4912-A4F5-AAB57E1D5D35}"/>
-              </a:ext>
-            </a:extLst>
-          </p:cNvPr>
-          <p:cNvPicPr>
-            <a:picLocks noChangeAspect="1" noChangeArrowheads="1"/>
-          </p:cNvPicPr>
-          <p:nvPr/>
-        </p:nvPicPr>
-        <p:blipFill rotWithShape="1">
-          <a:blip r:embed="rId2">
-            <a:extLst>
-              <a:ext uri="{28A0092B-C50C-407E-A947-70E740481C1C}">
-                <a14:useLocalDpi xmlns:a14="http://schemas.microsoft.com/office/drawing/2010/main" val="0"/>
-              </a:ext>
-            </a:extLst>
-          </a:blip>
-          <a:srcRect t="-1" b="83928"/>
-          <a:stretch/>
-        </p:blipFill>
-        <p:spPr bwMode="auto">
-          <a:xfrm>
-            <a:off x="3467100" y="1708943"/>
-            <a:ext cx="5484813" cy="1001714"/>
-          </a:xfrm>
-          <a:prstGeom prst="rect">
-            <a:avLst/>
-          </a:prstGeom>
-          <a:noFill/>
-          <a:extLst>
-            <a:ext uri="{909E8E84-426E-40DD-AFC4-6F175D3DCCD1}">
-              <a14:hiddenFill xmlns:a14="http://schemas.microsoft.com/office/drawing/2010/main">
-                <a:solidFill>
-                  <a:srgbClr val="FFFFFF"/>
-                </a:solidFill>
-              </a14:hiddenFill>
-            </a:ext>
-          </a:extLst>
-        </p:spPr>
-      </p:pic>
-      <p:pic>
-        <p:nvPicPr>
-          <p:cNvPr id="7" name="Picture 6">
-            <a:extLst>
-              <a:ext uri="{FF2B5EF4-FFF2-40B4-BE49-F238E27FC236}">
-                <a16:creationId xmlns:a16="http://schemas.microsoft.com/office/drawing/2014/main" id="{2E109CAB-F0B1-43BF-AA18-57D47C70AA16}"/>
-              </a:ext>
-            </a:extLst>
-          </p:cNvPr>
-          <p:cNvPicPr>
-            <a:picLocks noChangeAspect="1"/>
-          </p:cNvPicPr>
-          <p:nvPr/>
-        </p:nvPicPr>
-        <p:blipFill>
-          <a:blip r:embed="rId3"/>
-          <a:stretch>
-            <a:fillRect/>
-          </a:stretch>
-        </p:blipFill>
-        <p:spPr>
-          <a:xfrm>
-            <a:off x="3467100" y="3124200"/>
-            <a:ext cx="5201376" cy="3067478"/>
-          </a:xfrm>
-          <a:prstGeom prst="rect">
-            <a:avLst/>
-          </a:prstGeom>
-        </p:spPr>
-      </p:pic>
-    </p:spTree>
-    <p:extLst>
-      <p:ext uri="{BB962C8B-B14F-4D97-AF65-F5344CB8AC3E}">
-        <p14:creationId xmlns:p14="http://schemas.microsoft.com/office/powerpoint/2010/main" val="4174473564"/>
-      </p:ext>
-    </p:extLst>
-  </p:cSld>
-  <p:clrMapOvr>
-    <a:masterClrMapping/>
-  </p:clrMapOvr>
-  <p:timing>
-    <p:tnLst>
-      <p:par>
-        <p:cTn id="1" dur="indefinite" restart="never" nodeType="tmRoot">
-          <p:childTnLst>
-            <p:seq concurrent="1" nextAc="seek">
-              <p:cTn id="2" dur="indefinite" nodeType="mainSeq">
-                <p:childTnLst>
-                  <p:par>
-                    <p:cTn id="3" fill="hold">
-                      <p:stCondLst>
-                        <p:cond delay="indefinite"/>
-                      </p:stCondLst>
-                      <p:childTnLst>
-                        <p:par>
-                          <p:cTn id="4" fill="hold">
-                            <p:stCondLst>
-                              <p:cond delay="0"/>
-                            </p:stCondLst>
-                            <p:childTnLst>
-                              <p:par>
-                                <p:cTn id="5" presetID="1" presetClass="entr" presetSubtype="0" fill="hold" grpId="0" nodeType="clickEffect">
-                                  <p:stCondLst>
-                                    <p:cond delay="0"/>
-                                  </p:stCondLst>
-                                  <p:childTnLst>
-                                    <p:set>
-                                      <p:cBhvr>
-                                        <p:cTn id="6" dur="1" fill="hold">
-                                          <p:stCondLst>
-                                            <p:cond delay="0"/>
-                                          </p:stCondLst>
-                                        </p:cTn>
-                                        <p:tgtEl>
-                                          <p:spTgt spid="2">
-                                            <p:txEl>
-                                              <p:pRg st="0" end="0"/>
-                                            </p:txEl>
-                                          </p:spTgt>
-                                        </p:tgtEl>
-                                        <p:attrNameLst>
-                                          <p:attrName>style.visibility</p:attrName>
-                                        </p:attrNameLst>
-                                      </p:cBhvr>
-                                      <p:to>
-                                        <p:strVal val="visible"/>
-                                      </p:to>
-                                    </p:set>
-                                  </p:childTnLst>
-                                </p:cTn>
-                              </p:par>
-                            </p:childTnLst>
-                          </p:cTn>
-                        </p:par>
-                      </p:childTnLst>
-                    </p:cTn>
-                  </p:par>
-                  <p:par>
-                    <p:cTn id="7" fill="hold">
-                      <p:stCondLst>
-                        <p:cond delay="indefinite"/>
-                      </p:stCondLst>
-                      <p:childTnLst>
-                        <p:par>
-                          <p:cTn id="8" fill="hold">
-                            <p:stCondLst>
-                              <p:cond delay="0"/>
-                            </p:stCondLst>
-                            <p:childTnLst>
-                              <p:par>
-                                <p:cTn id="9" presetID="1" presetClass="entr" presetSubtype="0" fill="hold" nodeType="clickEffect">
-                                  <p:stCondLst>
-                                    <p:cond delay="0"/>
-                                  </p:stCondLst>
-                                  <p:childTnLst>
-                                    <p:set>
-                                      <p:cBhvr>
-                                        <p:cTn id="10" dur="1" fill="hold">
-                                          <p:stCondLst>
-                                            <p:cond delay="0"/>
-                                          </p:stCondLst>
-                                        </p:cTn>
-                                        <p:tgtEl>
-                                          <p:spTgt spid="4"/>
-                                        </p:tgtEl>
-                                        <p:attrNameLst>
-                                          <p:attrName>style.visibility</p:attrName>
-                                        </p:attrNameLst>
-                                      </p:cBhvr>
-                                      <p:to>
-                                        <p:strVal val="visible"/>
-                                      </p:to>
-                                    </p:set>
-                                  </p:childTnLst>
-                                </p:cTn>
-                              </p:par>
-                            </p:childTnLst>
-                          </p:cTn>
-                        </p:par>
-                      </p:childTnLst>
-                    </p:cTn>
-                  </p:par>
-                  <p:par>
-                    <p:cTn id="11" fill="hold">
-                      <p:stCondLst>
-                        <p:cond delay="indefinite"/>
-                      </p:stCondLst>
-                      <p:childTnLst>
-                        <p:par>
-                          <p:cTn id="12" fill="hold">
-                            <p:stCondLst>
-                              <p:cond delay="0"/>
-                            </p:stCondLst>
-                            <p:childTnLst>
-                              <p:par>
-                                <p:cTn id="13" presetID="1" presetClass="entr" presetSubtype="0" fill="hold" nodeType="clickEffect">
-                                  <p:stCondLst>
-                                    <p:cond delay="0"/>
-                                  </p:stCondLst>
-                                  <p:childTnLst>
-                                    <p:set>
-                                      <p:cBhvr>
-                                        <p:cTn id="14" dur="1" fill="hold">
-                                          <p:stCondLst>
-                                            <p:cond delay="0"/>
-                                          </p:stCondLst>
-                                        </p:cTn>
-                                        <p:tgtEl>
-                                          <p:spTgt spid="7"/>
-                                        </p:tgtEl>
-                                        <p:attrNameLst>
-                                          <p:attrName>style.visibility</p:attrName>
-                                        </p:attrNameLst>
-                                      </p:cBhvr>
-                                      <p:to>
-                                        <p:strVal val="visible"/>
-                                      </p:to>
-                                    </p:set>
-                                  </p:childTnLst>
-                                </p:cTn>
-                              </p:par>
-                            </p:childTnLst>
-                          </p:cTn>
-                        </p:par>
-                      </p:childTnLst>
-                    </p:cTn>
-                  </p:par>
-                </p:childTnLst>
-              </p:cTn>
-              <p:prevCondLst>
-                <p:cond evt="onPrev" delay="0">
-                  <p:tgtEl>
-                    <p:sldTgt/>
-                  </p:tgtEl>
-                </p:cond>
-              </p:prevCondLst>
-              <p:nextCondLst>
-                <p:cond evt="onNext" delay="0">
-                  <p:tgtEl>
-                    <p:sldTgt/>
-                  </p:tgtEl>
-                </p:cond>
-              </p:nextCondLst>
-            </p:seq>
-          </p:childTnLst>
-        </p:cTn>
-      </p:par>
-    </p:tnLst>
-    <p:bldLst>
-      <p:bldP spid="2" grpId="0" build="p"/>
-    </p:bldLst>
-  </p:timing>
-</p:sld>
-</file>
-
-<file path=ppt/slides/slide3.xml><?xml version="1.0" encoding="utf-8"?>
-<p:sld xmlns:a="http://schemas.openxmlformats.org/drawingml/2006/main" xmlns:r="http://schemas.openxmlformats.org/officeDocument/2006/relationships" xmlns:p="http://schemas.openxmlformats.org/presentationml/2006/main">
-  <p:cSld>
-    <p:spTree>
-      <p:nvGrpSpPr>
-        <p:cNvPr id="1" name=""/>
-        <p:cNvGrpSpPr/>
-        <p:nvPr/>
-      </p:nvGrpSpPr>
-      <p:grpSpPr>
-        <a:xfrm>
-          <a:off x="0" y="0"/>
-          <a:ext cx="0" cy="0"/>
-          <a:chOff x="0" y="0"/>
-          <a:chExt cx="0" cy="0"/>
-        </a:xfrm>
-      </p:grpSpPr>
-      <p:sp>
-        <p:nvSpPr>
-          <p:cNvPr id="2" name="Content Placeholder 1">
-            <a:extLst>
-              <a:ext uri="{FF2B5EF4-FFF2-40B4-BE49-F238E27FC236}">
-                <a16:creationId xmlns:a16="http://schemas.microsoft.com/office/drawing/2014/main" id="{29175742-A072-478C-858A-126837926F6C}"/>
-              </a:ext>
-            </a:extLst>
-          </p:cNvPr>
-          <p:cNvSpPr>
-            <a:spLocks noGrp="1"/>
-          </p:cNvSpPr>
-          <p:nvPr>
-            <p:ph idx="1"/>
-          </p:nvPr>
-        </p:nvSpPr>
-        <p:spPr/>
-        <p:txBody>
-          <a:bodyPr/>
-          <a:lstStyle/>
-          <a:p>
-            <a:pPr marL="342900" marR="0" lvl="0" indent="-342900" algn="l" defTabSz="914400" rtl="0" eaLnBrk="0" fontAlgn="base" latinLnBrk="0" hangingPunct="0">
-              <a:lnSpc>
-                <a:spcPct val="100000"/>
-              </a:lnSpc>
-              <a:spcBef>
-                <a:spcPct val="20000"/>
-              </a:spcBef>
-              <a:spcAft>
-                <a:spcPct val="0"/>
-              </a:spcAft>
-              <a:buClrTx/>
-              <a:buSzTx/>
-              <a:buFontTx/>
-              <a:buChar char="•"/>
-              <a:tabLst/>
-              <a:defRPr/>
-            </a:pPr>
-            <a:r>
-              <a:rPr kumimoji="0" lang="en-US" altLang="en-US" sz="2400" b="0" i="0" u="none" strike="noStrike" kern="1200" cap="none" spc="0" normalizeH="0" baseline="0" noProof="0" dirty="0">
-                <a:ln>
-                  <a:noFill/>
-                </a:ln>
-                <a:solidFill>
-                  <a:srgbClr val="000000"/>
-                </a:solidFill>
-                <a:effectLst/>
-                <a:uLnTx/>
-                <a:uFillTx/>
-                <a:latin typeface="Times New Roman"/>
-                <a:ea typeface="+mn-ea"/>
-                <a:cs typeface="+mn-cs"/>
-              </a:rPr>
-              <a:t>RTL: Resistor-Transistor Logic         </a:t>
-            </a:r>
-          </a:p>
-          <a:p>
-            <a:pPr marL="342900" marR="0" lvl="0" indent="-342900" algn="l" defTabSz="914400" rtl="0" eaLnBrk="0" fontAlgn="base" latinLnBrk="0" hangingPunct="0">
-              <a:lnSpc>
-                <a:spcPct val="100000"/>
-              </a:lnSpc>
-              <a:spcBef>
-                <a:spcPct val="20000"/>
-              </a:spcBef>
-              <a:spcAft>
-                <a:spcPct val="0"/>
-              </a:spcAft>
-              <a:buClrTx/>
-              <a:buSzTx/>
-              <a:buFontTx/>
-              <a:buChar char="•"/>
-              <a:tabLst/>
-              <a:defRPr/>
-            </a:pPr>
-            <a:r>
-              <a:rPr kumimoji="0" lang="en-US" altLang="en-US" sz="2400" b="0" i="0" u="none" strike="noStrike" kern="1200" cap="none" spc="0" normalizeH="0" baseline="0" noProof="0" dirty="0">
-                <a:ln>
-                  <a:noFill/>
-                </a:ln>
-                <a:solidFill>
-                  <a:srgbClr val="000000"/>
-                </a:solidFill>
-                <a:effectLst/>
-                <a:uLnTx/>
-                <a:uFillTx/>
-                <a:latin typeface="Times New Roman"/>
-                <a:ea typeface="+mn-ea"/>
-                <a:cs typeface="+mn-cs"/>
-              </a:rPr>
-              <a:t>DTL: Diode-Transistor Logic             </a:t>
-            </a:r>
-            <a:endParaRPr kumimoji="0" lang="en-US" altLang="en-US" sz="2000" b="0" i="0" u="none" strike="noStrike" kern="1200" cap="none" spc="0" normalizeH="0" baseline="0" noProof="0" dirty="0">
-              <a:ln>
-                <a:noFill/>
-              </a:ln>
-              <a:solidFill>
-                <a:srgbClr val="000000"/>
-              </a:solidFill>
-              <a:effectLst/>
-              <a:uLnTx/>
-              <a:uFillTx/>
-              <a:latin typeface="Times New Roman"/>
-              <a:ea typeface="+mn-ea"/>
-              <a:cs typeface="+mn-cs"/>
-            </a:endParaRPr>
-          </a:p>
-          <a:p>
-            <a:pPr marL="342900" marR="0" lvl="0" indent="-342900" algn="l" defTabSz="914400" rtl="0" eaLnBrk="0" fontAlgn="base" latinLnBrk="0" hangingPunct="0">
-              <a:lnSpc>
-                <a:spcPct val="100000"/>
-              </a:lnSpc>
-              <a:spcBef>
-                <a:spcPct val="20000"/>
-              </a:spcBef>
-              <a:spcAft>
-                <a:spcPct val="0"/>
-              </a:spcAft>
-              <a:buClrTx/>
-              <a:buSzTx/>
-              <a:buFontTx/>
-              <a:buChar char="•"/>
-              <a:tabLst/>
-              <a:defRPr/>
-            </a:pPr>
-            <a:r>
-              <a:rPr kumimoji="0" lang="en-US" altLang="en-US" sz="2400" b="0" i="0" u="none" strike="noStrike" kern="1200" cap="none" spc="0" normalizeH="0" baseline="0" noProof="0" dirty="0">
-                <a:ln>
-                  <a:noFill/>
-                </a:ln>
-                <a:solidFill>
-                  <a:srgbClr val="000000"/>
-                </a:solidFill>
-                <a:effectLst/>
-                <a:uLnTx/>
-                <a:uFillTx/>
-                <a:latin typeface="Times New Roman"/>
-                <a:ea typeface="+mn-ea"/>
-                <a:cs typeface="+mn-cs"/>
-              </a:rPr>
-              <a:t>TTL: Transistor-Transistor Logic</a:t>
-            </a:r>
-          </a:p>
-          <a:p>
-            <a:pPr marL="342900" marR="0" lvl="0" indent="-342900" algn="l" defTabSz="914400" rtl="0" eaLnBrk="0" fontAlgn="base" latinLnBrk="0" hangingPunct="0">
-              <a:lnSpc>
-                <a:spcPct val="100000"/>
-              </a:lnSpc>
-              <a:spcBef>
-                <a:spcPct val="20000"/>
-              </a:spcBef>
-              <a:spcAft>
-                <a:spcPct val="0"/>
-              </a:spcAft>
-              <a:buClrTx/>
-              <a:buSzTx/>
-              <a:buFontTx/>
-              <a:buChar char="•"/>
-              <a:tabLst/>
-              <a:defRPr/>
-            </a:pPr>
-            <a:r>
-              <a:rPr kumimoji="0" lang="en-US" altLang="en-US" sz="2400" b="0" i="0" u="none" strike="noStrike" kern="1200" cap="none" spc="0" normalizeH="0" baseline="0" noProof="0" dirty="0">
-                <a:ln>
-                  <a:noFill/>
-                </a:ln>
-                <a:solidFill>
-                  <a:srgbClr val="000000"/>
-                </a:solidFill>
-                <a:effectLst/>
-                <a:uLnTx/>
-                <a:uFillTx/>
-                <a:latin typeface="Times New Roman"/>
-                <a:ea typeface="+mn-ea"/>
-                <a:cs typeface="+mn-cs"/>
-              </a:rPr>
-              <a:t>ECL: Emitter-coupled Logic</a:t>
-            </a:r>
-          </a:p>
-          <a:p>
-            <a:pPr marL="342900" marR="0" lvl="0" indent="-342900" algn="l" defTabSz="914400" rtl="0" eaLnBrk="0" fontAlgn="base" latinLnBrk="0" hangingPunct="0">
-              <a:lnSpc>
-                <a:spcPct val="100000"/>
-              </a:lnSpc>
-              <a:spcBef>
-                <a:spcPct val="20000"/>
-              </a:spcBef>
-              <a:spcAft>
-                <a:spcPct val="0"/>
-              </a:spcAft>
-              <a:buClrTx/>
-              <a:buSzTx/>
-              <a:buFontTx/>
-              <a:buChar char="•"/>
-              <a:tabLst/>
-              <a:defRPr/>
-            </a:pPr>
-            <a:r>
-              <a:rPr kumimoji="0" lang="en-US" altLang="en-US" sz="2400" b="0" i="0" u="none" strike="noStrike" kern="1200" cap="none" spc="0" normalizeH="0" baseline="0" noProof="0" dirty="0">
-                <a:ln>
-                  <a:noFill/>
-                </a:ln>
-                <a:solidFill>
-                  <a:srgbClr val="000000"/>
-                </a:solidFill>
-                <a:effectLst/>
-                <a:uLnTx/>
-                <a:uFillTx/>
-                <a:latin typeface="Times New Roman"/>
-                <a:ea typeface="+mn-ea"/>
-                <a:cs typeface="+mn-cs"/>
-              </a:rPr>
-              <a:t>MOS: Metal-Oxide Semiconductor</a:t>
-            </a:r>
-          </a:p>
-          <a:p>
-            <a:pPr marL="342900" marR="0" lvl="0" indent="-342900" algn="l" defTabSz="914400" rtl="0" eaLnBrk="0" fontAlgn="base" latinLnBrk="0" hangingPunct="0">
-              <a:lnSpc>
-                <a:spcPct val="100000"/>
-              </a:lnSpc>
-              <a:spcBef>
-                <a:spcPct val="20000"/>
-              </a:spcBef>
-              <a:spcAft>
-                <a:spcPct val="0"/>
-              </a:spcAft>
-              <a:buClrTx/>
-              <a:buSzTx/>
-              <a:buFontTx/>
-              <a:buChar char="•"/>
-              <a:tabLst/>
-              <a:defRPr/>
-            </a:pPr>
-            <a:r>
-              <a:rPr kumimoji="0" lang="en-US" altLang="en-US" sz="2400" b="0" i="0" u="none" strike="noStrike" kern="1200" cap="none" spc="0" normalizeH="0" baseline="0" noProof="0" dirty="0">
-                <a:ln>
-                  <a:noFill/>
-                </a:ln>
-                <a:solidFill>
-                  <a:srgbClr val="000000"/>
-                </a:solidFill>
-                <a:effectLst/>
-                <a:uLnTx/>
-                <a:uFillTx/>
-                <a:latin typeface="Times New Roman"/>
-                <a:ea typeface="+mn-ea"/>
-                <a:cs typeface="+mn-cs"/>
-              </a:rPr>
-              <a:t>CMOS: Complementary MOS</a:t>
-            </a:r>
-          </a:p>
-          <a:p>
-            <a:pPr marL="742950" marR="0" lvl="1" indent="-285750" algn="l" defTabSz="914400" rtl="0" eaLnBrk="0" fontAlgn="base" latinLnBrk="0" hangingPunct="0">
-              <a:lnSpc>
-                <a:spcPct val="100000"/>
-              </a:lnSpc>
-              <a:spcBef>
-                <a:spcPct val="20000"/>
-              </a:spcBef>
-              <a:spcAft>
-                <a:spcPct val="0"/>
-              </a:spcAft>
-              <a:buClrTx/>
-              <a:buSzTx/>
-              <a:buFontTx/>
-              <a:buChar char="–"/>
-              <a:tabLst/>
-              <a:defRPr/>
-            </a:pPr>
-            <a:r>
-              <a:rPr kumimoji="0" lang="en-US" altLang="en-US" sz="2000" b="1" i="0" u="none" strike="noStrike" kern="1200" cap="none" spc="0" normalizeH="0" baseline="0" noProof="0" dirty="0">
-                <a:ln>
-                  <a:noFill/>
-                </a:ln>
-                <a:solidFill>
-                  <a:schemeClr val="tx2">
-                    <a:lumMod val="60000"/>
-                    <a:lumOff val="40000"/>
-                  </a:schemeClr>
-                </a:solidFill>
-                <a:effectLst/>
-                <a:uLnTx/>
-                <a:uFillTx/>
-                <a:latin typeface="Times New Roman"/>
-                <a:ea typeface="+mn-ea"/>
-                <a:cs typeface="+mn-cs"/>
-              </a:rPr>
-              <a:t>Low power dissipation, currently the MOST DOMINANT</a:t>
-            </a:r>
-          </a:p>
-          <a:p>
-            <a:pPr marL="342900" marR="0" lvl="0" indent="-342900" algn="l" defTabSz="914400" rtl="0" eaLnBrk="0" fontAlgn="base" latinLnBrk="0" hangingPunct="0">
-              <a:lnSpc>
-                <a:spcPct val="100000"/>
-              </a:lnSpc>
-              <a:spcBef>
-                <a:spcPct val="20000"/>
-              </a:spcBef>
-              <a:spcAft>
-                <a:spcPct val="0"/>
-              </a:spcAft>
-              <a:buClrTx/>
-              <a:buSzTx/>
-              <a:buFontTx/>
-              <a:buChar char="•"/>
-              <a:tabLst/>
-              <a:defRPr/>
-            </a:pPr>
-            <a:r>
-              <a:rPr kumimoji="0" lang="en-US" altLang="en-US" sz="2400" b="0" i="0" u="none" strike="noStrike" kern="1200" cap="none" spc="0" normalizeH="0" baseline="0" noProof="0" dirty="0" err="1">
-                <a:ln>
-                  <a:noFill/>
-                </a:ln>
-                <a:solidFill>
-                  <a:srgbClr val="000000"/>
-                </a:solidFill>
-                <a:effectLst/>
-                <a:uLnTx/>
-                <a:uFillTx/>
-                <a:latin typeface="Times New Roman"/>
-                <a:ea typeface="+mn-ea"/>
-                <a:cs typeface="+mn-cs"/>
-              </a:rPr>
-              <a:t>BiCMOS</a:t>
-            </a:r>
-            <a:r>
-              <a:rPr kumimoji="0" lang="en-US" altLang="en-US" sz="2400" b="0" i="0" u="none" strike="noStrike" kern="1200" cap="none" spc="0" normalizeH="0" baseline="0" noProof="0" dirty="0">
-                <a:ln>
-                  <a:noFill/>
-                </a:ln>
-                <a:solidFill>
-                  <a:srgbClr val="000000"/>
-                </a:solidFill>
-                <a:effectLst/>
-                <a:uLnTx/>
-                <a:uFillTx/>
-                <a:latin typeface="Times New Roman"/>
-                <a:ea typeface="+mn-ea"/>
-                <a:cs typeface="+mn-cs"/>
-              </a:rPr>
-              <a:t>: Bipolar CMOS</a:t>
-            </a:r>
-          </a:p>
-          <a:p>
-            <a:pPr marL="742950" marR="0" lvl="1" indent="-285750" algn="l" defTabSz="914400" rtl="0" eaLnBrk="0" fontAlgn="base" latinLnBrk="0" hangingPunct="0">
-              <a:lnSpc>
-                <a:spcPct val="100000"/>
-              </a:lnSpc>
-              <a:spcBef>
-                <a:spcPct val="20000"/>
-              </a:spcBef>
-              <a:spcAft>
-                <a:spcPct val="0"/>
-              </a:spcAft>
-              <a:buClrTx/>
-              <a:buSzTx/>
-              <a:buFontTx/>
-              <a:buChar char="–"/>
-              <a:tabLst/>
-              <a:defRPr/>
-            </a:pPr>
-            <a:r>
-              <a:rPr kumimoji="0" lang="en-US" altLang="en-US" sz="2000" b="1" i="0" u="none" strike="noStrike" kern="1200" cap="none" spc="0" normalizeH="0" baseline="0" noProof="0" dirty="0">
-                <a:ln>
-                  <a:noFill/>
-                </a:ln>
-                <a:solidFill>
-                  <a:schemeClr val="tx2">
-                    <a:lumMod val="60000"/>
-                    <a:lumOff val="40000"/>
-                  </a:schemeClr>
-                </a:solidFill>
-                <a:effectLst/>
-                <a:uLnTx/>
-                <a:uFillTx/>
-                <a:latin typeface="Times New Roman"/>
-                <a:ea typeface="+mn-ea"/>
-                <a:cs typeface="+mn-cs"/>
-              </a:rPr>
-              <a:t>CMOS and TTL for additional current/speed</a:t>
-            </a:r>
-          </a:p>
-          <a:p>
-            <a:pPr marL="342900" marR="0" lvl="0" indent="-342900" algn="l" defTabSz="914400" rtl="0" eaLnBrk="0" fontAlgn="base" latinLnBrk="0" hangingPunct="0">
-              <a:lnSpc>
-                <a:spcPct val="100000"/>
-              </a:lnSpc>
-              <a:spcBef>
-                <a:spcPct val="20000"/>
-              </a:spcBef>
-              <a:spcAft>
-                <a:spcPct val="0"/>
-              </a:spcAft>
-              <a:buClrTx/>
-              <a:buSzTx/>
-              <a:buFontTx/>
-              <a:buChar char="•"/>
-              <a:tabLst/>
-              <a:defRPr/>
-            </a:pPr>
-            <a:r>
-              <a:rPr kumimoji="0" lang="en-US" altLang="en-US" sz="2400" b="0" i="0" u="none" strike="noStrike" kern="1200" cap="none" spc="0" normalizeH="0" baseline="0" noProof="0" dirty="0">
-                <a:ln>
-                  <a:noFill/>
-                </a:ln>
-                <a:solidFill>
-                  <a:srgbClr val="000000"/>
-                </a:solidFill>
-                <a:effectLst/>
-                <a:uLnTx/>
-                <a:uFillTx/>
-                <a:latin typeface="Times New Roman"/>
-                <a:ea typeface="+mn-ea"/>
-                <a:cs typeface="+mn-cs"/>
-              </a:rPr>
-              <a:t>GaAs: Gallium-Arsenide</a:t>
-            </a:r>
-          </a:p>
-        </p:txBody>
-      </p:sp>
-      <p:sp>
-        <p:nvSpPr>
-          <p:cNvPr id="3" name="Content Placeholder 2">
-            <a:extLst>
-              <a:ext uri="{FF2B5EF4-FFF2-40B4-BE49-F238E27FC236}">
-                <a16:creationId xmlns:a16="http://schemas.microsoft.com/office/drawing/2014/main" id="{7AD8205B-39D1-45F9-94C9-4AAD6C68C3AB}"/>
-              </a:ext>
-            </a:extLst>
-          </p:cNvPr>
-          <p:cNvSpPr>
-            <a:spLocks noGrp="1"/>
-          </p:cNvSpPr>
-          <p:nvPr>
-            <p:ph sz="quarter" idx="10"/>
-          </p:nvPr>
-        </p:nvSpPr>
-        <p:spPr/>
-        <p:txBody>
-          <a:bodyPr/>
-          <a:lstStyle/>
-          <a:p>
-            <a:r>
-              <a:rPr lang="en-US" dirty="0"/>
-              <a:t>Digital logic families (timeline)</a:t>
-            </a:r>
-          </a:p>
-        </p:txBody>
-      </p:sp>
-      <p:sp>
-        <p:nvSpPr>
-          <p:cNvPr id="4" name="Freeform 4">
-            <a:extLst>
-              <a:ext uri="{FF2B5EF4-FFF2-40B4-BE49-F238E27FC236}">
-                <a16:creationId xmlns:a16="http://schemas.microsoft.com/office/drawing/2014/main" id="{ACA32B54-28BD-4499-B68F-7B3107B5E45E}"/>
-              </a:ext>
-            </a:extLst>
-          </p:cNvPr>
-          <p:cNvSpPr>
-            <a:spLocks/>
-          </p:cNvSpPr>
-          <p:nvPr/>
-        </p:nvSpPr>
-        <p:spPr bwMode="auto">
-          <a:xfrm>
-            <a:off x="4598894" y="1752600"/>
-            <a:ext cx="838200" cy="533400"/>
-          </a:xfrm>
-          <a:custGeom>
-            <a:avLst/>
-            <a:gdLst>
-              <a:gd name="T0" fmla="*/ 288 w 480"/>
-              <a:gd name="T1" fmla="*/ 0 h 288"/>
-              <a:gd name="T2" fmla="*/ 432 w 480"/>
-              <a:gd name="T3" fmla="*/ 96 h 288"/>
-              <a:gd name="T4" fmla="*/ 0 w 480"/>
-              <a:gd name="T5" fmla="*/ 288 h 288"/>
-            </a:gdLst>
-            <a:ahLst/>
-            <a:cxnLst>
-              <a:cxn ang="0">
-                <a:pos x="T0" y="T1"/>
-              </a:cxn>
-              <a:cxn ang="0">
-                <a:pos x="T2" y="T3"/>
-              </a:cxn>
-              <a:cxn ang="0">
-                <a:pos x="T4" y="T5"/>
-              </a:cxn>
-            </a:cxnLst>
-            <a:rect l="0" t="0" r="r" b="b"/>
-            <a:pathLst>
-              <a:path w="480" h="288">
-                <a:moveTo>
-                  <a:pt x="288" y="0"/>
-                </a:moveTo>
-                <a:cubicBezTo>
-                  <a:pt x="384" y="24"/>
-                  <a:pt x="480" y="48"/>
-                  <a:pt x="432" y="96"/>
-                </a:cubicBezTo>
-                <a:cubicBezTo>
-                  <a:pt x="384" y="144"/>
-                  <a:pt x="192" y="216"/>
-                  <a:pt x="0" y="288"/>
-                </a:cubicBezTo>
-              </a:path>
-            </a:pathLst>
-          </a:custGeom>
-          <a:noFill/>
-          <a:ln w="38100">
-            <a:solidFill>
-              <a:srgbClr val="FF0000"/>
-            </a:solidFill>
-            <a:round/>
-            <a:headEnd type="triangle" w="med" len="med"/>
-            <a:tailEnd type="triangle" w="med" len="med"/>
-          </a:ln>
-          <a:effectLst/>
-          <a:extLst>
-            <a:ext uri="{909E8E84-426E-40DD-AFC4-6F175D3DCCD1}">
-              <a14:hiddenFill xmlns:a14="http://schemas.microsoft.com/office/drawing/2010/main">
-                <a:solidFill>
-                  <a:schemeClr val="accent1"/>
-                </a:solidFill>
-              </a14:hiddenFill>
-            </a:ext>
-            <a:ext uri="{AF507438-7753-43E0-B8FC-AC1667EBCBE1}">
-              <a14:hiddenEffects xmlns:a14="http://schemas.microsoft.com/office/drawing/2010/main">
-                <a:effectLst>
-                  <a:outerShdw dist="35921" dir="2700000" algn="ctr" rotWithShape="0">
-                    <a:schemeClr val="bg2"/>
-                  </a:outerShdw>
-                </a:effectLst>
-              </a14:hiddenEffects>
-            </a:ext>
-          </a:extLst>
-        </p:spPr>
-        <p:txBody>
-          <a:bodyPr/>
-          <a:lstStyle/>
-          <a:p>
-            <a:endParaRPr lang="en-US"/>
-          </a:p>
-        </p:txBody>
-      </p:sp>
-      <p:sp>
-        <p:nvSpPr>
-          <p:cNvPr id="5" name="Text Box 5">
-            <a:extLst>
-              <a:ext uri="{FF2B5EF4-FFF2-40B4-BE49-F238E27FC236}">
-                <a16:creationId xmlns:a16="http://schemas.microsoft.com/office/drawing/2014/main" id="{42B9F49C-1534-4773-B16A-165158733045}"/>
-              </a:ext>
-            </a:extLst>
-          </p:cNvPr>
-          <p:cNvSpPr txBox="1">
-            <a:spLocks noChangeArrowheads="1"/>
-          </p:cNvSpPr>
-          <p:nvPr/>
-        </p:nvSpPr>
-        <p:spPr bwMode="auto">
-          <a:xfrm>
-            <a:off x="5360894" y="1584325"/>
-            <a:ext cx="1709738" cy="701675"/>
-          </a:xfrm>
-          <a:prstGeom prst="rect">
-            <a:avLst/>
-          </a:prstGeom>
-          <a:noFill/>
-          <a:ln>
-            <a:noFill/>
-          </a:ln>
-          <a:effectLst/>
-          <a:extLst>
-            <a:ext uri="{909E8E84-426E-40DD-AFC4-6F175D3DCCD1}">
-              <a14:hiddenFill xmlns:a14="http://schemas.microsoft.com/office/drawing/2010/main">
-                <a:solidFill>
-                  <a:schemeClr val="accent1"/>
-                </a:solidFill>
-              </a14:hiddenFill>
-            </a:ext>
-            <a:ext uri="{91240B29-F687-4F45-9708-019B960494DF}">
-              <a14:hiddenLine xmlns:a14="http://schemas.microsoft.com/office/drawing/2010/main" w="9525">
-                <a:solidFill>
-                  <a:schemeClr val="tx1"/>
-                </a:solidFill>
-                <a:miter lim="800000"/>
-                <a:headEnd/>
-                <a:tailEnd/>
-              </a14:hiddenLine>
-            </a:ext>
-            <a:ext uri="{AF507438-7753-43E0-B8FC-AC1667EBCBE1}">
-              <a14:hiddenEffects xmlns:a14="http://schemas.microsoft.com/office/drawing/2010/main">
-                <a:effectLst>
-                  <a:outerShdw dist="35921" dir="2700000" algn="ctr" rotWithShape="0">
-                    <a:schemeClr val="bg2"/>
-                  </a:outerShdw>
-                </a:effectLst>
-              </a14:hiddenEffects>
-            </a:ext>
-          </a:extLst>
-        </p:spPr>
-        <p:txBody>
-          <a:bodyPr wrap="none">
-            <a:spAutoFit/>
-          </a:bodyPr>
-          <a:lstStyle/>
-          <a:p>
-            <a:r>
-              <a:rPr lang="en-US" altLang="en-US" sz="2000" dirty="0">
-                <a:solidFill>
-                  <a:srgbClr val="FF0000"/>
-                </a:solidFill>
-                <a:latin typeface="Comic Sans MS" panose="030F0702030302020204" pitchFamily="66" charset="0"/>
-              </a:rPr>
-              <a:t>earliest, </a:t>
-            </a:r>
-            <a:br>
-              <a:rPr lang="en-US" altLang="en-US" sz="2000" dirty="0">
-                <a:solidFill>
-                  <a:srgbClr val="FF0000"/>
-                </a:solidFill>
-                <a:latin typeface="Comic Sans MS" panose="030F0702030302020204" pitchFamily="66" charset="0"/>
-              </a:rPr>
-            </a:br>
-            <a:r>
-              <a:rPr lang="en-US" altLang="en-US" sz="2000" dirty="0">
-                <a:solidFill>
-                  <a:srgbClr val="FF0000"/>
-                </a:solidFill>
-                <a:latin typeface="Comic Sans MS" panose="030F0702030302020204" pitchFamily="66" charset="0"/>
-              </a:rPr>
-              <a:t>now obsolete</a:t>
-            </a:r>
-          </a:p>
-        </p:txBody>
-      </p:sp>
-      <p:sp>
-        <p:nvSpPr>
-          <p:cNvPr id="6" name="Line 7">
-            <a:extLst>
-              <a:ext uri="{FF2B5EF4-FFF2-40B4-BE49-F238E27FC236}">
-                <a16:creationId xmlns:a16="http://schemas.microsoft.com/office/drawing/2014/main" id="{D09FD04E-FDA0-4737-BAA7-336B2345C645}"/>
-              </a:ext>
-            </a:extLst>
-          </p:cNvPr>
-          <p:cNvSpPr>
-            <a:spLocks noChangeShapeType="1"/>
-          </p:cNvSpPr>
-          <p:nvPr/>
-        </p:nvSpPr>
-        <p:spPr bwMode="auto">
-          <a:xfrm>
-            <a:off x="4932550" y="2613212"/>
-            <a:ext cx="457200" cy="0"/>
-          </a:xfrm>
-          <a:prstGeom prst="line">
-            <a:avLst/>
-          </a:prstGeom>
-          <a:noFill/>
-          <a:ln w="38100">
-            <a:solidFill>
-              <a:srgbClr val="FF0000"/>
-            </a:solidFill>
-            <a:round/>
-            <a:headEnd/>
-            <a:tailEnd type="triangle" w="med" len="med"/>
-          </a:ln>
-          <a:effectLst/>
-          <a:extLst>
-            <a:ext uri="{909E8E84-426E-40DD-AFC4-6F175D3DCCD1}">
-              <a14:hiddenFill xmlns:a14="http://schemas.microsoft.com/office/drawing/2010/main">
-                <a:noFill/>
-              </a14:hiddenFill>
-            </a:ext>
-            <a:ext uri="{AF507438-7753-43E0-B8FC-AC1667EBCBE1}">
-              <a14:hiddenEffects xmlns:a14="http://schemas.microsoft.com/office/drawing/2010/main">
-                <a:effectLst>
-                  <a:outerShdw dist="35921" dir="2700000" algn="ctr" rotWithShape="0">
-                    <a:schemeClr val="bg2"/>
-                  </a:outerShdw>
-                </a:effectLst>
-              </a14:hiddenEffects>
-            </a:ext>
-          </a:extLst>
-        </p:spPr>
-        <p:txBody>
-          <a:bodyPr/>
-          <a:lstStyle/>
-          <a:p>
-            <a:endParaRPr lang="en-US">
-              <a:solidFill>
-                <a:srgbClr val="FF0000"/>
-              </a:solidFill>
-            </a:endParaRPr>
-          </a:p>
-        </p:txBody>
-      </p:sp>
-      <p:sp>
-        <p:nvSpPr>
-          <p:cNvPr id="7" name="Text Box 9">
-            <a:extLst>
-              <a:ext uri="{FF2B5EF4-FFF2-40B4-BE49-F238E27FC236}">
-                <a16:creationId xmlns:a16="http://schemas.microsoft.com/office/drawing/2014/main" id="{BD4C0E5D-87DC-4BE4-AD0D-42F2FD3FCEF8}"/>
-              </a:ext>
-            </a:extLst>
-          </p:cNvPr>
-          <p:cNvSpPr txBox="1">
-            <a:spLocks noChangeArrowheads="1"/>
-          </p:cNvSpPr>
-          <p:nvPr/>
-        </p:nvSpPr>
-        <p:spPr bwMode="auto">
-          <a:xfrm>
-            <a:off x="5356412" y="2384612"/>
-            <a:ext cx="1709738" cy="396875"/>
-          </a:xfrm>
-          <a:prstGeom prst="rect">
-            <a:avLst/>
-          </a:prstGeom>
-          <a:noFill/>
-          <a:ln>
-            <a:noFill/>
-          </a:ln>
-          <a:effectLst/>
-          <a:extLst>
-            <a:ext uri="{909E8E84-426E-40DD-AFC4-6F175D3DCCD1}">
-              <a14:hiddenFill xmlns:a14="http://schemas.microsoft.com/office/drawing/2010/main">
-                <a:solidFill>
-                  <a:schemeClr val="accent1"/>
-                </a:solidFill>
-              </a14:hiddenFill>
-            </a:ext>
-            <a:ext uri="{91240B29-F687-4F45-9708-019B960494DF}">
-              <a14:hiddenLine xmlns:a14="http://schemas.microsoft.com/office/drawing/2010/main" w="9525">
-                <a:solidFill>
-                  <a:schemeClr val="tx1"/>
-                </a:solidFill>
-                <a:miter lim="800000"/>
-                <a:headEnd/>
-                <a:tailEnd/>
-              </a14:hiddenLine>
-            </a:ext>
-            <a:ext uri="{AF507438-7753-43E0-B8FC-AC1667EBCBE1}">
-              <a14:hiddenEffects xmlns:a14="http://schemas.microsoft.com/office/drawing/2010/main">
-                <a:effectLst>
-                  <a:outerShdw dist="35921" dir="2700000" algn="ctr" rotWithShape="0">
-                    <a:schemeClr val="bg2"/>
-                  </a:outerShdw>
-                </a:effectLst>
-              </a14:hiddenEffects>
-            </a:ext>
-          </a:extLst>
-        </p:spPr>
-        <p:txBody>
-          <a:bodyPr>
-            <a:spAutoFit/>
-          </a:bodyPr>
-          <a:lstStyle/>
-          <a:p>
-            <a:r>
-              <a:rPr lang="en-US" altLang="en-US" sz="2000" dirty="0">
-                <a:solidFill>
-                  <a:srgbClr val="FF0000"/>
-                </a:solidFill>
-                <a:latin typeface="Comic Sans MS" panose="030F0702030302020204" pitchFamily="66" charset="0"/>
-              </a:rPr>
-              <a:t>widely used</a:t>
-            </a:r>
-          </a:p>
-        </p:txBody>
-      </p:sp>
-      <p:sp>
-        <p:nvSpPr>
-          <p:cNvPr id="8" name="Text Box 6">
-            <a:extLst>
-              <a:ext uri="{FF2B5EF4-FFF2-40B4-BE49-F238E27FC236}">
-                <a16:creationId xmlns:a16="http://schemas.microsoft.com/office/drawing/2014/main" id="{28D7D102-7E84-4A4A-B214-E22720B09200}"/>
-              </a:ext>
-            </a:extLst>
-          </p:cNvPr>
-          <p:cNvSpPr txBox="1">
-            <a:spLocks noChangeArrowheads="1"/>
-          </p:cNvSpPr>
-          <p:nvPr/>
-        </p:nvSpPr>
-        <p:spPr bwMode="auto">
-          <a:xfrm>
-            <a:off x="5356412" y="2895600"/>
-            <a:ext cx="2819400" cy="396875"/>
-          </a:xfrm>
-          <a:prstGeom prst="rect">
-            <a:avLst/>
-          </a:prstGeom>
-          <a:noFill/>
-          <a:ln>
-            <a:noFill/>
-          </a:ln>
-          <a:effectLst/>
-          <a:extLst>
-            <a:ext uri="{909E8E84-426E-40DD-AFC4-6F175D3DCCD1}">
-              <a14:hiddenFill xmlns:a14="http://schemas.microsoft.com/office/drawing/2010/main">
-                <a:solidFill>
-                  <a:schemeClr val="accent1"/>
-                </a:solidFill>
-              </a14:hiddenFill>
-            </a:ext>
-            <a:ext uri="{91240B29-F687-4F45-9708-019B960494DF}">
-              <a14:hiddenLine xmlns:a14="http://schemas.microsoft.com/office/drawing/2010/main" w="9525">
-                <a:solidFill>
-                  <a:schemeClr val="tx1"/>
-                </a:solidFill>
-                <a:miter lim="800000"/>
-                <a:headEnd/>
-                <a:tailEnd/>
-              </a14:hiddenLine>
-            </a:ext>
-            <a:ext uri="{AF507438-7753-43E0-B8FC-AC1667EBCBE1}">
-              <a14:hiddenEffects xmlns:a14="http://schemas.microsoft.com/office/drawing/2010/main">
-                <a:effectLst>
-                  <a:outerShdw dist="35921" dir="2700000" algn="ctr" rotWithShape="0">
-                    <a:schemeClr val="bg2"/>
-                  </a:outerShdw>
-                </a:effectLst>
-              </a14:hiddenEffects>
-            </a:ext>
-          </a:extLst>
-        </p:spPr>
-        <p:txBody>
-          <a:bodyPr>
-            <a:spAutoFit/>
-          </a:bodyPr>
-          <a:lstStyle/>
-          <a:p>
-            <a:r>
-              <a:rPr lang="en-US" altLang="en-US" sz="2000" dirty="0">
-                <a:solidFill>
-                  <a:srgbClr val="FF0000"/>
-                </a:solidFill>
-                <a:latin typeface="Comic Sans MS" panose="030F0702030302020204" pitchFamily="66" charset="0"/>
-              </a:rPr>
-              <a:t>high-speed operation</a:t>
-            </a:r>
-          </a:p>
-        </p:txBody>
-      </p:sp>
-      <p:sp>
-        <p:nvSpPr>
-          <p:cNvPr id="9" name="Line 8">
-            <a:extLst>
-              <a:ext uri="{FF2B5EF4-FFF2-40B4-BE49-F238E27FC236}">
-                <a16:creationId xmlns:a16="http://schemas.microsoft.com/office/drawing/2014/main" id="{AC969ADA-3D65-41AB-8ADD-3583DA535641}"/>
-              </a:ext>
-            </a:extLst>
-          </p:cNvPr>
-          <p:cNvSpPr>
-            <a:spLocks noChangeShapeType="1"/>
-          </p:cNvSpPr>
-          <p:nvPr/>
-        </p:nvSpPr>
-        <p:spPr bwMode="auto">
-          <a:xfrm>
-            <a:off x="4899212" y="3097307"/>
-            <a:ext cx="457200" cy="0"/>
-          </a:xfrm>
-          <a:prstGeom prst="line">
-            <a:avLst/>
-          </a:prstGeom>
-          <a:noFill/>
-          <a:ln w="38100">
-            <a:solidFill>
-              <a:srgbClr val="FF0000"/>
-            </a:solidFill>
-            <a:round/>
-            <a:headEnd/>
-            <a:tailEnd type="triangle" w="med" len="med"/>
-          </a:ln>
-          <a:effectLst/>
-          <a:extLst>
-            <a:ext uri="{909E8E84-426E-40DD-AFC4-6F175D3DCCD1}">
-              <a14:hiddenFill xmlns:a14="http://schemas.microsoft.com/office/drawing/2010/main">
-                <a:noFill/>
-              </a14:hiddenFill>
-            </a:ext>
-            <a:ext uri="{AF507438-7753-43E0-B8FC-AC1667EBCBE1}">
-              <a14:hiddenEffects xmlns:a14="http://schemas.microsoft.com/office/drawing/2010/main">
-                <a:effectLst>
-                  <a:outerShdw dist="35921" dir="2700000" algn="ctr" rotWithShape="0">
-                    <a:schemeClr val="bg2"/>
-                  </a:outerShdw>
-                </a:effectLst>
-              </a14:hiddenEffects>
-            </a:ext>
-          </a:extLst>
-        </p:spPr>
-        <p:txBody>
-          <a:bodyPr/>
-          <a:lstStyle/>
-          <a:p>
-            <a:endParaRPr lang="en-US">
-              <a:solidFill>
-                <a:srgbClr val="FF0000"/>
-              </a:solidFill>
-            </a:endParaRPr>
-          </a:p>
-        </p:txBody>
-      </p:sp>
-      <p:sp>
-        <p:nvSpPr>
-          <p:cNvPr id="10" name="Line 10">
-            <a:extLst>
-              <a:ext uri="{FF2B5EF4-FFF2-40B4-BE49-F238E27FC236}">
-                <a16:creationId xmlns:a16="http://schemas.microsoft.com/office/drawing/2014/main" id="{7A608543-9B15-4E57-8532-CB1C004F2E77}"/>
-              </a:ext>
-            </a:extLst>
-          </p:cNvPr>
-          <p:cNvSpPr>
-            <a:spLocks noChangeShapeType="1"/>
-          </p:cNvSpPr>
-          <p:nvPr/>
-        </p:nvSpPr>
-        <p:spPr bwMode="auto">
-          <a:xfrm>
-            <a:off x="4905655" y="3954462"/>
-            <a:ext cx="457200" cy="0"/>
-          </a:xfrm>
-          <a:prstGeom prst="line">
-            <a:avLst/>
-          </a:prstGeom>
-          <a:noFill/>
-          <a:ln w="38100">
-            <a:solidFill>
-              <a:srgbClr val="FF0000"/>
-            </a:solidFill>
-            <a:round/>
-            <a:headEnd/>
-            <a:tailEnd type="triangle" w="med" len="med"/>
-          </a:ln>
-          <a:effectLst/>
-          <a:extLst>
-            <a:ext uri="{909E8E84-426E-40DD-AFC4-6F175D3DCCD1}">
-              <a14:hiddenFill xmlns:a14="http://schemas.microsoft.com/office/drawing/2010/main">
-                <a:noFill/>
-              </a14:hiddenFill>
-            </a:ext>
-            <a:ext uri="{AF507438-7753-43E0-B8FC-AC1667EBCBE1}">
-              <a14:hiddenEffects xmlns:a14="http://schemas.microsoft.com/office/drawing/2010/main">
-                <a:effectLst>
-                  <a:outerShdw dist="35921" dir="2700000" algn="ctr" rotWithShape="0">
-                    <a:schemeClr val="bg2"/>
-                  </a:outerShdw>
-                </a:effectLst>
-              </a14:hiddenEffects>
-            </a:ext>
-          </a:extLst>
-        </p:spPr>
-        <p:txBody>
-          <a:bodyPr/>
-          <a:lstStyle/>
-          <a:p>
-            <a:endParaRPr lang="en-US">
-              <a:solidFill>
-                <a:srgbClr val="FF0000"/>
-              </a:solidFill>
-            </a:endParaRPr>
-          </a:p>
-        </p:txBody>
-      </p:sp>
-      <p:sp>
-        <p:nvSpPr>
-          <p:cNvPr id="11" name="Text Box 11">
-            <a:extLst>
-              <a:ext uri="{FF2B5EF4-FFF2-40B4-BE49-F238E27FC236}">
-                <a16:creationId xmlns:a16="http://schemas.microsoft.com/office/drawing/2014/main" id="{822E9175-D87C-44E4-B450-B72AB79831FA}"/>
-              </a:ext>
-            </a:extLst>
-          </p:cNvPr>
-          <p:cNvSpPr txBox="1">
-            <a:spLocks noChangeArrowheads="1"/>
-          </p:cNvSpPr>
-          <p:nvPr/>
-        </p:nvSpPr>
-        <p:spPr bwMode="auto">
-          <a:xfrm>
-            <a:off x="5329518" y="3725862"/>
-            <a:ext cx="1633537" cy="396875"/>
-          </a:xfrm>
-          <a:prstGeom prst="rect">
-            <a:avLst/>
-          </a:prstGeom>
-          <a:noFill/>
-          <a:ln>
-            <a:noFill/>
-          </a:ln>
-          <a:effectLst/>
-          <a:extLst>
-            <a:ext uri="{909E8E84-426E-40DD-AFC4-6F175D3DCCD1}">
-              <a14:hiddenFill xmlns:a14="http://schemas.microsoft.com/office/drawing/2010/main">
-                <a:solidFill>
-                  <a:schemeClr val="accent1"/>
-                </a:solidFill>
-              </a14:hiddenFill>
-            </a:ext>
-            <a:ext uri="{91240B29-F687-4F45-9708-019B960494DF}">
-              <a14:hiddenLine xmlns:a14="http://schemas.microsoft.com/office/drawing/2010/main" w="9525">
-                <a:solidFill>
-                  <a:schemeClr val="tx1"/>
-                </a:solidFill>
-                <a:miter lim="800000"/>
-                <a:headEnd/>
-                <a:tailEnd/>
-              </a14:hiddenLine>
-            </a:ext>
-            <a:ext uri="{AF507438-7753-43E0-B8FC-AC1667EBCBE1}">
-              <a14:hiddenEffects xmlns:a14="http://schemas.microsoft.com/office/drawing/2010/main">
-                <a:effectLst>
-                  <a:outerShdw dist="35921" dir="2700000" algn="ctr" rotWithShape="0">
-                    <a:schemeClr val="bg2"/>
-                  </a:outerShdw>
-                </a:effectLst>
-              </a14:hiddenEffects>
-            </a:ext>
-          </a:extLst>
-        </p:spPr>
-        <p:txBody>
-          <a:bodyPr>
-            <a:spAutoFit/>
-          </a:bodyPr>
-          <a:lstStyle/>
-          <a:p>
-            <a:r>
-              <a:rPr lang="en-US" altLang="en-US" sz="2000" dirty="0">
-                <a:solidFill>
-                  <a:srgbClr val="FF0000"/>
-                </a:solidFill>
-                <a:latin typeface="Comic Sans MS" panose="030F0702030302020204" pitchFamily="66" charset="0"/>
-              </a:rPr>
-              <a:t>compact</a:t>
-            </a:r>
-          </a:p>
-        </p:txBody>
-      </p:sp>
-      <p:sp>
-        <p:nvSpPr>
-          <p:cNvPr id="12" name="Text Box 12">
-            <a:extLst>
-              <a:ext uri="{FF2B5EF4-FFF2-40B4-BE49-F238E27FC236}">
-                <a16:creationId xmlns:a16="http://schemas.microsoft.com/office/drawing/2014/main" id="{D5E5069F-9CDD-458F-A9CF-23257532F912}"/>
-              </a:ext>
-            </a:extLst>
-          </p:cNvPr>
-          <p:cNvSpPr txBox="1">
-            <a:spLocks noChangeArrowheads="1"/>
-          </p:cNvSpPr>
-          <p:nvPr/>
-        </p:nvSpPr>
-        <p:spPr bwMode="auto">
-          <a:xfrm>
-            <a:off x="5383306" y="5364163"/>
-            <a:ext cx="3733800" cy="396875"/>
-          </a:xfrm>
-          <a:prstGeom prst="rect">
-            <a:avLst/>
-          </a:prstGeom>
-          <a:noFill/>
-          <a:ln>
-            <a:noFill/>
-          </a:ln>
-          <a:effectLst/>
-          <a:extLst>
-            <a:ext uri="{909E8E84-426E-40DD-AFC4-6F175D3DCCD1}">
-              <a14:hiddenFill xmlns:a14="http://schemas.microsoft.com/office/drawing/2010/main">
-                <a:solidFill>
-                  <a:schemeClr val="accent1"/>
-                </a:solidFill>
-              </a14:hiddenFill>
-            </a:ext>
-            <a:ext uri="{91240B29-F687-4F45-9708-019B960494DF}">
-              <a14:hiddenLine xmlns:a14="http://schemas.microsoft.com/office/drawing/2010/main" w="9525">
-                <a:solidFill>
-                  <a:schemeClr val="tx1"/>
-                </a:solidFill>
-                <a:miter lim="800000"/>
-                <a:headEnd/>
-                <a:tailEnd/>
-              </a14:hiddenLine>
-            </a:ext>
-            <a:ext uri="{AF507438-7753-43E0-B8FC-AC1667EBCBE1}">
-              <a14:hiddenEffects xmlns:a14="http://schemas.microsoft.com/office/drawing/2010/main">
-                <a:effectLst>
-                  <a:outerShdw dist="35921" dir="2700000" algn="ctr" rotWithShape="0">
-                    <a:schemeClr val="bg2"/>
-                  </a:outerShdw>
-                </a:effectLst>
-              </a14:hiddenEffects>
-            </a:ext>
-          </a:extLst>
-        </p:spPr>
-        <p:txBody>
-          <a:bodyPr>
-            <a:spAutoFit/>
-          </a:bodyPr>
-          <a:lstStyle/>
-          <a:p>
-            <a:r>
-              <a:rPr lang="en-US" altLang="en-US" sz="2000" dirty="0">
-                <a:solidFill>
-                  <a:srgbClr val="FF0000"/>
-                </a:solidFill>
-                <a:latin typeface="Comic Sans MS" panose="030F0702030302020204" pitchFamily="66" charset="0"/>
-              </a:rPr>
-              <a:t>very high-speed operation</a:t>
-            </a:r>
-          </a:p>
-        </p:txBody>
-      </p:sp>
-      <p:sp>
-        <p:nvSpPr>
-          <p:cNvPr id="13" name="Line 13">
-            <a:extLst>
-              <a:ext uri="{FF2B5EF4-FFF2-40B4-BE49-F238E27FC236}">
-                <a16:creationId xmlns:a16="http://schemas.microsoft.com/office/drawing/2014/main" id="{35173AC8-016E-416A-95D8-D19860981138}"/>
-              </a:ext>
-            </a:extLst>
-          </p:cNvPr>
-          <p:cNvSpPr>
-            <a:spLocks noChangeShapeType="1"/>
-          </p:cNvSpPr>
-          <p:nvPr/>
-        </p:nvSpPr>
-        <p:spPr bwMode="auto">
-          <a:xfrm>
-            <a:off x="4899212" y="5578103"/>
-            <a:ext cx="457200" cy="15875"/>
-          </a:xfrm>
-          <a:prstGeom prst="line">
-            <a:avLst/>
-          </a:prstGeom>
-          <a:noFill/>
-          <a:ln w="38100">
-            <a:solidFill>
-              <a:srgbClr val="FF0000"/>
-            </a:solidFill>
-            <a:round/>
-            <a:headEnd/>
-            <a:tailEnd type="triangle" w="med" len="med"/>
-          </a:ln>
-          <a:effectLst/>
-          <a:extLst>
-            <a:ext uri="{909E8E84-426E-40DD-AFC4-6F175D3DCCD1}">
-              <a14:hiddenFill xmlns:a14="http://schemas.microsoft.com/office/drawing/2010/main">
-                <a:noFill/>
-              </a14:hiddenFill>
-            </a:ext>
-            <a:ext uri="{AF507438-7753-43E0-B8FC-AC1667EBCBE1}">
-              <a14:hiddenEffects xmlns:a14="http://schemas.microsoft.com/office/drawing/2010/main">
-                <a:effectLst>
-                  <a:outerShdw dist="35921" dir="2700000" algn="ctr" rotWithShape="0">
-                    <a:schemeClr val="bg2"/>
-                  </a:outerShdw>
-                </a:effectLst>
-              </a14:hiddenEffects>
-            </a:ext>
-          </a:extLst>
-        </p:spPr>
-        <p:txBody>
-          <a:bodyPr/>
-          <a:lstStyle/>
-          <a:p>
-            <a:endParaRPr lang="en-US"/>
-          </a:p>
-        </p:txBody>
-      </p:sp>
-    </p:spTree>
-    <p:extLst>
-      <p:ext uri="{BB962C8B-B14F-4D97-AF65-F5344CB8AC3E}">
-        <p14:creationId xmlns:p14="http://schemas.microsoft.com/office/powerpoint/2010/main" val="3017983622"/>
-      </p:ext>
-    </p:extLst>
-  </p:cSld>
-  <p:clrMapOvr>
-    <a:masterClrMapping/>
-  </p:clrMapOvr>
-  <p:timing>
-    <p:tnLst>
-      <p:par>
-        <p:cTn id="1" dur="indefinite" restart="never" nodeType="tmRoot">
-          <p:childTnLst>
-            <p:seq concurrent="1" nextAc="seek">
-              <p:cTn id="2" dur="indefinite" nodeType="mainSeq">
-                <p:childTnLst>
-                  <p:par>
-                    <p:cTn id="3" fill="hold">
-                      <p:stCondLst>
-                        <p:cond delay="indefinite"/>
-                      </p:stCondLst>
-                      <p:childTnLst>
-                        <p:par>
-                          <p:cTn id="4" fill="hold">
-                            <p:stCondLst>
-                              <p:cond delay="0"/>
-                            </p:stCondLst>
-                            <p:childTnLst>
-                              <p:par>
-                                <p:cTn id="5" presetID="1" presetClass="entr" presetSubtype="0" fill="hold" grpId="0" nodeType="clickEffect">
-                                  <p:stCondLst>
-                                    <p:cond delay="0"/>
-                                  </p:stCondLst>
-                                  <p:childTnLst>
-                                    <p:set>
-                                      <p:cBhvr>
-                                        <p:cTn id="6" dur="1" fill="hold">
-                                          <p:stCondLst>
-                                            <p:cond delay="0"/>
-                                          </p:stCondLst>
-                                        </p:cTn>
-                                        <p:tgtEl>
-                                          <p:spTgt spid="5"/>
-                                        </p:tgtEl>
-                                        <p:attrNameLst>
-                                          <p:attrName>style.visibility</p:attrName>
-                                        </p:attrNameLst>
-                                      </p:cBhvr>
-                                      <p:to>
-                                        <p:strVal val="visible"/>
-                                      </p:to>
-                                    </p:set>
-                                  </p:childTnLst>
-                                </p:cTn>
-                              </p:par>
-                              <p:par>
-                                <p:cTn id="7" presetID="1" presetClass="entr" presetSubtype="0" fill="hold" grpId="0" nodeType="withEffect">
-                                  <p:stCondLst>
-                                    <p:cond delay="0"/>
-                                  </p:stCondLst>
-                                  <p:childTnLst>
-                                    <p:set>
-                                      <p:cBhvr>
-                                        <p:cTn id="8" dur="1" fill="hold">
-                                          <p:stCondLst>
-                                            <p:cond delay="0"/>
-                                          </p:stCondLst>
-                                        </p:cTn>
-                                        <p:tgtEl>
-                                          <p:spTgt spid="4"/>
-                                        </p:tgtEl>
-                                        <p:attrNameLst>
-                                          <p:attrName>style.visibility</p:attrName>
-                                        </p:attrNameLst>
-                                      </p:cBhvr>
-                                      <p:to>
-                                        <p:strVal val="visible"/>
-                                      </p:to>
-                                    </p:set>
-                                  </p:childTnLst>
-                                </p:cTn>
-                              </p:par>
-                            </p:childTnLst>
-                          </p:cTn>
-                        </p:par>
-                      </p:childTnLst>
-                    </p:cTn>
-                  </p:par>
-                  <p:par>
-                    <p:cTn id="9" fill="hold">
-                      <p:stCondLst>
-                        <p:cond delay="indefinite"/>
-                      </p:stCondLst>
-                      <p:childTnLst>
-                        <p:par>
-                          <p:cTn id="10" fill="hold">
-                            <p:stCondLst>
-                              <p:cond delay="0"/>
-                            </p:stCondLst>
-                            <p:childTnLst>
-                              <p:par>
-                                <p:cTn id="11" presetID="1" presetClass="entr" presetSubtype="0" fill="hold" grpId="0" nodeType="clickEffect">
-                                  <p:stCondLst>
-                                    <p:cond delay="0"/>
-                                  </p:stCondLst>
-                                  <p:childTnLst>
-                                    <p:set>
-                                      <p:cBhvr>
-                                        <p:cTn id="12" dur="1" fill="hold">
-                                          <p:stCondLst>
-                                            <p:cond delay="0"/>
-                                          </p:stCondLst>
-                                        </p:cTn>
-                                        <p:tgtEl>
-                                          <p:spTgt spid="7"/>
-                                        </p:tgtEl>
-                                        <p:attrNameLst>
-                                          <p:attrName>style.visibility</p:attrName>
-                                        </p:attrNameLst>
-                                      </p:cBhvr>
-                                      <p:to>
-                                        <p:strVal val="visible"/>
-                                      </p:to>
-                                    </p:set>
-                                  </p:childTnLst>
-                                </p:cTn>
-                              </p:par>
-                              <p:par>
-                                <p:cTn id="13" presetID="1" presetClass="entr" presetSubtype="0" fill="hold" grpId="0" nodeType="withEffect">
-                                  <p:stCondLst>
-                                    <p:cond delay="0"/>
-                                  </p:stCondLst>
-                                  <p:childTnLst>
-                                    <p:set>
-                                      <p:cBhvr>
-                                        <p:cTn id="14" dur="1" fill="hold">
-                                          <p:stCondLst>
-                                            <p:cond delay="0"/>
-                                          </p:stCondLst>
-                                        </p:cTn>
-                                        <p:tgtEl>
-                                          <p:spTgt spid="6"/>
-                                        </p:tgtEl>
-                                        <p:attrNameLst>
-                                          <p:attrName>style.visibility</p:attrName>
-                                        </p:attrNameLst>
-                                      </p:cBhvr>
-                                      <p:to>
-                                        <p:strVal val="visible"/>
-                                      </p:to>
-                                    </p:set>
-                                  </p:childTnLst>
-                                </p:cTn>
-                              </p:par>
-                            </p:childTnLst>
-                          </p:cTn>
-                        </p:par>
-                      </p:childTnLst>
-                    </p:cTn>
-                  </p:par>
-                  <p:par>
-                    <p:cTn id="15" fill="hold">
-                      <p:stCondLst>
-                        <p:cond delay="indefinite"/>
-                      </p:stCondLst>
-                      <p:childTnLst>
-                        <p:par>
-                          <p:cTn id="16" fill="hold">
-                            <p:stCondLst>
-                              <p:cond delay="0"/>
-                            </p:stCondLst>
-                            <p:childTnLst>
-                              <p:par>
-                                <p:cTn id="17" presetID="1" presetClass="entr" presetSubtype="0" fill="hold" grpId="0" nodeType="clickEffect">
-                                  <p:stCondLst>
-                                    <p:cond delay="0"/>
-                                  </p:stCondLst>
-                                  <p:childTnLst>
-                                    <p:set>
-                                      <p:cBhvr>
-                                        <p:cTn id="18" dur="1" fill="hold">
-                                          <p:stCondLst>
-                                            <p:cond delay="0"/>
-                                          </p:stCondLst>
-                                        </p:cTn>
-                                        <p:tgtEl>
-                                          <p:spTgt spid="8"/>
-                                        </p:tgtEl>
-                                        <p:attrNameLst>
-                                          <p:attrName>style.visibility</p:attrName>
-                                        </p:attrNameLst>
-                                      </p:cBhvr>
-                                      <p:to>
-                                        <p:strVal val="visible"/>
-                                      </p:to>
-                                    </p:set>
-                                  </p:childTnLst>
-                                </p:cTn>
-                              </p:par>
-                              <p:par>
-                                <p:cTn id="19" presetID="1" presetClass="entr" presetSubtype="0" fill="hold" grpId="0" nodeType="withEffect">
-                                  <p:stCondLst>
-                                    <p:cond delay="0"/>
-                                  </p:stCondLst>
-                                  <p:childTnLst>
-                                    <p:set>
-                                      <p:cBhvr>
-                                        <p:cTn id="20" dur="1" fill="hold">
-                                          <p:stCondLst>
-                                            <p:cond delay="0"/>
-                                          </p:stCondLst>
-                                        </p:cTn>
-                                        <p:tgtEl>
-                                          <p:spTgt spid="9"/>
-                                        </p:tgtEl>
-                                        <p:attrNameLst>
-                                          <p:attrName>style.visibility</p:attrName>
-                                        </p:attrNameLst>
-                                      </p:cBhvr>
-                                      <p:to>
-                                        <p:strVal val="visible"/>
-                                      </p:to>
-                                    </p:set>
-                                  </p:childTnLst>
-                                </p:cTn>
-                              </p:par>
-                            </p:childTnLst>
-                          </p:cTn>
-                        </p:par>
-                      </p:childTnLst>
-                    </p:cTn>
-                  </p:par>
-                  <p:par>
-                    <p:cTn id="21" fill="hold">
-                      <p:stCondLst>
-                        <p:cond delay="indefinite"/>
-                      </p:stCondLst>
-                      <p:childTnLst>
-                        <p:par>
-                          <p:cTn id="22" fill="hold">
-                            <p:stCondLst>
-                              <p:cond delay="0"/>
-                            </p:stCondLst>
-                            <p:childTnLst>
-                              <p:par>
-                                <p:cTn id="23" presetID="1" presetClass="entr" presetSubtype="0" fill="hold" grpId="0" nodeType="clickEffect">
-                                  <p:stCondLst>
-                                    <p:cond delay="0"/>
-                                  </p:stCondLst>
-                                  <p:childTnLst>
-                                    <p:set>
-                                      <p:cBhvr>
-                                        <p:cTn id="24" dur="1" fill="hold">
-                                          <p:stCondLst>
-                                            <p:cond delay="0"/>
-                                          </p:stCondLst>
-                                        </p:cTn>
-                                        <p:tgtEl>
-                                          <p:spTgt spid="11"/>
-                                        </p:tgtEl>
-                                        <p:attrNameLst>
-                                          <p:attrName>style.visibility</p:attrName>
-                                        </p:attrNameLst>
-                                      </p:cBhvr>
-                                      <p:to>
-                                        <p:strVal val="visible"/>
-                                      </p:to>
-                                    </p:set>
-                                  </p:childTnLst>
-                                </p:cTn>
-                              </p:par>
-                              <p:par>
-                                <p:cTn id="25" presetID="1" presetClass="entr" presetSubtype="0" fill="hold" grpId="0" nodeType="withEffect">
-                                  <p:stCondLst>
-                                    <p:cond delay="0"/>
-                                  </p:stCondLst>
-                                  <p:childTnLst>
-                                    <p:set>
-                                      <p:cBhvr>
-                                        <p:cTn id="26" dur="1" fill="hold">
-                                          <p:stCondLst>
-                                            <p:cond delay="0"/>
-                                          </p:stCondLst>
-                                        </p:cTn>
-                                        <p:tgtEl>
-                                          <p:spTgt spid="10"/>
-                                        </p:tgtEl>
-                                        <p:attrNameLst>
-                                          <p:attrName>style.visibility</p:attrName>
-                                        </p:attrNameLst>
-                                      </p:cBhvr>
-                                      <p:to>
-                                        <p:strVal val="visible"/>
-                                      </p:to>
-                                    </p:set>
-                                  </p:childTnLst>
-                                </p:cTn>
-                              </p:par>
-                            </p:childTnLst>
-                          </p:cTn>
-                        </p:par>
-                      </p:childTnLst>
-                    </p:cTn>
-                  </p:par>
-                  <p:par>
-                    <p:cTn id="27" fill="hold">
-                      <p:stCondLst>
-                        <p:cond delay="indefinite"/>
-                      </p:stCondLst>
-                      <p:childTnLst>
-                        <p:par>
-                          <p:cTn id="28" fill="hold">
-                            <p:stCondLst>
-                              <p:cond delay="0"/>
-                            </p:stCondLst>
-                            <p:childTnLst>
-                              <p:par>
-                                <p:cTn id="29" presetID="1" presetClass="entr" presetSubtype="0" fill="hold" grpId="0" nodeType="clickEffect">
-                                  <p:stCondLst>
-                                    <p:cond delay="0"/>
-                                  </p:stCondLst>
-                                  <p:childTnLst>
-                                    <p:set>
-                                      <p:cBhvr>
-                                        <p:cTn id="30" dur="1" fill="hold">
-                                          <p:stCondLst>
-                                            <p:cond delay="0"/>
-                                          </p:stCondLst>
-                                        </p:cTn>
-                                        <p:tgtEl>
-                                          <p:spTgt spid="12"/>
-                                        </p:tgtEl>
-                                        <p:attrNameLst>
-                                          <p:attrName>style.visibility</p:attrName>
-                                        </p:attrNameLst>
-                                      </p:cBhvr>
-                                      <p:to>
-                                        <p:strVal val="visible"/>
-                                      </p:to>
-                                    </p:set>
-                                  </p:childTnLst>
-                                </p:cTn>
-                              </p:par>
-                              <p:par>
-                                <p:cTn id="31" presetID="1" presetClass="entr" presetSubtype="0" fill="hold" grpId="0" nodeType="withEffect">
-                                  <p:stCondLst>
-                                    <p:cond delay="0"/>
-                                  </p:stCondLst>
-                                  <p:childTnLst>
-                                    <p:set>
-                                      <p:cBhvr>
-                                        <p:cTn id="32" dur="1" fill="hold">
-                                          <p:stCondLst>
-                                            <p:cond delay="0"/>
-                                          </p:stCondLst>
-                                        </p:cTn>
-                                        <p:tgtEl>
-                                          <p:spTgt spid="13"/>
-                                        </p:tgtEl>
-                                        <p:attrNameLst>
-                                          <p:attrName>style.visibility</p:attrName>
-                                        </p:attrNameLst>
-                                      </p:cBhvr>
-                                      <p:to>
-                                        <p:strVal val="visible"/>
-                                      </p:to>
-                                    </p:set>
-                                  </p:childTnLst>
-                                </p:cTn>
-                              </p:par>
-                            </p:childTnLst>
-                          </p:cTn>
-                        </p:par>
-                      </p:childTnLst>
-                    </p:cTn>
-                  </p:par>
-                </p:childTnLst>
-              </p:cTn>
-              <p:prevCondLst>
-                <p:cond evt="onPrev" delay="0">
-                  <p:tgtEl>
-                    <p:sldTgt/>
-                  </p:tgtEl>
-                </p:cond>
-              </p:prevCondLst>
-              <p:nextCondLst>
-                <p:cond evt="onNext" delay="0">
-                  <p:tgtEl>
-                    <p:sldTgt/>
-                  </p:tgtEl>
-                </p:cond>
-              </p:nextCondLst>
-            </p:seq>
-          </p:childTnLst>
-        </p:cTn>
-      </p:par>
-    </p:tnLst>
-    <p:bldLst>
-      <p:bldP spid="4" grpId="0" animBg="1"/>
-      <p:bldP spid="5" grpId="0"/>
-      <p:bldP spid="6" grpId="0" animBg="1"/>
-      <p:bldP spid="7" grpId="0"/>
-      <p:bldP spid="8" grpId="0"/>
-      <p:bldP spid="9" grpId="0" animBg="1"/>
-      <p:bldP spid="10" grpId="0" animBg="1"/>
-      <p:bldP spid="11" grpId="0"/>
-      <p:bldP spid="12" grpId="0"/>
-      <p:bldP spid="13" grpId="0" animBg="1"/>
-    </p:bldLst>
-  </p:timing>
-</p:sld>
-</file>
-
-<file path=ppt/slides/slide4.xml><?xml version="1.0" encoding="utf-8"?>
-<p:sld xmlns:a="http://schemas.openxmlformats.org/drawingml/2006/main" xmlns:r="http://schemas.openxmlformats.org/officeDocument/2006/relationships" xmlns:p="http://schemas.openxmlformats.org/presentationml/2006/main">
-  <p:cSld>
-    <p:spTree>
-      <p:nvGrpSpPr>
-        <p:cNvPr id="1" name=""/>
-        <p:cNvGrpSpPr/>
-        <p:nvPr/>
-      </p:nvGrpSpPr>
-      <p:grpSpPr>
-        <a:xfrm>
-          <a:off x="0" y="0"/>
-          <a:ext cx="0" cy="0"/>
-          <a:chOff x="0" y="0"/>
-          <a:chExt cx="0" cy="0"/>
-        </a:xfrm>
-      </p:grpSpPr>
-      <p:sp>
-        <p:nvSpPr>
-          <p:cNvPr id="2" name="Content Placeholder 1">
-            <a:extLst>
-              <a:ext uri="{FF2B5EF4-FFF2-40B4-BE49-F238E27FC236}">
-                <a16:creationId xmlns:a16="http://schemas.microsoft.com/office/drawing/2014/main" id="{26A6A76B-19C0-40CA-A03B-3CAE836F354A}"/>
-              </a:ext>
-            </a:extLst>
-          </p:cNvPr>
-          <p:cNvSpPr>
-            <a:spLocks noGrp="1"/>
-          </p:cNvSpPr>
-          <p:nvPr>
-            <p:ph idx="1"/>
-          </p:nvPr>
-        </p:nvSpPr>
-        <p:spPr>
-          <a:xfrm>
-            <a:off x="304800" y="1493837"/>
-            <a:ext cx="8610600" cy="4525963"/>
-          </a:xfrm>
-        </p:spPr>
-        <p:txBody>
-          <a:bodyPr/>
-          <a:lstStyle/>
-          <a:p>
-            <a:pPr marL="342900" marR="0" lvl="0" indent="-342900" algn="l" defTabSz="914400" rtl="0" eaLnBrk="0" fontAlgn="base" latinLnBrk="0" hangingPunct="0">
-              <a:lnSpc>
-                <a:spcPct val="100000"/>
-              </a:lnSpc>
-              <a:spcBef>
-                <a:spcPct val="20000"/>
-              </a:spcBef>
-              <a:spcAft>
-                <a:spcPct val="0"/>
-              </a:spcAft>
-              <a:buClrTx/>
-              <a:buSzTx/>
-              <a:buFontTx/>
-              <a:buChar char="•"/>
-              <a:tabLst/>
-              <a:defRPr/>
-            </a:pPr>
-            <a:r>
-              <a:rPr kumimoji="0" lang="en-US" altLang="en-US" sz="2800" b="0" i="0" u="none" strike="noStrike" kern="1200" cap="none" spc="0" normalizeH="0" baseline="0" noProof="0" dirty="0">
-                <a:ln>
-                  <a:noFill/>
-                </a:ln>
-                <a:effectLst/>
-                <a:uLnTx/>
-                <a:uFillTx/>
-                <a:ea typeface="+mn-ea"/>
-                <a:cs typeface="+mn-cs"/>
-              </a:rPr>
-              <a:t>Fan-in: # of gate inputs.</a:t>
-            </a:r>
-          </a:p>
-          <a:p>
-            <a:pPr marL="342900" marR="0" lvl="0" indent="-342900" algn="l" defTabSz="914400" rtl="0" eaLnBrk="0" fontAlgn="base" latinLnBrk="0" hangingPunct="0">
-              <a:lnSpc>
-                <a:spcPct val="100000"/>
-              </a:lnSpc>
-              <a:spcBef>
-                <a:spcPct val="20000"/>
-              </a:spcBef>
-              <a:spcAft>
-                <a:spcPct val="0"/>
-              </a:spcAft>
-              <a:buClrTx/>
-              <a:buSzTx/>
-              <a:buFontTx/>
-              <a:buChar char="•"/>
-              <a:tabLst/>
-              <a:defRPr/>
-            </a:pPr>
-            <a:r>
-              <a:rPr kumimoji="0" lang="en-US" altLang="en-US" sz="2800" b="0" i="0" u="none" strike="noStrike" kern="1200" cap="none" spc="0" normalizeH="0" baseline="0" noProof="0" dirty="0">
-                <a:ln>
-                  <a:noFill/>
-                </a:ln>
-                <a:effectLst/>
-                <a:uLnTx/>
-                <a:uFillTx/>
-                <a:ea typeface="+mn-ea"/>
-                <a:cs typeface="+mn-cs"/>
-              </a:rPr>
-              <a:t>Fan-out: # of standard loads a gate’s output can drive.</a:t>
-            </a:r>
-          </a:p>
-          <a:p>
-            <a:pPr marL="342900" marR="0" lvl="0" indent="-342900" algn="l" defTabSz="914400" rtl="0" eaLnBrk="0" fontAlgn="base" latinLnBrk="0" hangingPunct="0">
-              <a:lnSpc>
-                <a:spcPct val="100000"/>
-              </a:lnSpc>
-              <a:spcBef>
-                <a:spcPct val="20000"/>
-              </a:spcBef>
-              <a:spcAft>
-                <a:spcPct val="0"/>
-              </a:spcAft>
-              <a:buClrTx/>
-              <a:buSzTx/>
-              <a:buFontTx/>
-              <a:buChar char="•"/>
-              <a:tabLst/>
-              <a:defRPr/>
-            </a:pPr>
-            <a:r>
-              <a:rPr kumimoji="0" lang="en-US" altLang="en-US" sz="2800" b="0" i="0" u="none" strike="noStrike" kern="1200" cap="none" spc="0" normalizeH="0" baseline="0" noProof="0" dirty="0">
-                <a:ln>
-                  <a:noFill/>
-                </a:ln>
-                <a:effectLst/>
-                <a:uLnTx/>
-                <a:uFillTx/>
-                <a:ea typeface="+mn-ea"/>
-                <a:cs typeface="+mn-cs"/>
-              </a:rPr>
-              <a:t>Noise margin: max external noise tolerated.</a:t>
-            </a:r>
-          </a:p>
-          <a:p>
-            <a:pPr marL="342900" marR="0" lvl="0" indent="-342900" algn="l" defTabSz="914400" rtl="0" eaLnBrk="0" fontAlgn="base" latinLnBrk="0" hangingPunct="0">
-              <a:lnSpc>
-                <a:spcPct val="100000"/>
-              </a:lnSpc>
-              <a:spcBef>
-                <a:spcPct val="20000"/>
-              </a:spcBef>
-              <a:spcAft>
-                <a:spcPct val="0"/>
-              </a:spcAft>
-              <a:buClrTx/>
-              <a:buSzTx/>
-              <a:buFontTx/>
-              <a:buChar char="•"/>
-              <a:tabLst/>
-              <a:defRPr/>
-            </a:pPr>
-            <a:r>
-              <a:rPr kumimoji="0" lang="en-US" altLang="en-US" sz="2800" b="0" i="0" u="none" strike="noStrike" kern="1200" cap="none" spc="0" normalizeH="0" baseline="0" noProof="0" dirty="0">
-                <a:ln>
-                  <a:noFill/>
-                </a:ln>
-                <a:effectLst/>
-                <a:uLnTx/>
-                <a:uFillTx/>
-                <a:ea typeface="+mn-ea"/>
-                <a:cs typeface="+mn-cs"/>
-              </a:rPr>
-              <a:t>Power dissipation: power consumed by the gate (dissipated as heat).</a:t>
-            </a:r>
-          </a:p>
-          <a:p>
-            <a:pPr marL="342900" marR="0" lvl="0" indent="-342900" algn="l" defTabSz="914400" rtl="0" eaLnBrk="0" fontAlgn="base" latinLnBrk="0" hangingPunct="0">
-              <a:lnSpc>
-                <a:spcPct val="100000"/>
-              </a:lnSpc>
-              <a:spcBef>
-                <a:spcPct val="20000"/>
-              </a:spcBef>
-              <a:spcAft>
-                <a:spcPct val="0"/>
-              </a:spcAft>
-              <a:buClrTx/>
-              <a:buSzTx/>
-              <a:buFontTx/>
-              <a:buChar char="•"/>
-              <a:tabLst/>
-              <a:defRPr/>
-            </a:pPr>
-            <a:r>
-              <a:rPr kumimoji="0" lang="en-US" altLang="en-US" sz="2800" b="0" i="0" u="none" strike="noStrike" kern="1200" cap="none" spc="0" normalizeH="0" baseline="0" noProof="0" dirty="0">
-                <a:ln>
-                  <a:noFill/>
-                </a:ln>
-                <a:effectLst/>
-                <a:uLnTx/>
-                <a:uFillTx/>
-                <a:ea typeface="+mn-ea"/>
-                <a:cs typeface="+mn-cs"/>
-              </a:rPr>
-              <a:t>Propagation delay: </a:t>
-            </a:r>
-            <a:r>
-              <a:rPr kumimoji="0" lang="en-US" altLang="en-US" sz="3100" b="0" i="0" u="none" strike="noStrike" kern="1200" cap="none" spc="0" normalizeH="0" baseline="0" noProof="0" dirty="0">
-                <a:ln>
-                  <a:noFill/>
-                </a:ln>
-                <a:effectLst/>
-                <a:uLnTx/>
-                <a:uFillTx/>
-                <a:ea typeface="+mn-ea"/>
-                <a:cs typeface="+mn-cs"/>
-              </a:rPr>
-              <a:t>time required for an input signal change to be observed at an output line.</a:t>
-            </a:r>
-          </a:p>
-        </p:txBody>
-      </p:sp>
-      <p:sp>
-        <p:nvSpPr>
-          <p:cNvPr id="3" name="Content Placeholder 2">
-            <a:extLst>
-              <a:ext uri="{FF2B5EF4-FFF2-40B4-BE49-F238E27FC236}">
-                <a16:creationId xmlns:a16="http://schemas.microsoft.com/office/drawing/2014/main" id="{27747D6D-57BF-4120-91E7-DFE26AD150D2}"/>
-              </a:ext>
-            </a:extLst>
-          </p:cNvPr>
-          <p:cNvSpPr>
-            <a:spLocks noGrp="1"/>
-          </p:cNvSpPr>
-          <p:nvPr>
-            <p:ph sz="quarter" idx="10"/>
-          </p:nvPr>
-        </p:nvSpPr>
-        <p:spPr/>
-        <p:txBody>
-          <a:bodyPr/>
-          <a:lstStyle/>
-          <a:p>
-            <a:r>
-              <a:rPr lang="en-US" dirty="0"/>
-              <a:t>Defining characteristics of logic families</a:t>
-            </a:r>
-          </a:p>
-        </p:txBody>
-      </p:sp>
-    </p:spTree>
-    <p:extLst>
-      <p:ext uri="{BB962C8B-B14F-4D97-AF65-F5344CB8AC3E}">
-        <p14:creationId xmlns:p14="http://schemas.microsoft.com/office/powerpoint/2010/main" val="1852505179"/>
-      </p:ext>
-    </p:extLst>
-  </p:cSld>
-  <p:clrMapOvr>
-    <a:masterClrMapping/>
-  </p:clrMapOvr>
-  <p:timing>
-    <p:tnLst>
-      <p:par>
-        <p:cTn id="1" dur="indefinite" restart="never" nodeType="tmRoot">
-          <p:childTnLst>
-            <p:seq concurrent="1" nextAc="seek">
-              <p:cTn id="2" dur="indefinite" nodeType="mainSeq">
-                <p:childTnLst>
-                  <p:par>
-                    <p:cTn id="3" fill="hold">
-                      <p:stCondLst>
-                        <p:cond delay="indefinite"/>
-                      </p:stCondLst>
-                      <p:childTnLst>
-                        <p:par>
-                          <p:cTn id="4" fill="hold">
-                            <p:stCondLst>
-                              <p:cond delay="0"/>
-                            </p:stCondLst>
-                            <p:childTnLst>
-                              <p:par>
-                                <p:cTn id="5" presetID="1" presetClass="entr" presetSubtype="0" fill="hold" grpId="0" nodeType="clickEffect">
-                                  <p:stCondLst>
-                                    <p:cond delay="0"/>
-                                  </p:stCondLst>
-                                  <p:childTnLst>
-                                    <p:set>
-                                      <p:cBhvr>
-                                        <p:cTn id="6" dur="1" fill="hold">
-                                          <p:stCondLst>
-                                            <p:cond delay="0"/>
-                                          </p:stCondLst>
-                                        </p:cTn>
-                                        <p:tgtEl>
-                                          <p:spTgt spid="2">
-                                            <p:txEl>
-                                              <p:pRg st="0" end="0"/>
-                                            </p:txEl>
-                                          </p:spTgt>
-                                        </p:tgtEl>
-                                        <p:attrNameLst>
-                                          <p:attrName>style.visibility</p:attrName>
-                                        </p:attrNameLst>
-                                      </p:cBhvr>
-                                      <p:to>
-                                        <p:strVal val="visible"/>
-                                      </p:to>
-                                    </p:set>
-                                  </p:childTnLst>
-                                </p:cTn>
-                              </p:par>
-                            </p:childTnLst>
-                          </p:cTn>
-                        </p:par>
-                      </p:childTnLst>
-                    </p:cTn>
-                  </p:par>
-                  <p:par>
-                    <p:cTn id="7" fill="hold">
-                      <p:stCondLst>
-                        <p:cond delay="indefinite"/>
-                      </p:stCondLst>
-                      <p:childTnLst>
-                        <p:par>
-                          <p:cTn id="8" fill="hold">
-                            <p:stCondLst>
-                              <p:cond delay="0"/>
-                            </p:stCondLst>
-                            <p:childTnLst>
-                              <p:par>
-                                <p:cTn id="9" presetID="1" presetClass="entr" presetSubtype="0" fill="hold" grpId="0" nodeType="clickEffect">
-                                  <p:stCondLst>
-                                    <p:cond delay="0"/>
-                                  </p:stCondLst>
-                                  <p:childTnLst>
-                                    <p:set>
-                                      <p:cBhvr>
-                                        <p:cTn id="10" dur="1" fill="hold">
-                                          <p:stCondLst>
-                                            <p:cond delay="0"/>
-                                          </p:stCondLst>
-                                        </p:cTn>
-                                        <p:tgtEl>
-                                          <p:spTgt spid="2">
-                                            <p:txEl>
-                                              <p:pRg st="1" end="1"/>
-                                            </p:txEl>
-                                          </p:spTgt>
-                                        </p:tgtEl>
-                                        <p:attrNameLst>
-                                          <p:attrName>style.visibility</p:attrName>
-                                        </p:attrNameLst>
-                                      </p:cBhvr>
-                                      <p:to>
-                                        <p:strVal val="visible"/>
-                                      </p:to>
-                                    </p:set>
-                                  </p:childTnLst>
-                                </p:cTn>
-                              </p:par>
-                            </p:childTnLst>
-                          </p:cTn>
-                        </p:par>
-                      </p:childTnLst>
-                    </p:cTn>
-                  </p:par>
-                  <p:par>
-                    <p:cTn id="11" fill="hold">
-                      <p:stCondLst>
-                        <p:cond delay="indefinite"/>
-                      </p:stCondLst>
-                      <p:childTnLst>
-                        <p:par>
-                          <p:cTn id="12" fill="hold">
-                            <p:stCondLst>
-                              <p:cond delay="0"/>
-                            </p:stCondLst>
-                            <p:childTnLst>
-                              <p:par>
-                                <p:cTn id="13" presetID="1" presetClass="entr" presetSubtype="0" fill="hold" grpId="0" nodeType="clickEffect">
-                                  <p:stCondLst>
-                                    <p:cond delay="0"/>
-                                  </p:stCondLst>
-                                  <p:childTnLst>
-                                    <p:set>
-                                      <p:cBhvr>
-                                        <p:cTn id="14" dur="1" fill="hold">
-                                          <p:stCondLst>
-                                            <p:cond delay="0"/>
-                                          </p:stCondLst>
-                                        </p:cTn>
-                                        <p:tgtEl>
-                                          <p:spTgt spid="2">
-                                            <p:txEl>
-                                              <p:pRg st="2" end="2"/>
-                                            </p:txEl>
-                                          </p:spTgt>
-                                        </p:tgtEl>
-                                        <p:attrNameLst>
-                                          <p:attrName>style.visibility</p:attrName>
-                                        </p:attrNameLst>
-                                      </p:cBhvr>
-                                      <p:to>
-                                        <p:strVal val="visible"/>
-                                      </p:to>
-                                    </p:set>
-                                  </p:childTnLst>
-                                </p:cTn>
-                              </p:par>
-                            </p:childTnLst>
-                          </p:cTn>
-                        </p:par>
-                      </p:childTnLst>
-                    </p:cTn>
-                  </p:par>
-                  <p:par>
-                    <p:cTn id="15" fill="hold">
-                      <p:stCondLst>
-                        <p:cond delay="indefinite"/>
-                      </p:stCondLst>
-                      <p:childTnLst>
-                        <p:par>
-                          <p:cTn id="16" fill="hold">
-                            <p:stCondLst>
-                              <p:cond delay="0"/>
-                            </p:stCondLst>
-                            <p:childTnLst>
-                              <p:par>
-                                <p:cTn id="17" presetID="1" presetClass="entr" presetSubtype="0" fill="hold" grpId="0" nodeType="clickEffect">
-                                  <p:stCondLst>
-                                    <p:cond delay="0"/>
-                                  </p:stCondLst>
-                                  <p:childTnLst>
-                                    <p:set>
-                                      <p:cBhvr>
-                                        <p:cTn id="18" dur="1" fill="hold">
-                                          <p:stCondLst>
-                                            <p:cond delay="0"/>
-                                          </p:stCondLst>
-                                        </p:cTn>
-                                        <p:tgtEl>
-                                          <p:spTgt spid="2">
-                                            <p:txEl>
-                                              <p:pRg st="3" end="3"/>
-                                            </p:txEl>
-                                          </p:spTgt>
-                                        </p:tgtEl>
-                                        <p:attrNameLst>
-                                          <p:attrName>style.visibility</p:attrName>
-                                        </p:attrNameLst>
-                                      </p:cBhvr>
-                                      <p:to>
-                                        <p:strVal val="visible"/>
-                                      </p:to>
-                                    </p:set>
-                                  </p:childTnLst>
-                                </p:cTn>
-                              </p:par>
-                            </p:childTnLst>
-                          </p:cTn>
-                        </p:par>
-                      </p:childTnLst>
-                    </p:cTn>
-                  </p:par>
-                  <p:par>
-                    <p:cTn id="19" fill="hold">
-                      <p:stCondLst>
-                        <p:cond delay="indefinite"/>
-                      </p:stCondLst>
-                      <p:childTnLst>
-                        <p:par>
-                          <p:cTn id="20" fill="hold">
-                            <p:stCondLst>
-                              <p:cond delay="0"/>
-                            </p:stCondLst>
-                            <p:childTnLst>
-                              <p:par>
-                                <p:cTn id="21" presetID="1" presetClass="entr" presetSubtype="0" fill="hold" grpId="0" nodeType="clickEffect">
-                                  <p:stCondLst>
-                                    <p:cond delay="0"/>
-                                  </p:stCondLst>
-                                  <p:childTnLst>
-                                    <p:set>
-                                      <p:cBhvr>
-                                        <p:cTn id="22" dur="1" fill="hold">
-                                          <p:stCondLst>
-                                            <p:cond delay="0"/>
-                                          </p:stCondLst>
-                                        </p:cTn>
-                                        <p:tgtEl>
-                                          <p:spTgt spid="2">
-                                            <p:txEl>
-                                              <p:pRg st="4" end="4"/>
-                                            </p:txEl>
-                                          </p:spTgt>
-                                        </p:tgtEl>
-                                        <p:attrNameLst>
-                                          <p:attrName>style.visibility</p:attrName>
-                                        </p:attrNameLst>
-                                      </p:cBhvr>
-                                      <p:to>
-                                        <p:strVal val="visible"/>
-                                      </p:to>
-                                    </p:set>
-                                  </p:childTnLst>
-                                </p:cTn>
-                              </p:par>
-                            </p:childTnLst>
-                          </p:cTn>
-                        </p:par>
-                      </p:childTnLst>
-                    </p:cTn>
-                  </p:par>
-                </p:childTnLst>
-              </p:cTn>
-              <p:prevCondLst>
-                <p:cond evt="onPrev" delay="0">
-                  <p:tgtEl>
-                    <p:sldTgt/>
-                  </p:tgtEl>
-                </p:cond>
-              </p:prevCondLst>
-              <p:nextCondLst>
-                <p:cond evt="onNext" delay="0">
-                  <p:tgtEl>
-                    <p:sldTgt/>
-                  </p:tgtEl>
-                </p:cond>
-              </p:nextCondLst>
-            </p:seq>
-          </p:childTnLst>
-        </p:cTn>
-      </p:par>
-    </p:tnLst>
-    <p:bldLst>
-      <p:bldP spid="2" grpId="0" build="p"/>
+      <p:bldP spid="2" grpId="0" uiExpand="1" build="p"/>
+      <p:bldP spid="4" grpId="0" uiExpand="1" build="p"/>
     </p:bldLst>
   </p:timing>
 </p:sld>
@@ -14934,7 +8537,7 @@
           <p:cNvPr id="3" name="Content Placeholder 2">
             <a:extLst>
               <a:ext uri="{FF2B5EF4-FFF2-40B4-BE49-F238E27FC236}">
-                <a16:creationId xmlns:a16="http://schemas.microsoft.com/office/drawing/2014/main" id="{CAD1010D-4246-4E57-8AB3-E93F44F28BF6}"/>
+                <a16:creationId xmlns:a16="http://schemas.microsoft.com/office/drawing/2014/main" id="{62997713-01B1-4DE1-AC29-C3C7B2DF05C6}"/>
               </a:ext>
             </a:extLst>
           </p:cNvPr>
@@ -14952,17 +8555,17 @@
           <a:p>
             <a:r>
               <a:rPr lang="en-US" dirty="0"/>
-              <a:t>Fan in and fan out</a:t>
+              <a:t>Complementary MOS (CMOS)</a:t>
             </a:r>
           </a:p>
         </p:txBody>
       </p:sp>
       <p:pic>
         <p:nvPicPr>
-          <p:cNvPr id="4" name="Picture 2">
+          <p:cNvPr id="1026" name="Picture 2" descr="What is a CMOS Logic IC? | Toshiba Electronic Devices &amp; Storage Corporation  | Asia-English">
             <a:extLst>
               <a:ext uri="{FF2B5EF4-FFF2-40B4-BE49-F238E27FC236}">
-                <a16:creationId xmlns:a16="http://schemas.microsoft.com/office/drawing/2014/main" id="{2000D7F8-A0DE-470D-B771-4EE8C8ACFD12}"/>
+                <a16:creationId xmlns:a16="http://schemas.microsoft.com/office/drawing/2014/main" id="{CA6DE6CF-1F67-414D-95F6-048A5DBAACCE}"/>
               </a:ext>
             </a:extLst>
           </p:cNvPr>
@@ -14973,7 +8576,7 @@
             <p:ph idx="1"/>
           </p:nvPr>
         </p:nvPicPr>
-        <p:blipFill rotWithShape="1">
+        <p:blipFill>
           <a:blip r:embed="rId2">
             <a:extLst>
               <a:ext uri="{28A0092B-C50C-407E-A947-70E740481C1C}">
@@ -14981,13 +8584,15 @@
               </a:ext>
             </a:extLst>
           </a:blip>
-          <a:srcRect b="8418"/>
-          <a:stretch/>
+          <a:srcRect/>
+          <a:stretch>
+            <a:fillRect/>
+          </a:stretch>
         </p:blipFill>
         <p:spPr bwMode="auto">
           <a:xfrm>
-            <a:off x="457200" y="1752600"/>
-            <a:ext cx="8038454" cy="4144962"/>
+            <a:off x="449870" y="1645467"/>
+            <a:ext cx="7939459" cy="4222703"/>
           </a:xfrm>
           <a:prstGeom prst="rect">
             <a:avLst/>
@@ -15007,7 +8612,7 @@
     </p:spTree>
     <p:extLst>
       <p:ext uri="{BB962C8B-B14F-4D97-AF65-F5344CB8AC3E}">
-        <p14:creationId xmlns:p14="http://schemas.microsoft.com/office/powerpoint/2010/main" val="1962898974"/>
+        <p14:creationId xmlns:p14="http://schemas.microsoft.com/office/powerpoint/2010/main" val="3538801147"/>
       </p:ext>
     </p:extLst>
   </p:cSld>
@@ -15039,7 +8644,7 @@
           <p:cNvPr id="3" name="Content Placeholder 2">
             <a:extLst>
               <a:ext uri="{FF2B5EF4-FFF2-40B4-BE49-F238E27FC236}">
-                <a16:creationId xmlns:a16="http://schemas.microsoft.com/office/drawing/2014/main" id="{AB290C9A-1D23-403A-B6C5-C93051276522}"/>
+                <a16:creationId xmlns:a16="http://schemas.microsoft.com/office/drawing/2014/main" id="{14186ED5-B77A-4949-9FDA-2D5A1F0A723B}"/>
               </a:ext>
             </a:extLst>
           </p:cNvPr>
@@ -15057,7 +8662,7 @@
           <a:p>
             <a:r>
               <a:rPr lang="en-US" dirty="0"/>
-              <a:t>Propagation delay</a:t>
+              <a:t>CMOS schematics</a:t>
             </a:r>
           </a:p>
         </p:txBody>
@@ -15067,7 +8672,7 @@
           <p:cNvPr id="4" name="Picture 2">
             <a:extLst>
               <a:ext uri="{FF2B5EF4-FFF2-40B4-BE49-F238E27FC236}">
-                <a16:creationId xmlns:a16="http://schemas.microsoft.com/office/drawing/2014/main" id="{752AE26A-39F3-4044-A572-AF0CA60BF1F6}"/>
+                <a16:creationId xmlns:a16="http://schemas.microsoft.com/office/drawing/2014/main" id="{F9B1B723-8E6B-466A-8329-8306305B8AA5}"/>
               </a:ext>
             </a:extLst>
           </p:cNvPr>
@@ -15078,7 +8683,7 @@
             <p:ph idx="1"/>
           </p:nvPr>
         </p:nvPicPr>
-        <p:blipFill rotWithShape="1">
+        <p:blipFill>
           <a:blip r:embed="rId2">
             <a:extLst>
               <a:ext uri="{28A0092B-C50C-407E-A947-70E740481C1C}">
@@ -15086,13 +8691,15 @@
               </a:ext>
             </a:extLst>
           </a:blip>
-          <a:srcRect b="6901"/>
-          <a:stretch/>
+          <a:srcRect/>
+          <a:stretch>
+            <a:fillRect/>
+          </a:stretch>
         </p:blipFill>
         <p:spPr bwMode="auto">
           <a:xfrm>
-            <a:off x="457200" y="1905000"/>
-            <a:ext cx="8229600" cy="3736118"/>
+            <a:off x="337150" y="1493838"/>
+            <a:ext cx="8164899" cy="4525962"/>
           </a:xfrm>
           <a:prstGeom prst="rect">
             <a:avLst/>
@@ -15112,7 +8719,7 @@
     </p:spTree>
     <p:extLst>
       <p:ext uri="{BB962C8B-B14F-4D97-AF65-F5344CB8AC3E}">
-        <p14:creationId xmlns:p14="http://schemas.microsoft.com/office/powerpoint/2010/main" val="2717895376"/>
+        <p14:creationId xmlns:p14="http://schemas.microsoft.com/office/powerpoint/2010/main" val="3611764390"/>
       </p:ext>
     </p:extLst>
   </p:cSld>
@@ -15144,7 +8751,7 @@
           <p:cNvPr id="3" name="Content Placeholder 2">
             <a:extLst>
               <a:ext uri="{FF2B5EF4-FFF2-40B4-BE49-F238E27FC236}">
-                <a16:creationId xmlns:a16="http://schemas.microsoft.com/office/drawing/2014/main" id="{66C80969-6F69-43A9-94D5-AA16B11D09BF}"/>
+                <a16:creationId xmlns:a16="http://schemas.microsoft.com/office/drawing/2014/main" id="{6EC57547-B06A-4DE9-B00C-97DD450A6CC2}"/>
               </a:ext>
             </a:extLst>
           </p:cNvPr>
@@ -15162,7 +8769,7 @@
           <a:p>
             <a:r>
               <a:rPr lang="en-US" dirty="0"/>
-              <a:t>Noise margin</a:t>
+              <a:t>CMOS gates</a:t>
             </a:r>
           </a:p>
         </p:txBody>
@@ -15172,7 +8779,7 @@
           <p:cNvPr id="4" name="Picture 2">
             <a:extLst>
               <a:ext uri="{FF2B5EF4-FFF2-40B4-BE49-F238E27FC236}">
-                <a16:creationId xmlns:a16="http://schemas.microsoft.com/office/drawing/2014/main" id="{2580564C-C418-4F64-82BC-59CB1D7C9ACB}"/>
+                <a16:creationId xmlns:a16="http://schemas.microsoft.com/office/drawing/2014/main" id="{0D5621DD-C8DA-409B-9E12-5B713BFAC508}"/>
               </a:ext>
             </a:extLst>
           </p:cNvPr>
@@ -15183,7 +8790,7 @@
             <p:ph idx="1"/>
           </p:nvPr>
         </p:nvPicPr>
-        <p:blipFill rotWithShape="1">
+        <p:blipFill>
           <a:blip r:embed="rId2">
             <a:extLst>
               <a:ext uri="{28A0092B-C50C-407E-A947-70E740481C1C}">
@@ -15191,13 +8798,15 @@
               </a:ext>
             </a:extLst>
           </a:blip>
-          <a:srcRect b="8418"/>
-          <a:stretch/>
+          <a:srcRect/>
+          <a:stretch>
+            <a:fillRect/>
+          </a:stretch>
         </p:blipFill>
         <p:spPr bwMode="auto">
           <a:xfrm>
-            <a:off x="1642071" y="1447800"/>
-            <a:ext cx="5859857" cy="4830762"/>
+            <a:off x="1298531" y="1493838"/>
+            <a:ext cx="6242138" cy="4525962"/>
           </a:xfrm>
           <a:prstGeom prst="rect">
             <a:avLst/>
@@ -15217,7 +8826,7 @@
     </p:spTree>
     <p:extLst>
       <p:ext uri="{BB962C8B-B14F-4D97-AF65-F5344CB8AC3E}">
-        <p14:creationId xmlns:p14="http://schemas.microsoft.com/office/powerpoint/2010/main" val="1078548147"/>
+        <p14:creationId xmlns:p14="http://schemas.microsoft.com/office/powerpoint/2010/main" val="3710127285"/>
       </p:ext>
     </p:extLst>
   </p:cSld>
@@ -15244,157 +8853,132 @@
           <a:chExt cx="0" cy="0"/>
         </a:xfrm>
       </p:grpSpPr>
+      <p:sp>
+        <p:nvSpPr>
+          <p:cNvPr id="3" name="Content Placeholder 2">
+            <a:extLst>
+              <a:ext uri="{FF2B5EF4-FFF2-40B4-BE49-F238E27FC236}">
+                <a16:creationId xmlns:a16="http://schemas.microsoft.com/office/drawing/2014/main" id="{E093EA72-03C6-495B-9DED-F8BC9DB4D934}"/>
+              </a:ext>
+            </a:extLst>
+          </p:cNvPr>
+          <p:cNvSpPr>
+            <a:spLocks noGrp="1"/>
+          </p:cNvSpPr>
+          <p:nvPr>
+            <p:ph sz="quarter" idx="10"/>
+          </p:nvPr>
+        </p:nvSpPr>
+        <p:spPr/>
+        <p:txBody>
+          <a:bodyPr/>
+          <a:lstStyle/>
+          <a:p>
+            <a:r>
+              <a:rPr lang="en-US" dirty="0"/>
+              <a:t>Transmission gates</a:t>
+            </a:r>
+          </a:p>
+        </p:txBody>
+      </p:sp>
       <p:pic>
         <p:nvPicPr>
-          <p:cNvPr id="5" name="Content Placeholder 4">
+          <p:cNvPr id="4" name="Picture 2">
             <a:extLst>
               <a:ext uri="{FF2B5EF4-FFF2-40B4-BE49-F238E27FC236}">
-                <a16:creationId xmlns:a16="http://schemas.microsoft.com/office/drawing/2014/main" id="{F1F4B6F8-3DB2-4736-B27D-931417AB6E03}"/>
+                <a16:creationId xmlns:a16="http://schemas.microsoft.com/office/drawing/2014/main" id="{CE3C1035-5EAC-4AA6-9CBD-1328DA5821D6}"/>
               </a:ext>
             </a:extLst>
           </p:cNvPr>
           <p:cNvPicPr>
-            <a:picLocks noGrp="1" noChangeAspect="1"/>
+            <a:picLocks noGrp="1" noChangeAspect="1" noChangeArrowheads="1"/>
           </p:cNvPicPr>
           <p:nvPr>
             <p:ph idx="1"/>
           </p:nvPr>
+        </p:nvPicPr>
+        <p:blipFill rotWithShape="1">
+          <a:blip r:embed="rId2">
+            <a:extLst>
+              <a:ext uri="{28A0092B-C50C-407E-A947-70E740481C1C}">
+                <a14:useLocalDpi xmlns:a14="http://schemas.microsoft.com/office/drawing/2010/main" val="0"/>
+              </a:ext>
+            </a:extLst>
+          </a:blip>
+          <a:srcRect b="8418"/>
+          <a:stretch/>
+        </p:blipFill>
+        <p:spPr bwMode="auto">
+          <a:xfrm>
+            <a:off x="90142" y="1371600"/>
+            <a:ext cx="6918671" cy="5099813"/>
+          </a:xfrm>
+          <a:prstGeom prst="rect">
+            <a:avLst/>
+          </a:prstGeom>
+          <a:noFill/>
+          <a:extLst>
+            <a:ext uri="{909E8E84-426E-40DD-AFC4-6F175D3DCCD1}">
+              <a14:hiddenFill xmlns:a14="http://schemas.microsoft.com/office/drawing/2010/main">
+                <a:solidFill>
+                  <a:srgbClr val="FFFFFF"/>
+                </a:solidFill>
+              </a14:hiddenFill>
+            </a:ext>
+          </a:extLst>
+        </p:spPr>
+      </p:pic>
+      <p:pic>
+        <p:nvPicPr>
+          <p:cNvPr id="5" name="Picture 2">
+            <a:extLst>
+              <a:ext uri="{FF2B5EF4-FFF2-40B4-BE49-F238E27FC236}">
+                <a16:creationId xmlns:a16="http://schemas.microsoft.com/office/drawing/2014/main" id="{C9EC30F2-6FD5-41B1-95BF-FFEB1AF35A47}"/>
+              </a:ext>
+            </a:extLst>
+          </p:cNvPr>
+          <p:cNvPicPr>
+            <a:picLocks noChangeAspect="1" noChangeArrowheads="1"/>
+          </p:cNvPicPr>
+          <p:nvPr/>
         </p:nvPicPr>
         <p:blipFill>
-          <a:blip r:embed="rId2"/>
+          <a:blip r:embed="rId3">
+            <a:extLst>
+              <a:ext uri="{28A0092B-C50C-407E-A947-70E740481C1C}">
+                <a14:useLocalDpi xmlns:a14="http://schemas.microsoft.com/office/drawing/2010/main" val="0"/>
+              </a:ext>
+            </a:extLst>
+          </a:blip>
+          <a:srcRect/>
           <a:stretch>
             <a:fillRect/>
           </a:stretch>
         </p:blipFill>
-        <p:spPr>
+        <p:spPr bwMode="auto">
           <a:xfrm>
-            <a:off x="230245" y="1524000"/>
-            <a:ext cx="8683510" cy="1524000"/>
-          </a:xfrm>
-        </p:spPr>
-      </p:pic>
-      <p:sp>
-        <p:nvSpPr>
-          <p:cNvPr id="3" name="Content Placeholder 2">
-            <a:extLst>
-              <a:ext uri="{FF2B5EF4-FFF2-40B4-BE49-F238E27FC236}">
-                <a16:creationId xmlns:a16="http://schemas.microsoft.com/office/drawing/2014/main" id="{3ADB3C75-ACFF-4086-99FC-4AAF7CB33A9E}"/>
-              </a:ext>
-            </a:extLst>
-          </p:cNvPr>
-          <p:cNvSpPr>
-            <a:spLocks noGrp="1"/>
-          </p:cNvSpPr>
-          <p:nvPr>
-            <p:ph sz="quarter" idx="10"/>
-          </p:nvPr>
-        </p:nvSpPr>
-        <p:spPr/>
-        <p:txBody>
-          <a:bodyPr/>
-          <a:lstStyle/>
-          <a:p>
-            <a:r>
-              <a:rPr lang="en-US" dirty="0"/>
-              <a:t>Example</a:t>
-            </a:r>
-          </a:p>
-        </p:txBody>
-      </p:sp>
-      <p:pic>
-        <p:nvPicPr>
-          <p:cNvPr id="7" name="Picture 6">
-            <a:extLst>
-              <a:ext uri="{FF2B5EF4-FFF2-40B4-BE49-F238E27FC236}">
-                <a16:creationId xmlns:a16="http://schemas.microsoft.com/office/drawing/2014/main" id="{AE5D9CAC-41CA-4F42-8A9A-707C5FE7E33B}"/>
-              </a:ext>
-            </a:extLst>
-          </p:cNvPr>
-          <p:cNvPicPr>
-            <a:picLocks noChangeAspect="1"/>
-          </p:cNvPicPr>
-          <p:nvPr/>
-        </p:nvPicPr>
-        <p:blipFill>
-          <a:blip r:embed="rId3"/>
-          <a:stretch>
-            <a:fillRect/>
-          </a:stretch>
-        </p:blipFill>
-        <p:spPr>
-          <a:xfrm>
-            <a:off x="304799" y="3186078"/>
-            <a:ext cx="8608955" cy="557179"/>
+            <a:off x="6274545" y="4583906"/>
+            <a:ext cx="2798363" cy="1804988"/>
           </a:xfrm>
           <a:prstGeom prst="rect">
             <a:avLst/>
           </a:prstGeom>
-        </p:spPr>
-      </p:pic>
-      <p:pic>
-        <p:nvPicPr>
-          <p:cNvPr id="9" name="Picture 8">
-            <a:extLst>
-              <a:ext uri="{FF2B5EF4-FFF2-40B4-BE49-F238E27FC236}">
-                <a16:creationId xmlns:a16="http://schemas.microsoft.com/office/drawing/2014/main" id="{94C65FBA-A561-4738-B651-7CAF37CB5DC0}"/>
-              </a:ext>
-            </a:extLst>
-          </p:cNvPr>
-          <p:cNvPicPr>
-            <a:picLocks noChangeAspect="1"/>
-          </p:cNvPicPr>
-          <p:nvPr/>
-        </p:nvPicPr>
-        <p:blipFill>
-          <a:blip r:embed="rId4"/>
-          <a:stretch>
-            <a:fillRect/>
-          </a:stretch>
-        </p:blipFill>
-        <p:spPr>
-          <a:xfrm>
-            <a:off x="304799" y="3891632"/>
-            <a:ext cx="6068272" cy="1838582"/>
-          </a:xfrm>
-          <a:prstGeom prst="rect">
-            <a:avLst/>
-          </a:prstGeom>
-        </p:spPr>
-      </p:pic>
-      <p:pic>
-        <p:nvPicPr>
-          <p:cNvPr id="11" name="Picture 10">
-            <a:extLst>
-              <a:ext uri="{FF2B5EF4-FFF2-40B4-BE49-F238E27FC236}">
-                <a16:creationId xmlns:a16="http://schemas.microsoft.com/office/drawing/2014/main" id="{D4C5043F-20B8-477B-88B2-343103E58D68}"/>
-              </a:ext>
-            </a:extLst>
-          </p:cNvPr>
-          <p:cNvPicPr>
-            <a:picLocks noChangeAspect="1"/>
-          </p:cNvPicPr>
-          <p:nvPr/>
-        </p:nvPicPr>
-        <p:blipFill>
-          <a:blip r:embed="rId5"/>
-          <a:stretch>
-            <a:fillRect/>
-          </a:stretch>
-        </p:blipFill>
-        <p:spPr>
-          <a:xfrm>
-            <a:off x="337750" y="5806777"/>
-            <a:ext cx="5658640" cy="905001"/>
-          </a:xfrm>
-          <a:prstGeom prst="rect">
-            <a:avLst/>
-          </a:prstGeom>
+          <a:noFill/>
+          <a:extLst>
+            <a:ext uri="{909E8E84-426E-40DD-AFC4-6F175D3DCCD1}">
+              <a14:hiddenFill xmlns:a14="http://schemas.microsoft.com/office/drawing/2010/main">
+                <a:solidFill>
+                  <a:srgbClr val="FFFFFF"/>
+                </a:solidFill>
+              </a14:hiddenFill>
+            </a:ext>
+          </a:extLst>
         </p:spPr>
       </p:pic>
     </p:spTree>
     <p:extLst>
       <p:ext uri="{BB962C8B-B14F-4D97-AF65-F5344CB8AC3E}">
-        <p14:creationId xmlns:p14="http://schemas.microsoft.com/office/powerpoint/2010/main" val="2966172230"/>
+        <p14:creationId xmlns:p14="http://schemas.microsoft.com/office/powerpoint/2010/main" val="260457647"/>
       </p:ext>
     </p:extLst>
   </p:cSld>
@@ -15435,34 +9019,7 @@
                                           </p:stCondLst>
                                         </p:cTn>
                                         <p:tgtEl>
-                                          <p:spTgt spid="11"/>
-                                        </p:tgtEl>
-                                        <p:attrNameLst>
-                                          <p:attrName>style.visibility</p:attrName>
-                                        </p:attrNameLst>
-                                      </p:cBhvr>
-                                      <p:to>
-                                        <p:strVal val="visible"/>
-                                      </p:to>
-                                    </p:set>
-                                  </p:childTnLst>
-                                </p:cTn>
-                              </p:par>
-                              <p:par>
-                                <p:cTn id="7" presetID="1" presetClass="entr" presetSubtype="0" fill="hold" nodeType="withEffect">
-                                  <p:stCondLst>
-                                    <p:cond delay="0"/>
-                                  </p:stCondLst>
-                                  <p:childTnLst>
-                                    <p:set>
-                                      <p:cBhvr>
-                                        <p:cTn id="8" dur="1" fill="hold">
-                                          <p:stCondLst>
-                                            <p:cond delay="0"/>
-                                          </p:stCondLst>
-                                        </p:cTn>
-                                        <p:tgtEl>
-                                          <p:spTgt spid="9"/>
+                                          <p:spTgt spid="5"/>
                                         </p:tgtEl>
                                         <p:attrNameLst>
                                           <p:attrName>style.visibility</p:attrName>
@@ -15523,47 +9080,12 @@
           <a:chExt cx="0" cy="0"/>
         </a:xfrm>
       </p:grpSpPr>
-      <p:pic>
-        <p:nvPicPr>
-          <p:cNvPr id="5" name="Content Placeholder 4" descr="A qr code on a white background&#10;&#10;AI-generated content may be incorrect.">
+      <p:sp>
+        <p:nvSpPr>
+          <p:cNvPr id="3" name="Content Placeholder 2">
             <a:extLst>
               <a:ext uri="{FF2B5EF4-FFF2-40B4-BE49-F238E27FC236}">
-                <a16:creationId xmlns:a16="http://schemas.microsoft.com/office/drawing/2014/main" id="{60A1A136-0209-90F1-B1E4-6D0F79EE2659}"/>
-              </a:ext>
-            </a:extLst>
-          </p:cNvPr>
-          <p:cNvPicPr>
-            <a:picLocks noGrp="1" noChangeAspect="1"/>
-          </p:cNvPicPr>
-          <p:nvPr>
-            <p:ph idx="1"/>
-          </p:nvPr>
-        </p:nvPicPr>
-        <p:blipFill>
-          <a:blip r:embed="rId2">
-            <a:extLst>
-              <a:ext uri="{28A0092B-C50C-407E-A947-70E740481C1C}">
-                <a14:useLocalDpi xmlns:a14="http://schemas.microsoft.com/office/drawing/2010/main" val="0"/>
-              </a:ext>
-            </a:extLst>
-          </a:blip>
-          <a:stretch>
-            <a:fillRect/>
-          </a:stretch>
-        </p:blipFill>
-        <p:spPr>
-          <a:xfrm>
-            <a:off x="609600" y="1447800"/>
-            <a:ext cx="5105400" cy="5105400"/>
-          </a:xfrm>
-        </p:spPr>
-      </p:pic>
-      <p:sp>
-        <p:nvSpPr>
-          <p:cNvPr id="3" name="Content Placeholder 2">
-            <a:extLst>
-              <a:ext uri="{FF2B5EF4-FFF2-40B4-BE49-F238E27FC236}">
-                <a16:creationId xmlns:a16="http://schemas.microsoft.com/office/drawing/2014/main" id="{794439D3-5825-E989-96F9-EF0D6E48C418}"/>
+                <a16:creationId xmlns:a16="http://schemas.microsoft.com/office/drawing/2014/main" id="{35862F8E-C398-456B-AEAB-F0452DA6A58A}"/>
               </a:ext>
             </a:extLst>
           </p:cNvPr>
@@ -15581,18 +9103,122 @@
           <a:p>
             <a:r>
               <a:rPr lang="en-US" dirty="0"/>
-              <a:t>Attendance!</a:t>
-            </a:r>
-            <a:endParaRPr lang="en-IN" dirty="0"/>
-          </a:p>
-        </p:txBody>
-      </p:sp>
+              <a:t>What does this circuit do?</a:t>
+            </a:r>
+          </a:p>
+        </p:txBody>
+      </p:sp>
+      <p:pic>
+        <p:nvPicPr>
+          <p:cNvPr id="4" name="Picture 2">
+            <a:extLst>
+              <a:ext uri="{FF2B5EF4-FFF2-40B4-BE49-F238E27FC236}">
+                <a16:creationId xmlns:a16="http://schemas.microsoft.com/office/drawing/2014/main" id="{AC69B161-46D9-4295-9FB1-5844078A75A2}"/>
+              </a:ext>
+            </a:extLst>
+          </p:cNvPr>
+          <p:cNvPicPr>
+            <a:picLocks noGrp="1" noChangeAspect="1" noChangeArrowheads="1"/>
+          </p:cNvPicPr>
+          <p:nvPr>
+            <p:ph idx="1"/>
+          </p:nvPr>
+        </p:nvPicPr>
+        <p:blipFill rotWithShape="1">
+          <a:blip r:embed="rId2">
+            <a:extLst>
+              <a:ext uri="{28A0092B-C50C-407E-A947-70E740481C1C}">
+                <a14:useLocalDpi xmlns:a14="http://schemas.microsoft.com/office/drawing/2010/main" val="0"/>
+              </a:ext>
+            </a:extLst>
+          </a:blip>
+          <a:srcRect r="36944" b="8418"/>
+          <a:stretch/>
+        </p:blipFill>
+        <p:spPr bwMode="auto">
+          <a:xfrm>
+            <a:off x="333967" y="1493838"/>
+            <a:ext cx="5152434" cy="4144962"/>
+          </a:xfrm>
+          <a:prstGeom prst="rect">
+            <a:avLst/>
+          </a:prstGeom>
+          <a:noFill/>
+          <a:extLst>
+            <a:ext uri="{909E8E84-426E-40DD-AFC4-6F175D3DCCD1}">
+              <a14:hiddenFill xmlns:a14="http://schemas.microsoft.com/office/drawing/2010/main">
+                <a:solidFill>
+                  <a:srgbClr val="FFFFFF"/>
+                </a:solidFill>
+              </a14:hiddenFill>
+            </a:ext>
+          </a:extLst>
+        </p:spPr>
+      </p:pic>
+      <p:pic>
+        <p:nvPicPr>
+          <p:cNvPr id="5" name="Picture 2">
+            <a:extLst>
+              <a:ext uri="{FF2B5EF4-FFF2-40B4-BE49-F238E27FC236}">
+                <a16:creationId xmlns:a16="http://schemas.microsoft.com/office/drawing/2014/main" id="{406833E8-3F51-4408-9A63-025DB7FBF737}"/>
+              </a:ext>
+            </a:extLst>
+          </p:cNvPr>
+          <p:cNvPicPr>
+            <a:picLocks noChangeAspect="1" noChangeArrowheads="1"/>
+          </p:cNvPicPr>
+          <p:nvPr/>
+        </p:nvPicPr>
+        <p:blipFill rotWithShape="1">
+          <a:blip r:embed="rId2">
+            <a:extLst>
+              <a:ext uri="{28A0092B-C50C-407E-A947-70E740481C1C}">
+                <a14:useLocalDpi xmlns:a14="http://schemas.microsoft.com/office/drawing/2010/main" val="0"/>
+              </a:ext>
+            </a:extLst>
+          </a:blip>
+          <a:srcRect l="-1" r="-358" b="8418"/>
+          <a:stretch/>
+        </p:blipFill>
+        <p:spPr bwMode="auto">
+          <a:xfrm>
+            <a:off x="333966" y="1493838"/>
+            <a:ext cx="8200433" cy="4144962"/>
+          </a:xfrm>
+          <a:prstGeom prst="rect">
+            <a:avLst/>
+          </a:prstGeom>
+          <a:noFill/>
+          <a:ln>
+            <a:noFill/>
+          </a:ln>
+          <a:extLst>
+            <a:ext uri="{909E8E84-426E-40DD-AFC4-6F175D3DCCD1}">
+              <a14:hiddenFill xmlns:a14="http://schemas.microsoft.com/office/drawing/2010/main">
+                <a:solidFill>
+                  <a:srgbClr val="FFFFFF"/>
+                </a:solidFill>
+              </a14:hiddenFill>
+            </a:ext>
+            <a:ext uri="{91240B29-F687-4F45-9708-019B960494DF}">
+              <a14:hiddenLine xmlns:a14="http://schemas.microsoft.com/office/drawing/2010/main" w="9525">
+                <a:solidFill>
+                  <a:srgbClr val="000000"/>
+                </a:solidFill>
+                <a:miter lim="800000"/>
+                <a:headEnd/>
+                <a:tailEnd/>
+              </a14:hiddenLine>
+            </a:ext>
+          </a:extLst>
+        </p:spPr>
+      </p:pic>
       <p:sp>
         <p:nvSpPr>
           <p:cNvPr id="7" name="TextBox 6">
             <a:extLst>
               <a:ext uri="{FF2B5EF4-FFF2-40B4-BE49-F238E27FC236}">
-                <a16:creationId xmlns:a16="http://schemas.microsoft.com/office/drawing/2014/main" id="{5DC6D221-3557-4B26-23D4-4BAF1442A190}"/>
+                <a16:creationId xmlns:a16="http://schemas.microsoft.com/office/drawing/2014/main" id="{A81CAD5C-AD3C-450D-BFB6-210DE8616482}"/>
               </a:ext>
             </a:extLst>
           </p:cNvPr>
@@ -15601,8 +9227,8 @@
         </p:nvSpPr>
         <p:spPr>
           <a:xfrm>
-            <a:off x="5486400" y="1905000"/>
-            <a:ext cx="3352800" cy="3416320"/>
+            <a:off x="6844189" y="4419600"/>
+            <a:ext cx="1126807" cy="369332"/>
           </a:xfrm>
           <a:prstGeom prst="rect">
             <a:avLst/>
@@ -15616,44 +9242,8 @@
           <a:lstStyle/>
           <a:p>
             <a:r>
-              <a:rPr lang="en-IN" dirty="0"/>
-              <a:t>Will be opened only during the attendance window.</a:t>
-            </a:r>
-          </a:p>
-          <a:p>
-            <a:endParaRPr lang="en-IN" dirty="0"/>
-          </a:p>
-          <a:p>
-            <a:r>
-              <a:rPr lang="en-IN" dirty="0"/>
-              <a:t>Enable location on your device.</a:t>
-            </a:r>
-          </a:p>
-          <a:p>
-            <a:endParaRPr lang="en-IN" dirty="0"/>
-          </a:p>
-          <a:p>
-            <a:r>
-              <a:rPr lang="en-IN" dirty="0"/>
-              <a:t>Grant any location permissions requested by the website.</a:t>
-            </a:r>
-          </a:p>
-          <a:p>
-            <a:endParaRPr lang="en-IN" dirty="0"/>
-          </a:p>
-          <a:p>
-            <a:r>
-              <a:rPr lang="en-IN" dirty="0"/>
-              <a:t>Refresh the page.</a:t>
-            </a:r>
-          </a:p>
-          <a:p>
-            <a:endParaRPr lang="en-IN" dirty="0"/>
-          </a:p>
-          <a:p>
-            <a:r>
-              <a:rPr lang="en-IN" dirty="0"/>
-              <a:t>Try submitting again.</a:t>
+              <a:rPr lang="en-US" b="1" dirty="0"/>
+              <a:t>EX-OR!</a:t>
             </a:r>
           </a:p>
         </p:txBody>
@@ -15661,13 +9251,136 @@
     </p:spTree>
     <p:extLst>
       <p:ext uri="{BB962C8B-B14F-4D97-AF65-F5344CB8AC3E}">
-        <p14:creationId xmlns:p14="http://schemas.microsoft.com/office/powerpoint/2010/main" val="3462180687"/>
+        <p14:creationId xmlns:p14="http://schemas.microsoft.com/office/powerpoint/2010/main" val="1844781604"/>
       </p:ext>
     </p:extLst>
   </p:cSld>
   <p:clrMapOvr>
     <a:masterClrMapping/>
   </p:clrMapOvr>
+  <p:timing>
+    <p:tnLst>
+      <p:par>
+        <p:cTn id="1" dur="indefinite" restart="never" nodeType="tmRoot">
+          <p:childTnLst>
+            <p:seq concurrent="1" nextAc="seek">
+              <p:cTn id="2" dur="indefinite" nodeType="mainSeq">
+                <p:childTnLst>
+                  <p:par>
+                    <p:cTn id="3" fill="hold">
+                      <p:stCondLst>
+                        <p:cond delay="indefinite"/>
+                      </p:stCondLst>
+                      <p:childTnLst>
+                        <p:par>
+                          <p:cTn id="4" fill="hold">
+                            <p:stCondLst>
+                              <p:cond delay="0"/>
+                            </p:stCondLst>
+                            <p:childTnLst>
+                              <p:par>
+                                <p:cTn id="5" presetID="1" presetClass="entr" presetSubtype="0" fill="hold" nodeType="clickEffect">
+                                  <p:stCondLst>
+                                    <p:cond delay="0"/>
+                                  </p:stCondLst>
+                                  <p:childTnLst>
+                                    <p:set>
+                                      <p:cBhvr>
+                                        <p:cTn id="6" dur="1" fill="hold">
+                                          <p:stCondLst>
+                                            <p:cond delay="0"/>
+                                          </p:stCondLst>
+                                        </p:cTn>
+                                        <p:tgtEl>
+                                          <p:spTgt spid="5"/>
+                                        </p:tgtEl>
+                                        <p:attrNameLst>
+                                          <p:attrName>style.visibility</p:attrName>
+                                        </p:attrNameLst>
+                                      </p:cBhvr>
+                                      <p:to>
+                                        <p:strVal val="visible"/>
+                                      </p:to>
+                                    </p:set>
+                                  </p:childTnLst>
+                                </p:cTn>
+                              </p:par>
+                            </p:childTnLst>
+                          </p:cTn>
+                        </p:par>
+                      </p:childTnLst>
+                    </p:cTn>
+                  </p:par>
+                  <p:par>
+                    <p:cTn id="7" fill="hold">
+                      <p:stCondLst>
+                        <p:cond delay="indefinite"/>
+                      </p:stCondLst>
+                      <p:childTnLst>
+                        <p:par>
+                          <p:cTn id="8" fill="hold">
+                            <p:stCondLst>
+                              <p:cond delay="0"/>
+                            </p:stCondLst>
+                            <p:childTnLst>
+                              <p:par>
+                                <p:cTn id="9" presetID="1" presetClass="entr" presetSubtype="0" fill="hold" grpId="0" nodeType="clickEffect">
+                                  <p:stCondLst>
+                                    <p:cond delay="0"/>
+                                  </p:stCondLst>
+                                  <p:childTnLst>
+                                    <p:set>
+                                      <p:cBhvr>
+                                        <p:cTn id="10" dur="1" fill="hold">
+                                          <p:stCondLst>
+                                            <p:cond delay="0"/>
+                                          </p:stCondLst>
+                                        </p:cTn>
+                                        <p:tgtEl>
+                                          <p:spTgt spid="7"/>
+                                        </p:tgtEl>
+                                        <p:attrNameLst>
+                                          <p:attrName>style.visibility</p:attrName>
+                                        </p:attrNameLst>
+                                      </p:cBhvr>
+                                      <p:to>
+                                        <p:strVal val="visible"/>
+                                      </p:to>
+                                    </p:set>
+                                  </p:childTnLst>
+                                </p:cTn>
+                              </p:par>
+                            </p:childTnLst>
+                          </p:cTn>
+                        </p:par>
+                      </p:childTnLst>
+                    </p:cTn>
+                  </p:par>
+                </p:childTnLst>
+              </p:cTn>
+              <p:prevCondLst>
+                <p:cond evt="onPrev" delay="0">
+                  <p:tgtEl>
+                    <p:sldTgt/>
+                  </p:tgtEl>
+                </p:cond>
+              </p:prevCondLst>
+              <p:nextCondLst>
+                <p:cond evt="onNext" delay="0">
+                  <p:tgtEl>
+                    <p:sldTgt/>
+                  </p:tgtEl>
+                </p:cond>
+              </p:nextCondLst>
+            </p:seq>
+          </p:childTnLst>
+        </p:cTn>
+      </p:par>
+    </p:tnLst>
+    <p:bldLst>
+      <p:bldP spid="7" grpId="0"/>
+    </p:bldLst>
+  </p:timing>
 </p:sld>
 </file>
 
